--- a/DAVppt.pptx
+++ b/DAVppt.pptx
@@ -5,10 +5,10 @@
     <p:sldMasterId id="2147483648" r:id="rId4"/>
   </p:sldMasterIdLst>
   <p:notesMasterIdLst>
-    <p:notesMasterId r:id="rId22"/>
+    <p:notesMasterId r:id="rId27"/>
   </p:notesMasterIdLst>
   <p:handoutMasterIdLst>
-    <p:handoutMasterId r:id="rId23"/>
+    <p:handoutMasterId r:id="rId28"/>
   </p:handoutMasterIdLst>
   <p:sldIdLst>
     <p:sldId id="324" r:id="rId5"/>
@@ -18,16 +18,21 @@
     <p:sldId id="327" r:id="rId9"/>
     <p:sldId id="328" r:id="rId10"/>
     <p:sldId id="329" r:id="rId11"/>
-    <p:sldId id="330" r:id="rId12"/>
-    <p:sldId id="331" r:id="rId13"/>
-    <p:sldId id="332" r:id="rId14"/>
-    <p:sldId id="337" r:id="rId15"/>
-    <p:sldId id="333" r:id="rId16"/>
-    <p:sldId id="334" r:id="rId17"/>
-    <p:sldId id="335" r:id="rId18"/>
-    <p:sldId id="336" r:id="rId19"/>
-    <p:sldId id="312" r:id="rId20"/>
-    <p:sldId id="313" r:id="rId21"/>
+    <p:sldId id="340" r:id="rId12"/>
+    <p:sldId id="330" r:id="rId13"/>
+    <p:sldId id="331" r:id="rId14"/>
+    <p:sldId id="332" r:id="rId15"/>
+    <p:sldId id="337" r:id="rId16"/>
+    <p:sldId id="333" r:id="rId17"/>
+    <p:sldId id="334" r:id="rId18"/>
+    <p:sldId id="341" r:id="rId19"/>
+    <p:sldId id="342" r:id="rId20"/>
+    <p:sldId id="335" r:id="rId21"/>
+    <p:sldId id="339" r:id="rId22"/>
+    <p:sldId id="336" r:id="rId23"/>
+    <p:sldId id="312" r:id="rId24"/>
+    <p:sldId id="313" r:id="rId25"/>
+    <p:sldId id="338" r:id="rId26"/>
   </p:sldIdLst>
   <p:sldSz cx="12192000" cy="6858000"/>
   <p:notesSz cx="6858000" cy="9144000"/>
@@ -265,7 +270,7 @@
           <a:p>
             <a:fld id="{EF1077DB-935E-4A0A-947A-D283B9F9F452}" type="datetimeFigureOut">
               <a:rPr lang="en-US" smtClean="0"/>
-              <a:t>4/29/2024</a:t>
+              <a:t>5/9/2024</a:t>
             </a:fld>
             <a:endParaRPr lang="en-US" dirty="0"/>
           </a:p>
@@ -442,7 +447,7 @@
           <a:p>
             <a:fld id="{2D9EC30E-1A71-4188-9BE7-E2A64929A436}" type="datetimeFigureOut">
               <a:rPr lang="en-US" noProof="0" smtClean="0"/>
-              <a:t>4/29/2024</a:t>
+              <a:t>5/9/2024</a:t>
             </a:fld>
             <a:endParaRPr lang="en-US" noProof="0" dirty="0"/>
           </a:p>
@@ -942,7 +947,7 @@
           <a:p>
             <a:fld id="{8530193B-564F-4854-8A52-728F3FB19C85}" type="slidenum">
               <a:rPr lang="en-US" noProof="0" smtClean="0"/>
-              <a:t>16</a:t>
+              <a:t>20</a:t>
             </a:fld>
             <a:endParaRPr lang="en-US" noProof="0" dirty="0"/>
           </a:p>
@@ -7762,7 +7767,7 @@
                 </a:solidFill>
               </a:rPr>
               <a:pPr/>
-              <a:t>4/29/2024</a:t>
+              <a:t>5/9/2024</a:t>
             </a:fld>
             <a:endParaRPr lang="en-US" sz="1100" dirty="0">
               <a:solidFill>
@@ -8831,12 +8836,13 @@
         </p:nvPicPr>
         <p:blipFill>
           <a:blip r:embed="rId2"/>
-          <a:srcRect/>
-          <a:stretch/>
+          <a:stretch>
+            <a:fillRect/>
+          </a:stretch>
         </p:blipFill>
         <p:spPr>
           <a:xfrm>
-            <a:off x="3448085" y="2039938"/>
+            <a:off x="3554765" y="1371600"/>
             <a:ext cx="5295830" cy="4114800"/>
           </a:xfrm>
         </p:spPr>
@@ -8864,7 +8870,44 @@
           <a:p>
             <a:r>
               <a:rPr lang="en-US" dirty="0"/>
-              <a:t>COURSES PER SUBJECT</a:t>
+              <a:t>PRICE DISTRIBUTION</a:t>
+            </a:r>
+            <a:endParaRPr lang="en-IN" dirty="0"/>
+          </a:p>
+        </p:txBody>
+      </p:sp>
+      <p:sp>
+        <p:nvSpPr>
+          <p:cNvPr id="2" name="TextBox 1">
+            <a:extLst>
+              <a:ext uri="{FF2B5EF4-FFF2-40B4-BE49-F238E27FC236}">
+                <a16:creationId xmlns:a16="http://schemas.microsoft.com/office/drawing/2014/main" id="{4E0A4D74-CF3B-3D1D-4E52-9DD13AD4A008}"/>
+              </a:ext>
+            </a:extLst>
+          </p:cNvPr>
+          <p:cNvSpPr txBox="1"/>
+          <p:nvPr/>
+        </p:nvSpPr>
+        <p:spPr>
+          <a:xfrm>
+            <a:off x="3554765" y="5730240"/>
+            <a:ext cx="5295830" cy="369332"/>
+          </a:xfrm>
+          <a:prstGeom prst="rect">
+            <a:avLst/>
+          </a:prstGeom>
+          <a:noFill/>
+        </p:spPr>
+        <p:txBody>
+          <a:bodyPr wrap="square" rtlCol="0">
+            <a:spAutoFit/>
+          </a:bodyPr>
+          <a:lstStyle/>
+          <a:p>
+            <a:pPr algn="ctr"/>
+            <a:r>
+              <a:rPr lang="en-US" dirty="0"/>
+              <a:t>Most of the courses are priced at lower cost</a:t>
             </a:r>
             <a:endParaRPr lang="en-IN" dirty="0"/>
           </a:p>
@@ -8873,7 +8916,7 @@
     </p:spTree>
     <p:extLst>
       <p:ext uri="{BB962C8B-B14F-4D97-AF65-F5344CB8AC3E}">
-        <p14:creationId xmlns:p14="http://schemas.microsoft.com/office/powerpoint/2010/main" val="1404817230"/>
+        <p14:creationId xmlns:p14="http://schemas.microsoft.com/office/powerpoint/2010/main" val="1964754314"/>
       </p:ext>
     </p:extLst>
   </p:cSld>
@@ -8900,34 +8943,6 @@
           <a:chExt cx="0" cy="0"/>
         </a:xfrm>
       </p:grpSpPr>
-      <p:pic>
-        <p:nvPicPr>
-          <p:cNvPr id="5" name="Content Placeholder 4">
-            <a:extLst>
-              <a:ext uri="{FF2B5EF4-FFF2-40B4-BE49-F238E27FC236}">
-                <a16:creationId xmlns:a16="http://schemas.microsoft.com/office/drawing/2014/main" id="{41C14442-8FB5-EFBB-CC35-AA4A92895857}"/>
-              </a:ext>
-            </a:extLst>
-          </p:cNvPr>
-          <p:cNvPicPr>
-            <a:picLocks noGrp="1" noChangeAspect="1"/>
-          </p:cNvPicPr>
-          <p:nvPr>
-            <p:ph sz="quarter" idx="10"/>
-          </p:nvPr>
-        </p:nvPicPr>
-        <p:blipFill>
-          <a:blip r:embed="rId2"/>
-          <a:srcRect/>
-          <a:stretch/>
-        </p:blipFill>
-        <p:spPr>
-          <a:xfrm>
-            <a:off x="2696902" y="1456277"/>
-            <a:ext cx="6585994" cy="5117243"/>
-          </a:xfrm>
-        </p:spPr>
-      </p:pic>
       <p:sp>
         <p:nvSpPr>
           <p:cNvPr id="3" name="Title 2">
@@ -8951,16 +8966,125 @@
           <a:p>
             <a:r>
               <a:rPr lang="en-US" dirty="0"/>
-              <a:t>COURSES IN EACH DIFFICULTY</a:t>
+              <a:t>COURSES PER SUBJECT</a:t>
             </a:r>
             <a:endParaRPr lang="en-IN" dirty="0"/>
           </a:p>
         </p:txBody>
       </p:sp>
+      <p:sp>
+        <p:nvSpPr>
+          <p:cNvPr id="2" name="TextBox 1">
+            <a:extLst>
+              <a:ext uri="{FF2B5EF4-FFF2-40B4-BE49-F238E27FC236}">
+                <a16:creationId xmlns:a16="http://schemas.microsoft.com/office/drawing/2014/main" id="{24CA6F59-92D6-33B1-DBFA-37DAD3DBDD6A}"/>
+              </a:ext>
+            </a:extLst>
+          </p:cNvPr>
+          <p:cNvSpPr txBox="1"/>
+          <p:nvPr/>
+        </p:nvSpPr>
+        <p:spPr>
+          <a:xfrm>
+            <a:off x="3448085" y="5954233"/>
+            <a:ext cx="5295830" cy="369332"/>
+          </a:xfrm>
+          <a:prstGeom prst="rect">
+            <a:avLst/>
+          </a:prstGeom>
+          <a:noFill/>
+        </p:spPr>
+        <p:txBody>
+          <a:bodyPr wrap="square" rtlCol="0">
+            <a:spAutoFit/>
+          </a:bodyPr>
+          <a:lstStyle/>
+          <a:p>
+            <a:pPr algn="ctr"/>
+            <a:r>
+              <a:rPr lang="en-US" dirty="0"/>
+              <a:t>Business finance courses have a lot of competition</a:t>
+            </a:r>
+            <a:endParaRPr lang="en-IN" dirty="0"/>
+          </a:p>
+        </p:txBody>
+      </p:sp>
+      <p:sp>
+        <p:nvSpPr>
+          <p:cNvPr id="6" name="Content Placeholder 5">
+            <a:extLst>
+              <a:ext uri="{FF2B5EF4-FFF2-40B4-BE49-F238E27FC236}">
+                <a16:creationId xmlns:a16="http://schemas.microsoft.com/office/drawing/2014/main" id="{58AD629F-15D9-775D-5126-F429506A8C48}"/>
+              </a:ext>
+            </a:extLst>
+          </p:cNvPr>
+          <p:cNvSpPr>
+            <a:spLocks noGrp="1"/>
+          </p:cNvSpPr>
+          <p:nvPr>
+            <p:ph sz="quarter" idx="10"/>
+          </p:nvPr>
+        </p:nvSpPr>
+        <p:spPr/>
+        <p:txBody>
+          <a:bodyPr/>
+          <a:lstStyle/>
+          <a:p>
+            <a:endParaRPr lang="en-IN" dirty="0"/>
+          </a:p>
+        </p:txBody>
+      </p:sp>
+      <p:pic>
+        <p:nvPicPr>
+          <p:cNvPr id="1028" name="Picture 4">
+            <a:extLst>
+              <a:ext uri="{FF2B5EF4-FFF2-40B4-BE49-F238E27FC236}">
+                <a16:creationId xmlns:a16="http://schemas.microsoft.com/office/drawing/2014/main" id="{A3A4F072-2785-5F6E-7377-BD8B4AADA275}"/>
+              </a:ext>
+            </a:extLst>
+          </p:cNvPr>
+          <p:cNvPicPr>
+            <a:picLocks noChangeAspect="1" noChangeArrowheads="1"/>
+          </p:cNvPicPr>
+          <p:nvPr/>
+        </p:nvPicPr>
+        <p:blipFill>
+          <a:blip r:embed="rId2">
+            <a:extLst>
+              <a:ext uri="{28A0092B-C50C-407E-A947-70E740481C1C}">
+                <a14:useLocalDpi xmlns:a14="http://schemas.microsoft.com/office/drawing/2010/main" val="0"/>
+              </a:ext>
+            </a:extLst>
+          </a:blip>
+          <a:srcRect/>
+          <a:stretch>
+            <a:fillRect/>
+          </a:stretch>
+        </p:blipFill>
+        <p:spPr bwMode="auto">
+          <a:xfrm>
+            <a:off x="2838450" y="1593020"/>
+            <a:ext cx="6515100" cy="4114800"/>
+          </a:xfrm>
+          <a:prstGeom prst="rect">
+            <a:avLst/>
+          </a:prstGeom>
+          <a:noFill/>
+          <a:extLst>
+            <a:ext uri="{909E8E84-426E-40DD-AFC4-6F175D3DCCD1}">
+              <a14:hiddenFill xmlns:a14="http://schemas.microsoft.com/office/drawing/2010/main">
+                <a:solidFill>
+                  <a:srgbClr val="FFFFFF"/>
+                </a:solidFill>
+              </a14:hiddenFill>
+            </a:ext>
+          </a:extLst>
+        </p:spPr>
+      </p:pic>
     </p:spTree>
     <p:extLst>
       <p:ext uri="{BB962C8B-B14F-4D97-AF65-F5344CB8AC3E}">
-        <p14:creationId xmlns:p14="http://schemas.microsoft.com/office/powerpoint/2010/main" val="1469562581"/>
+        <p14:creationId xmlns:p14="http://schemas.microsoft.com/office/powerpoint/2010/main" val="1404817230"/>
       </p:ext>
     </p:extLst>
   </p:cSld>
@@ -9010,8 +9134,8 @@
         </p:blipFill>
         <p:spPr>
           <a:xfrm>
-            <a:off x="3448085" y="2039938"/>
-            <a:ext cx="5295830" cy="4114800"/>
+            <a:off x="3370521" y="1456278"/>
+            <a:ext cx="5460534" cy="4242774"/>
           </a:xfrm>
         </p:spPr>
       </p:pic>
@@ -9038,7 +9162,44 @@
           <a:p>
             <a:r>
               <a:rPr lang="en-US" dirty="0"/>
-              <a:t>DURATION VS REVIEWS</a:t>
+              <a:t>COURSES IN EACH DIFFICULTY</a:t>
+            </a:r>
+            <a:endParaRPr lang="en-IN" dirty="0"/>
+          </a:p>
+        </p:txBody>
+      </p:sp>
+      <p:sp>
+        <p:nvSpPr>
+          <p:cNvPr id="2" name="TextBox 1">
+            <a:extLst>
+              <a:ext uri="{FF2B5EF4-FFF2-40B4-BE49-F238E27FC236}">
+                <a16:creationId xmlns:a16="http://schemas.microsoft.com/office/drawing/2014/main" id="{B452FF19-1DAB-E3D4-B4FF-68FB60D321A6}"/>
+              </a:ext>
+            </a:extLst>
+          </p:cNvPr>
+          <p:cNvSpPr txBox="1"/>
+          <p:nvPr/>
+        </p:nvSpPr>
+        <p:spPr>
+          <a:xfrm>
+            <a:off x="3370521" y="6060558"/>
+            <a:ext cx="5528930" cy="646331"/>
+          </a:xfrm>
+          <a:prstGeom prst="rect">
+            <a:avLst/>
+          </a:prstGeom>
+          <a:noFill/>
+        </p:spPr>
+        <p:txBody>
+          <a:bodyPr wrap="square" rtlCol="0">
+            <a:spAutoFit/>
+          </a:bodyPr>
+          <a:lstStyle/>
+          <a:p>
+            <a:pPr algn="ctr"/>
+            <a:r>
+              <a:rPr lang="en-US" dirty="0"/>
+              <a:t>There are a very few expert and intermediate level courses</a:t>
             </a:r>
             <a:endParaRPr lang="en-IN" dirty="0"/>
           </a:p>
@@ -9047,7 +9208,7 @@
     </p:spTree>
     <p:extLst>
       <p:ext uri="{BB962C8B-B14F-4D97-AF65-F5344CB8AC3E}">
-        <p14:creationId xmlns:p14="http://schemas.microsoft.com/office/powerpoint/2010/main" val="1212058702"/>
+        <p14:creationId xmlns:p14="http://schemas.microsoft.com/office/powerpoint/2010/main" val="1469562581"/>
       </p:ext>
     </p:extLst>
   </p:cSld>
@@ -9097,7 +9258,7 @@
         </p:blipFill>
         <p:spPr>
           <a:xfrm>
-            <a:off x="3448085" y="2039938"/>
+            <a:off x="3448085" y="1487045"/>
             <a:ext cx="5295830" cy="4114800"/>
           </a:xfrm>
         </p:spPr>
@@ -9125,7 +9286,44 @@
           <a:p>
             <a:r>
               <a:rPr lang="en-US" dirty="0"/>
-              <a:t>LECUTURES VS DURATION</a:t>
+              <a:t>DURATION VS REVIEWS</a:t>
+            </a:r>
+            <a:endParaRPr lang="en-IN" dirty="0"/>
+          </a:p>
+        </p:txBody>
+      </p:sp>
+      <p:sp>
+        <p:nvSpPr>
+          <p:cNvPr id="2" name="TextBox 1">
+            <a:extLst>
+              <a:ext uri="{FF2B5EF4-FFF2-40B4-BE49-F238E27FC236}">
+                <a16:creationId xmlns:a16="http://schemas.microsoft.com/office/drawing/2014/main" id="{E8FF0898-4D63-34B2-D345-1BBC221F9A7D}"/>
+              </a:ext>
+            </a:extLst>
+          </p:cNvPr>
+          <p:cNvSpPr txBox="1"/>
+          <p:nvPr/>
+        </p:nvSpPr>
+        <p:spPr>
+          <a:xfrm>
+            <a:off x="3448085" y="5816009"/>
+            <a:ext cx="5295830" cy="923330"/>
+          </a:xfrm>
+          <a:prstGeom prst="rect">
+            <a:avLst/>
+          </a:prstGeom>
+          <a:noFill/>
+        </p:spPr>
+        <p:txBody>
+          <a:bodyPr wrap="square" rtlCol="0">
+            <a:spAutoFit/>
+          </a:bodyPr>
+          <a:lstStyle/>
+          <a:p>
+            <a:pPr algn="ctr"/>
+            <a:r>
+              <a:rPr lang="en-US" dirty="0"/>
+              <a:t>Most of the courses are having duration less than 20hrs and number of reviews is almost same for almost all the durations</a:t>
             </a:r>
             <a:endParaRPr lang="en-IN" dirty="0"/>
           </a:p>
@@ -9134,7 +9332,7 @@
     </p:spTree>
     <p:extLst>
       <p:ext uri="{BB962C8B-B14F-4D97-AF65-F5344CB8AC3E}">
-        <p14:creationId xmlns:p14="http://schemas.microsoft.com/office/powerpoint/2010/main" val="3014196239"/>
+        <p14:creationId xmlns:p14="http://schemas.microsoft.com/office/powerpoint/2010/main" val="1212058702"/>
       </p:ext>
     </p:extLst>
   </p:cSld>
@@ -9161,12 +9359,41 @@
           <a:chExt cx="0" cy="0"/>
         </a:xfrm>
       </p:grpSpPr>
+      <p:sp>
+        <p:nvSpPr>
+          <p:cNvPr id="3" name="Title 2">
+            <a:extLst>
+              <a:ext uri="{FF2B5EF4-FFF2-40B4-BE49-F238E27FC236}">
+                <a16:creationId xmlns:a16="http://schemas.microsoft.com/office/drawing/2014/main" id="{AF2BB912-3F17-79B3-6E2F-C58C078B13A9}"/>
+              </a:ext>
+            </a:extLst>
+          </p:cNvPr>
+          <p:cNvSpPr>
+            <a:spLocks noGrp="1"/>
+          </p:cNvSpPr>
+          <p:nvPr>
+            <p:ph type="title"/>
+          </p:nvPr>
+        </p:nvSpPr>
+        <p:spPr/>
+        <p:txBody>
+          <a:bodyPr/>
+          <a:lstStyle/>
+          <a:p>
+            <a:r>
+              <a:rPr lang="en-US" dirty="0"/>
+              <a:t>LECUTURES VS DURATION</a:t>
+            </a:r>
+            <a:endParaRPr lang="en-IN" dirty="0"/>
+          </a:p>
+        </p:txBody>
+      </p:sp>
       <p:pic>
         <p:nvPicPr>
-          <p:cNvPr id="5" name="Content Placeholder 4">
-            <a:extLst>
-              <a:ext uri="{FF2B5EF4-FFF2-40B4-BE49-F238E27FC236}">
-                <a16:creationId xmlns:a16="http://schemas.microsoft.com/office/drawing/2014/main" id="{41C14442-8FB5-EFBB-CC35-AA4A92895857}"/>
+          <p:cNvPr id="6" name="Content Placeholder 5">
+            <a:extLst>
+              <a:ext uri="{FF2B5EF4-FFF2-40B4-BE49-F238E27FC236}">
+                <a16:creationId xmlns:a16="http://schemas.microsoft.com/office/drawing/2014/main" id="{AFD30C10-D09D-4965-010F-97994333DFEF}"/>
               </a:ext>
             </a:extLst>
           </p:cNvPr>
@@ -9179,40 +9406,52 @@
         </p:nvPicPr>
         <p:blipFill>
           <a:blip r:embed="rId2"/>
-          <a:srcRect/>
-          <a:stretch/>
+          <a:stretch>
+            <a:fillRect/>
+          </a:stretch>
         </p:blipFill>
         <p:spPr>
           <a:xfrm>
-            <a:off x="2708476" y="1465271"/>
-            <a:ext cx="6679855" cy="5190172"/>
-          </a:xfrm>
+            <a:off x="3545877" y="1478280"/>
+            <a:ext cx="5100245" cy="4114800"/>
+          </a:xfrm>
+          <a:prstGeom prst="rect">
+            <a:avLst/>
+          </a:prstGeom>
         </p:spPr>
       </p:pic>
       <p:sp>
         <p:nvSpPr>
-          <p:cNvPr id="3" name="Title 2">
-            <a:extLst>
-              <a:ext uri="{FF2B5EF4-FFF2-40B4-BE49-F238E27FC236}">
-                <a16:creationId xmlns:a16="http://schemas.microsoft.com/office/drawing/2014/main" id="{AF2BB912-3F17-79B3-6E2F-C58C078B13A9}"/>
-              </a:ext>
-            </a:extLst>
-          </p:cNvPr>
-          <p:cNvSpPr>
-            <a:spLocks noGrp="1"/>
-          </p:cNvSpPr>
-          <p:nvPr>
-            <p:ph type="title"/>
-          </p:nvPr>
-        </p:nvSpPr>
-        <p:spPr/>
-        <p:txBody>
-          <a:bodyPr/>
+          <p:cNvPr id="7" name="TextBox 6">
+            <a:extLst>
+              <a:ext uri="{FF2B5EF4-FFF2-40B4-BE49-F238E27FC236}">
+                <a16:creationId xmlns:a16="http://schemas.microsoft.com/office/drawing/2014/main" id="{4DF0422D-C37A-899D-D081-276F24189392}"/>
+              </a:ext>
+            </a:extLst>
+          </p:cNvPr>
+          <p:cNvSpPr txBox="1"/>
+          <p:nvPr/>
+        </p:nvSpPr>
+        <p:spPr>
+          <a:xfrm>
+            <a:off x="3550920" y="6004560"/>
+            <a:ext cx="5151120" cy="646331"/>
+          </a:xfrm>
+          <a:prstGeom prst="rect">
+            <a:avLst/>
+          </a:prstGeom>
+          <a:noFill/>
+        </p:spPr>
+        <p:txBody>
+          <a:bodyPr wrap="square" rtlCol="0">
+            <a:spAutoFit/>
+          </a:bodyPr>
           <a:lstStyle/>
           <a:p>
+            <a:pPr algn="ctr"/>
             <a:r>
               <a:rPr lang="en-US" dirty="0"/>
-              <a:t>CORRELATION MATRIX</a:t>
+              <a:t>Number of lectures are positively correlated to the course duration</a:t>
             </a:r>
             <a:endParaRPr lang="en-IN" dirty="0"/>
           </a:p>
@@ -9221,7 +9460,7 @@
     </p:spTree>
     <p:extLst>
       <p:ext uri="{BB962C8B-B14F-4D97-AF65-F5344CB8AC3E}">
-        <p14:creationId xmlns:p14="http://schemas.microsoft.com/office/powerpoint/2010/main" val="1149681538"/>
+        <p14:creationId xmlns:p14="http://schemas.microsoft.com/office/powerpoint/2010/main" val="3014196239"/>
       </p:ext>
     </p:extLst>
   </p:cSld>
@@ -9248,40 +9487,80 @@
           <a:chExt cx="0" cy="0"/>
         </a:xfrm>
       </p:grpSpPr>
-      <p:pic>
-        <p:nvPicPr>
-          <p:cNvPr id="5" name="Content Placeholder 4">
-            <a:extLst>
-              <a:ext uri="{FF2B5EF4-FFF2-40B4-BE49-F238E27FC236}">
-                <a16:creationId xmlns:a16="http://schemas.microsoft.com/office/drawing/2014/main" id="{41C14442-8FB5-EFBB-CC35-AA4A92895857}"/>
-              </a:ext>
-            </a:extLst>
-          </p:cNvPr>
-          <p:cNvPicPr>
-            <a:picLocks noGrp="1" noChangeAspect="1"/>
-          </p:cNvPicPr>
+      <p:sp>
+        <p:nvSpPr>
+          <p:cNvPr id="2" name="Text Placeholder 1">
+            <a:extLst>
+              <a:ext uri="{FF2B5EF4-FFF2-40B4-BE49-F238E27FC236}">
+                <a16:creationId xmlns:a16="http://schemas.microsoft.com/office/drawing/2014/main" id="{040F01EF-ABDB-357B-3BEA-50F36D9358E0}"/>
+              </a:ext>
+            </a:extLst>
+          </p:cNvPr>
+          <p:cNvSpPr>
+            <a:spLocks noGrp="1"/>
+          </p:cNvSpPr>
           <p:nvPr>
-            <p:ph sz="quarter" idx="10"/>
+            <p:ph type="body" sz="quarter" idx="14"/>
           </p:nvPr>
-        </p:nvPicPr>
-        <p:blipFill>
-          <a:blip r:embed="rId2"/>
-          <a:srcRect/>
-          <a:stretch/>
-        </p:blipFill>
-        <p:spPr>
-          <a:xfrm>
-            <a:off x="2444187" y="994786"/>
-            <a:ext cx="7303625" cy="5674834"/>
-          </a:xfrm>
-        </p:spPr>
-      </p:pic>
-      <p:sp>
-        <p:nvSpPr>
-          <p:cNvPr id="3" name="Title 2">
-            <a:extLst>
-              <a:ext uri="{FF2B5EF4-FFF2-40B4-BE49-F238E27FC236}">
-                <a16:creationId xmlns:a16="http://schemas.microsoft.com/office/drawing/2014/main" id="{AF2BB912-3F17-79B3-6E2F-C58C078B13A9}"/>
+        </p:nvSpPr>
+        <p:spPr>
+          <a:xfrm>
+            <a:off x="660399" y="1525383"/>
+            <a:ext cx="5080000" cy="438150"/>
+          </a:xfrm>
+        </p:spPr>
+        <p:txBody>
+          <a:bodyPr/>
+          <a:lstStyle/>
+          <a:p>
+            <a:r>
+              <a:rPr lang="en-US" dirty="0"/>
+              <a:t>NUMBER OF COURSES</a:t>
+            </a:r>
+            <a:endParaRPr lang="en-IN" dirty="0"/>
+          </a:p>
+        </p:txBody>
+      </p:sp>
+      <p:sp>
+        <p:nvSpPr>
+          <p:cNvPr id="4" name="Text Placeholder 3">
+            <a:extLst>
+              <a:ext uri="{FF2B5EF4-FFF2-40B4-BE49-F238E27FC236}">
+                <a16:creationId xmlns:a16="http://schemas.microsoft.com/office/drawing/2014/main" id="{B90CF98A-E083-5F37-6089-8965B0DCB62A}"/>
+              </a:ext>
+            </a:extLst>
+          </p:cNvPr>
+          <p:cNvSpPr>
+            <a:spLocks noGrp="1"/>
+          </p:cNvSpPr>
+          <p:nvPr>
+            <p:ph type="body" sz="quarter" idx="15"/>
+          </p:nvPr>
+        </p:nvSpPr>
+        <p:spPr>
+          <a:xfrm>
+            <a:off x="6451601" y="1580797"/>
+            <a:ext cx="5080000" cy="438150"/>
+          </a:xfrm>
+        </p:spPr>
+        <p:txBody>
+          <a:bodyPr/>
+          <a:lstStyle/>
+          <a:p>
+            <a:r>
+              <a:rPr lang="en-US" dirty="0"/>
+              <a:t>NUMBER OF SUBSCRIBERS</a:t>
+            </a:r>
+            <a:endParaRPr lang="en-IN" dirty="0"/>
+          </a:p>
+        </p:txBody>
+      </p:sp>
+      <p:sp>
+        <p:nvSpPr>
+          <p:cNvPr id="7" name="Title 6">
+            <a:extLst>
+              <a:ext uri="{FF2B5EF4-FFF2-40B4-BE49-F238E27FC236}">
+                <a16:creationId xmlns:a16="http://schemas.microsoft.com/office/drawing/2014/main" id="{74B758A5-D1F3-E45F-098F-7DFA9CC28C10}"/>
               </a:ext>
             </a:extLst>
           </p:cNvPr>
@@ -9294,8 +9573,8 @@
         </p:nvSpPr>
         <p:spPr>
           <a:xfrm>
-            <a:off x="699304" y="294671"/>
-            <a:ext cx="10515600" cy="700115"/>
+            <a:off x="660399" y="805213"/>
+            <a:ext cx="9779965" cy="830997"/>
           </a:xfrm>
         </p:spPr>
         <p:txBody>
@@ -9304,7 +9583,120 @@
           <a:p>
             <a:r>
               <a:rPr lang="en-US" dirty="0"/>
-              <a:t>CATEGORY WISE COURSES PER YEAR</a:t>
+              <a:t>PAID COURSES VS FREE COURSES</a:t>
+            </a:r>
+            <a:endParaRPr lang="en-IN" dirty="0"/>
+          </a:p>
+        </p:txBody>
+      </p:sp>
+      <p:pic>
+        <p:nvPicPr>
+          <p:cNvPr id="4098" name="Picture 2">
+            <a:extLst>
+              <a:ext uri="{FF2B5EF4-FFF2-40B4-BE49-F238E27FC236}">
+                <a16:creationId xmlns:a16="http://schemas.microsoft.com/office/drawing/2014/main" id="{332E65E4-7DBE-DB9A-0588-0DEF66ADBB31}"/>
+              </a:ext>
+            </a:extLst>
+          </p:cNvPr>
+          <p:cNvPicPr>
+            <a:picLocks noChangeAspect="1" noChangeArrowheads="1"/>
+          </p:cNvPicPr>
+          <p:nvPr/>
+        </p:nvPicPr>
+        <p:blipFill>
+          <a:blip r:embed="rId2">
+            <a:extLst>
+              <a:ext uri="{28A0092B-C50C-407E-A947-70E740481C1C}">
+                <a14:useLocalDpi xmlns:a14="http://schemas.microsoft.com/office/drawing/2010/main" val="0"/>
+              </a:ext>
+            </a:extLst>
+          </a:blip>
+          <a:srcRect/>
+          <a:stretch>
+            <a:fillRect/>
+          </a:stretch>
+        </p:blipFill>
+        <p:spPr bwMode="auto">
+          <a:xfrm>
+            <a:off x="647700" y="2018947"/>
+            <a:ext cx="4720378" cy="3703055"/>
+          </a:xfrm>
+          <a:prstGeom prst="rect">
+            <a:avLst/>
+          </a:prstGeom>
+          <a:noFill/>
+          <a:extLst>
+            <a:ext uri="{909E8E84-426E-40DD-AFC4-6F175D3DCCD1}">
+              <a14:hiddenFill xmlns:a14="http://schemas.microsoft.com/office/drawing/2010/main">
+                <a:solidFill>
+                  <a:srgbClr val="FFFFFF"/>
+                </a:solidFill>
+              </a14:hiddenFill>
+            </a:ext>
+          </a:extLst>
+        </p:spPr>
+      </p:pic>
+      <p:pic>
+        <p:nvPicPr>
+          <p:cNvPr id="8" name="Picture 7">
+            <a:extLst>
+              <a:ext uri="{FF2B5EF4-FFF2-40B4-BE49-F238E27FC236}">
+                <a16:creationId xmlns:a16="http://schemas.microsoft.com/office/drawing/2014/main" id="{0938D7CA-ED89-D141-337F-B19EDD0A3040}"/>
+              </a:ext>
+            </a:extLst>
+          </p:cNvPr>
+          <p:cNvPicPr>
+            <a:picLocks noChangeAspect="1"/>
+          </p:cNvPicPr>
+          <p:nvPr/>
+        </p:nvPicPr>
+        <p:blipFill>
+          <a:blip r:embed="rId3"/>
+          <a:stretch>
+            <a:fillRect/>
+          </a:stretch>
+        </p:blipFill>
+        <p:spPr>
+          <a:xfrm>
+            <a:off x="6556657" y="2007949"/>
+            <a:ext cx="4974944" cy="3714053"/>
+          </a:xfrm>
+          <a:prstGeom prst="rect">
+            <a:avLst/>
+          </a:prstGeom>
+        </p:spPr>
+      </p:pic>
+      <p:sp>
+        <p:nvSpPr>
+          <p:cNvPr id="9" name="TextBox 8">
+            <a:extLst>
+              <a:ext uri="{FF2B5EF4-FFF2-40B4-BE49-F238E27FC236}">
+                <a16:creationId xmlns:a16="http://schemas.microsoft.com/office/drawing/2014/main" id="{4332206D-A02E-CF45-8F82-C34AE7460228}"/>
+              </a:ext>
+            </a:extLst>
+          </p:cNvPr>
+          <p:cNvSpPr txBox="1"/>
+          <p:nvPr/>
+        </p:nvSpPr>
+        <p:spPr>
+          <a:xfrm>
+            <a:off x="660399" y="5879939"/>
+            <a:ext cx="10871202" cy="646331"/>
+          </a:xfrm>
+          <a:prstGeom prst="rect">
+            <a:avLst/>
+          </a:prstGeom>
+          <a:noFill/>
+        </p:spPr>
+        <p:txBody>
+          <a:bodyPr wrap="square" rtlCol="0">
+            <a:spAutoFit/>
+          </a:bodyPr>
+          <a:lstStyle/>
+          <a:p>
+            <a:r>
+              <a:rPr lang="en-US" dirty="0"/>
+              <a:t>Even though the number of paid courses is more than the free courses, people are more interested in taking the free courses.</a:t>
             </a:r>
             <a:endParaRPr lang="en-IN" dirty="0"/>
           </a:p>
@@ -9313,7 +9705,7 @@
     </p:spTree>
     <p:extLst>
       <p:ext uri="{BB962C8B-B14F-4D97-AF65-F5344CB8AC3E}">
-        <p14:creationId xmlns:p14="http://schemas.microsoft.com/office/powerpoint/2010/main" val="3649664487"/>
+        <p14:creationId xmlns:p14="http://schemas.microsoft.com/office/powerpoint/2010/main" val="2606301632"/>
       </p:ext>
     </p:extLst>
   </p:cSld>
@@ -9324,7 +9716,7 @@
 </file>
 
 <file path=ppt/slides/slide16.xml><?xml version="1.0" encoding="utf-8"?>
-<p:sld xmlns:a="http://schemas.openxmlformats.org/drawingml/2006/main" xmlns:r="http://schemas.openxmlformats.org/officeDocument/2006/relationships" xmlns:p="http://schemas.openxmlformats.org/presentationml/2006/main" showMasterSp="0">
+<p:sld xmlns:a="http://schemas.openxmlformats.org/drawingml/2006/main" xmlns:r="http://schemas.openxmlformats.org/officeDocument/2006/relationships" xmlns:p="http://schemas.openxmlformats.org/presentationml/2006/main">
   <p:cSld>
     <p:spTree>
       <p:nvGrpSpPr>
@@ -9342,10 +9734,78 @@
       </p:grpSpPr>
       <p:sp>
         <p:nvSpPr>
-          <p:cNvPr id="2" name="Title 1">
-            <a:extLst>
-              <a:ext uri="{FF2B5EF4-FFF2-40B4-BE49-F238E27FC236}">
-                <a16:creationId xmlns:a16="http://schemas.microsoft.com/office/drawing/2014/main" id="{1B67F211-ED25-4BED-862A-17F84B323349}"/>
+          <p:cNvPr id="2" name="Text Placeholder 1">
+            <a:extLst>
+              <a:ext uri="{FF2B5EF4-FFF2-40B4-BE49-F238E27FC236}">
+                <a16:creationId xmlns:a16="http://schemas.microsoft.com/office/drawing/2014/main" id="{040F01EF-ABDB-357B-3BEA-50F36D9358E0}"/>
+              </a:ext>
+            </a:extLst>
+          </p:cNvPr>
+          <p:cNvSpPr>
+            <a:spLocks noGrp="1"/>
+          </p:cNvSpPr>
+          <p:nvPr>
+            <p:ph type="body" sz="quarter" idx="14"/>
+          </p:nvPr>
+        </p:nvSpPr>
+        <p:spPr>
+          <a:xfrm>
+            <a:off x="660399" y="1417135"/>
+            <a:ext cx="5080000" cy="438150"/>
+          </a:xfrm>
+        </p:spPr>
+        <p:txBody>
+          <a:bodyPr/>
+          <a:lstStyle/>
+          <a:p>
+            <a:r>
+              <a:rPr lang="en-US" dirty="0"/>
+              <a:t>NUMBER OF COURSES</a:t>
+            </a:r>
+            <a:endParaRPr lang="en-IN" dirty="0"/>
+          </a:p>
+        </p:txBody>
+      </p:sp>
+      <p:sp>
+        <p:nvSpPr>
+          <p:cNvPr id="4" name="Text Placeholder 3">
+            <a:extLst>
+              <a:ext uri="{FF2B5EF4-FFF2-40B4-BE49-F238E27FC236}">
+                <a16:creationId xmlns:a16="http://schemas.microsoft.com/office/drawing/2014/main" id="{B90CF98A-E083-5F37-6089-8965B0DCB62A}"/>
+              </a:ext>
+            </a:extLst>
+          </p:cNvPr>
+          <p:cNvSpPr>
+            <a:spLocks noGrp="1"/>
+          </p:cNvSpPr>
+          <p:nvPr>
+            <p:ph type="body" sz="quarter" idx="15"/>
+          </p:nvPr>
+        </p:nvSpPr>
+        <p:spPr>
+          <a:xfrm>
+            <a:off x="6451601" y="1525383"/>
+            <a:ext cx="5080000" cy="438150"/>
+          </a:xfrm>
+        </p:spPr>
+        <p:txBody>
+          <a:bodyPr/>
+          <a:lstStyle/>
+          <a:p>
+            <a:r>
+              <a:rPr lang="en-US" dirty="0"/>
+              <a:t>NUMBER OF SUBSCRIBERS</a:t>
+            </a:r>
+            <a:endParaRPr lang="en-IN" dirty="0"/>
+          </a:p>
+        </p:txBody>
+      </p:sp>
+      <p:sp>
+        <p:nvSpPr>
+          <p:cNvPr id="7" name="Title 6">
+            <a:extLst>
+              <a:ext uri="{FF2B5EF4-FFF2-40B4-BE49-F238E27FC236}">
+                <a16:creationId xmlns:a16="http://schemas.microsoft.com/office/drawing/2014/main" id="{74B758A5-D1F3-E45F-098F-7DFA9CC28C10}"/>
               </a:ext>
             </a:extLst>
           </p:cNvPr>
@@ -9356,85 +9816,66 @@
             <p:ph type="title"/>
           </p:nvPr>
         </p:nvSpPr>
-        <p:spPr/>
+        <p:spPr>
+          <a:xfrm>
+            <a:off x="660399" y="805213"/>
+            <a:ext cx="9779965" cy="830997"/>
+          </a:xfrm>
+        </p:spPr>
         <p:txBody>
           <a:bodyPr/>
           <a:lstStyle/>
           <a:p>
             <a:r>
               <a:rPr lang="en-US" dirty="0"/>
-              <a:t>Summary</a:t>
-            </a:r>
-            <a:br>
-              <a:rPr lang="en-US" dirty="0"/>
-            </a:br>
-            <a:endParaRPr lang="en-US" dirty="0"/>
-          </a:p>
-        </p:txBody>
-      </p:sp>
-      <p:sp>
-        <p:nvSpPr>
-          <p:cNvPr id="18" name="Hexagon 17">
-            <a:extLst>
-              <a:ext uri="{FF2B5EF4-FFF2-40B4-BE49-F238E27FC236}">
-                <a16:creationId xmlns:a16="http://schemas.microsoft.com/office/drawing/2014/main" id="{F3A0DAD0-3E39-4BBF-88E4-5C3C306DCCBB}"/>
-              </a:ext>
-              <a:ext uri="{C183D7F6-B498-43B3-948B-1728B52AA6E4}">
-                <adec:decorative xmlns:adec="http://schemas.microsoft.com/office/drawing/2017/decorative" val="1"/>
-              </a:ext>
-            </a:extLst>
-          </p:cNvPr>
-          <p:cNvSpPr/>
+              <a:t>LEVEL OF COURSES</a:t>
+            </a:r>
+            <a:endParaRPr lang="en-IN" dirty="0"/>
+          </a:p>
+        </p:txBody>
+      </p:sp>
+      <p:sp>
+        <p:nvSpPr>
+          <p:cNvPr id="9" name="TextBox 8">
+            <a:extLst>
+              <a:ext uri="{FF2B5EF4-FFF2-40B4-BE49-F238E27FC236}">
+                <a16:creationId xmlns:a16="http://schemas.microsoft.com/office/drawing/2014/main" id="{4332206D-A02E-CF45-8F82-C34AE7460228}"/>
+              </a:ext>
+            </a:extLst>
+          </p:cNvPr>
+          <p:cNvSpPr txBox="1"/>
           <p:nvPr/>
         </p:nvSpPr>
         <p:spPr>
           <a:xfrm>
-            <a:off x="609018" y="2105016"/>
-            <a:ext cx="914400" cy="764219"/>
-          </a:xfrm>
-          <a:prstGeom prst="hexagon">
+            <a:off x="660399" y="5879939"/>
+            <a:ext cx="10871202" cy="923330"/>
+          </a:xfrm>
+          <a:prstGeom prst="rect">
             <a:avLst/>
           </a:prstGeom>
           <a:noFill/>
-          <a:ln>
-            <a:solidFill>
-              <a:schemeClr val="bg1">
-                <a:lumMod val="75000"/>
-              </a:schemeClr>
-            </a:solidFill>
-          </a:ln>
-        </p:spPr>
-        <p:style>
-          <a:lnRef idx="2">
-            <a:schemeClr val="accent1">
-              <a:shade val="50000"/>
-            </a:schemeClr>
-          </a:lnRef>
-          <a:fillRef idx="1">
-            <a:schemeClr val="accent1"/>
-          </a:fillRef>
-          <a:effectRef idx="0">
-            <a:schemeClr val="accent1"/>
-          </a:effectRef>
-          <a:fontRef idx="minor">
-            <a:schemeClr val="lt1"/>
-          </a:fontRef>
-        </p:style>
-        <p:txBody>
-          <a:bodyPr rtlCol="0" anchor="ctr"/>
+        </p:spPr>
+        <p:txBody>
+          <a:bodyPr wrap="square" rtlCol="0">
+            <a:spAutoFit/>
+          </a:bodyPr>
           <a:lstStyle/>
           <a:p>
-            <a:pPr algn="ctr"/>
-            <a:endParaRPr lang="en-US" dirty="0"/>
+            <a:r>
+              <a:rPr lang="en-US" dirty="0"/>
+              <a:t>There are less number of courses at beginner and intermediate level, but the number of subscribers is on par with others, so instructors can get good sales if they launch higher level courses as the competition is less but demand is more</a:t>
+            </a:r>
+            <a:endParaRPr lang="en-IN" dirty="0"/>
           </a:p>
         </p:txBody>
       </p:sp>
       <p:pic>
         <p:nvPicPr>
-          <p:cNvPr id="16" name="Graphic 15" descr="Target Audience">
-            <a:extLst>
-              <a:ext uri="{FF2B5EF4-FFF2-40B4-BE49-F238E27FC236}">
-                <a16:creationId xmlns:a16="http://schemas.microsoft.com/office/drawing/2014/main" id="{C4663C19-45BD-46CB-AA38-6CE7C4522BC9}"/>
+          <p:cNvPr id="3" name="Picture 2">
+            <a:extLst>
+              <a:ext uri="{FF2B5EF4-FFF2-40B4-BE49-F238E27FC236}">
+                <a16:creationId xmlns:a16="http://schemas.microsoft.com/office/drawing/2014/main" id="{1C8AA892-9D63-7AC5-7B1B-F6DB92850762}"/>
               </a:ext>
             </a:extLst>
           </p:cNvPr>
@@ -9444,1135 +9885,72 @@
           <p:nvPr/>
         </p:nvPicPr>
         <p:blipFill>
-          <a:blip r:embed="rId3">
-            <a:extLst>
-              <a:ext uri="{96DAC541-7B7A-43D3-8B79-37D633B846F1}">
-                <asvg:svgBlip xmlns:asvg="http://schemas.microsoft.com/office/drawing/2016/SVG/main" r:embed="rId4"/>
-              </a:ext>
-            </a:extLst>
-          </a:blip>
+          <a:blip r:embed="rId2"/>
           <a:stretch>
             <a:fillRect/>
           </a:stretch>
         </p:blipFill>
         <p:spPr>
           <a:xfrm>
-            <a:off x="793513" y="2204476"/>
-            <a:ext cx="548640" cy="548640"/>
+            <a:off x="660400" y="1836629"/>
+            <a:ext cx="4698678" cy="3890590"/>
           </a:xfrm>
           <a:prstGeom prst="rect">
             <a:avLst/>
           </a:prstGeom>
         </p:spPr>
       </p:pic>
-      <p:sp>
-        <p:nvSpPr>
-          <p:cNvPr id="11" name="TextBox 10">
-            <a:extLst>
-              <a:ext uri="{FF2B5EF4-FFF2-40B4-BE49-F238E27FC236}">
-                <a16:creationId xmlns:a16="http://schemas.microsoft.com/office/drawing/2014/main" id="{0A302878-D117-49D8-8CD3-093E34DF215B}"/>
-              </a:ext>
-            </a:extLst>
-          </p:cNvPr>
-          <p:cNvSpPr txBox="1"/>
-          <p:nvPr/>
-        </p:nvSpPr>
-        <p:spPr>
-          <a:xfrm>
-            <a:off x="1748531" y="2125176"/>
-            <a:ext cx="3657600" cy="913070"/>
-          </a:xfrm>
-          <a:prstGeom prst="rect">
-            <a:avLst/>
-          </a:prstGeom>
-          <a:noFill/>
-        </p:spPr>
-        <p:txBody>
-          <a:bodyPr wrap="square">
-            <a:spAutoFit/>
-          </a:bodyPr>
-          <a:lstStyle/>
-          <a:p>
-            <a:pPr marL="0" marR="0" lvl="0" indent="0" algn="l" defTabSz="914400" rtl="0" eaLnBrk="1" fontAlgn="auto" latinLnBrk="0" hangingPunct="1">
-              <a:lnSpc>
-                <a:spcPct val="90000"/>
-              </a:lnSpc>
-              <a:spcBef>
-                <a:spcPts val="1000"/>
-              </a:spcBef>
-              <a:spcAft>
-                <a:spcPts val="0"/>
-              </a:spcAft>
-              <a:buClrTx/>
-              <a:buSzTx/>
-              <a:buFont typeface="Arial" panose="020B0604020202020204" pitchFamily="34" charset="0"/>
-              <a:buNone/>
-              <a:tabLst/>
-              <a:defRPr/>
-            </a:pPr>
-            <a:r>
-              <a:rPr kumimoji="0" lang="en-US" b="1" i="0" u="none" strike="noStrike" kern="1200" cap="none" spc="0" normalizeH="0" baseline="0" noProof="0" dirty="0">
-                <a:ln>
-                  <a:noFill/>
-                </a:ln>
-                <a:solidFill>
-                  <a:schemeClr val="accent4"/>
-                </a:solidFill>
-                <a:effectLst/>
-                <a:uLnTx/>
-                <a:uFillTx/>
-                <a:latin typeface="+mj-lt"/>
-                <a:ea typeface="+mn-ea"/>
-                <a:cs typeface="Biome Light" panose="020B0303030204020804" pitchFamily="34" charset="0"/>
-              </a:rPr>
-              <a:t>We’re delivering for our customers</a:t>
-            </a:r>
-          </a:p>
-          <a:p>
-            <a:pPr marL="0" marR="0" lvl="0" indent="0" algn="l" defTabSz="914400" rtl="0" eaLnBrk="1" fontAlgn="auto" latinLnBrk="0" hangingPunct="1">
-              <a:lnSpc>
-                <a:spcPct val="90000"/>
-              </a:lnSpc>
-              <a:spcBef>
-                <a:spcPts val="1000"/>
-              </a:spcBef>
-              <a:spcAft>
-                <a:spcPts val="0"/>
-              </a:spcAft>
-              <a:buClrTx/>
-              <a:buSzTx/>
-              <a:buFont typeface="Arial" panose="020B0604020202020204" pitchFamily="34" charset="0"/>
-              <a:buNone/>
-              <a:tabLst/>
-              <a:defRPr/>
-            </a:pPr>
-            <a:r>
-              <a:rPr kumimoji="0" lang="en-US" sz="1600" b="0" i="0" u="none" strike="noStrike" kern="1200" cap="none" spc="0" normalizeH="0" baseline="0" noProof="0" dirty="0">
-                <a:ln>
-                  <a:noFill/>
-                </a:ln>
-                <a:effectLst/>
-                <a:uLnTx/>
-                <a:uFillTx/>
-                <a:latin typeface="+mn-lt"/>
-                <a:ea typeface="+mn-ea"/>
-                <a:cs typeface="Biome Light" panose="020B0303030204020804" pitchFamily="34" charset="0"/>
-              </a:rPr>
-              <a:t>Last year we supported thousands of customers and sold 60,000 units</a:t>
-            </a:r>
-          </a:p>
-        </p:txBody>
-      </p:sp>
-      <p:sp>
-        <p:nvSpPr>
-          <p:cNvPr id="24" name="Hexagon 23">
-            <a:extLst>
-              <a:ext uri="{FF2B5EF4-FFF2-40B4-BE49-F238E27FC236}">
-                <a16:creationId xmlns:a16="http://schemas.microsoft.com/office/drawing/2014/main" id="{B8F5A225-0C56-4A56-9265-DBE9001CCCDC}"/>
-              </a:ext>
-              <a:ext uri="{C183D7F6-B498-43B3-948B-1728B52AA6E4}">
-                <adec:decorative xmlns:adec="http://schemas.microsoft.com/office/drawing/2017/decorative" val="1"/>
-              </a:ext>
-            </a:extLst>
-          </p:cNvPr>
-          <p:cNvSpPr/>
-          <p:nvPr/>
-        </p:nvSpPr>
-        <p:spPr>
-          <a:xfrm>
-            <a:off x="6382827" y="2105016"/>
-            <a:ext cx="914400" cy="764219"/>
-          </a:xfrm>
-          <a:prstGeom prst="hexagon">
-            <a:avLst/>
-          </a:prstGeom>
-          <a:noFill/>
-          <a:ln>
-            <a:solidFill>
-              <a:schemeClr val="bg1">
-                <a:lumMod val="75000"/>
-              </a:schemeClr>
-            </a:solidFill>
-          </a:ln>
-        </p:spPr>
-        <p:style>
-          <a:lnRef idx="2">
-            <a:schemeClr val="accent1">
-              <a:shade val="50000"/>
-            </a:schemeClr>
-          </a:lnRef>
-          <a:fillRef idx="1">
-            <a:schemeClr val="accent1"/>
-          </a:fillRef>
-          <a:effectRef idx="0">
-            <a:schemeClr val="accent1"/>
-          </a:effectRef>
-          <a:fontRef idx="minor">
-            <a:schemeClr val="lt1"/>
-          </a:fontRef>
-        </p:style>
-        <p:txBody>
-          <a:bodyPr rtlCol="0" anchor="ctr"/>
-          <a:lstStyle/>
-          <a:p>
-            <a:pPr algn="ctr"/>
-            <a:endParaRPr lang="en-US" dirty="0"/>
-          </a:p>
-        </p:txBody>
-      </p:sp>
       <p:pic>
         <p:nvPicPr>
-          <p:cNvPr id="34" name="Graphic 33" descr="Upward trend">
-            <a:extLst>
-              <a:ext uri="{FF2B5EF4-FFF2-40B4-BE49-F238E27FC236}">
-                <a16:creationId xmlns:a16="http://schemas.microsoft.com/office/drawing/2014/main" id="{112CEB44-CF96-4193-8126-3EF3F89B2EA2}"/>
+          <p:cNvPr id="5122" name="Picture 2">
+            <a:extLst>
+              <a:ext uri="{FF2B5EF4-FFF2-40B4-BE49-F238E27FC236}">
+                <a16:creationId xmlns:a16="http://schemas.microsoft.com/office/drawing/2014/main" id="{C973118C-A8E0-BCBE-AB49-B9D944672A75}"/>
               </a:ext>
             </a:extLst>
           </p:cNvPr>
           <p:cNvPicPr>
-            <a:picLocks noChangeAspect="1"/>
+            <a:picLocks noChangeAspect="1" noChangeArrowheads="1"/>
           </p:cNvPicPr>
           <p:nvPr/>
         </p:nvPicPr>
         <p:blipFill>
-          <a:blip r:embed="rId5">
-            <a:extLst>
-              <a:ext uri="{96DAC541-7B7A-43D3-8B79-37D633B846F1}">
-                <asvg:svgBlip xmlns:asvg="http://schemas.microsoft.com/office/drawing/2016/SVG/main" r:embed="rId6"/>
+          <a:blip r:embed="rId3">
+            <a:extLst>
+              <a:ext uri="{28A0092B-C50C-407E-A947-70E740481C1C}">
+                <a14:useLocalDpi xmlns:a14="http://schemas.microsoft.com/office/drawing/2010/main" val="0"/>
               </a:ext>
             </a:extLst>
           </a:blip>
           <a:srcRect/>
-          <a:stretch/>
+          <a:stretch>
+            <a:fillRect/>
+          </a:stretch>
         </p:blipFill>
-        <p:spPr>
-          <a:xfrm>
-            <a:off x="6562762" y="2203745"/>
-            <a:ext cx="548640" cy="548640"/>
-          </a:xfrm>
-          <a:prstGeom prst="rect">
-            <a:avLst/>
-          </a:prstGeom>
-        </p:spPr>
-      </p:pic>
-      <p:sp>
-        <p:nvSpPr>
-          <p:cNvPr id="7" name="TextBox 6">
-            <a:extLst>
-              <a:ext uri="{FF2B5EF4-FFF2-40B4-BE49-F238E27FC236}">
-                <a16:creationId xmlns:a16="http://schemas.microsoft.com/office/drawing/2014/main" id="{64DBD184-BCBE-4A38-8DF2-C0C550ADE4C4}"/>
-              </a:ext>
-            </a:extLst>
-          </p:cNvPr>
-          <p:cNvSpPr txBox="1"/>
-          <p:nvPr/>
-        </p:nvSpPr>
-        <p:spPr>
-          <a:xfrm>
-            <a:off x="7504293" y="2125176"/>
-            <a:ext cx="3657600" cy="691471"/>
+        <p:spPr bwMode="auto">
+          <a:xfrm>
+            <a:off x="6451601" y="1892043"/>
+            <a:ext cx="5079999" cy="3843362"/>
           </a:xfrm>
           <a:prstGeom prst="rect">
             <a:avLst/>
           </a:prstGeom>
           <a:noFill/>
-        </p:spPr>
-        <p:txBody>
-          <a:bodyPr wrap="square">
-            <a:spAutoFit/>
-          </a:bodyPr>
-          <a:lstStyle/>
-          <a:p>
-            <a:pPr marL="0" marR="0" lvl="0" indent="0" algn="l" defTabSz="914400" rtl="0" eaLnBrk="1" fontAlgn="auto" latinLnBrk="0" hangingPunct="1">
-              <a:lnSpc>
-                <a:spcPct val="90000"/>
-              </a:lnSpc>
-              <a:spcBef>
-                <a:spcPts val="1000"/>
-              </a:spcBef>
-              <a:spcAft>
-                <a:spcPts val="0"/>
-              </a:spcAft>
-              <a:buClrTx/>
-              <a:buSzTx/>
-              <a:buFont typeface="Arial" panose="020B0604020202020204" pitchFamily="34" charset="0"/>
-              <a:buNone/>
-              <a:tabLst/>
-              <a:defRPr/>
-            </a:pPr>
-            <a:r>
-              <a:rPr kumimoji="0" lang="en-US" b="1" i="0" u="none" strike="noStrike" kern="1200" cap="none" spc="0" normalizeH="0" baseline="0" noProof="0" dirty="0">
-                <a:ln>
-                  <a:noFill/>
-                </a:ln>
+          <a:extLst>
+            <a:ext uri="{909E8E84-426E-40DD-AFC4-6F175D3DCCD1}">
+              <a14:hiddenFill xmlns:a14="http://schemas.microsoft.com/office/drawing/2010/main">
                 <a:solidFill>
-                  <a:schemeClr val="accent4"/>
+                  <a:srgbClr val="FFFFFF"/>
                 </a:solidFill>
-                <a:effectLst/>
-                <a:uLnTx/>
-                <a:uFillTx/>
-                <a:latin typeface="+mj-lt"/>
-                <a:ea typeface="+mn-ea"/>
-                <a:cs typeface="Biome Light" panose="020B0303030204020804" pitchFamily="34" charset="0"/>
-              </a:rPr>
-              <a:t>Our business is good</a:t>
-            </a:r>
-          </a:p>
-          <a:p>
-            <a:pPr marL="0" marR="0" lvl="0" indent="0" algn="l" defTabSz="914400" rtl="0" eaLnBrk="1" fontAlgn="auto" latinLnBrk="0" hangingPunct="1">
-              <a:lnSpc>
-                <a:spcPct val="90000"/>
-              </a:lnSpc>
-              <a:spcBef>
-                <a:spcPts val="1000"/>
-              </a:spcBef>
-              <a:spcAft>
-                <a:spcPts val="0"/>
-              </a:spcAft>
-              <a:buClrTx/>
-              <a:buSzTx/>
-              <a:buFont typeface="Arial" panose="020B0604020202020204" pitchFamily="34" charset="0"/>
-              <a:buNone/>
-              <a:tabLst/>
-              <a:defRPr/>
-            </a:pPr>
-            <a:r>
-              <a:rPr kumimoji="0" lang="en-US" sz="1600" b="0" i="0" u="none" strike="noStrike" kern="1200" cap="none" spc="0" normalizeH="0" baseline="0" noProof="0" dirty="0">
-                <a:ln>
-                  <a:noFill/>
-                </a:ln>
-                <a:effectLst/>
-                <a:uLnTx/>
-                <a:uFillTx/>
-                <a:latin typeface="+mn-lt"/>
-                <a:ea typeface="+mn-ea"/>
-                <a:cs typeface="Biome Light" panose="020B0303030204020804" pitchFamily="34" charset="0"/>
-              </a:rPr>
-              <a:t>Profits are up in the last quarter by 3%</a:t>
-            </a:r>
-          </a:p>
-        </p:txBody>
-      </p:sp>
-      <p:sp>
-        <p:nvSpPr>
-          <p:cNvPr id="19" name="Hexagon 18">
-            <a:extLst>
-              <a:ext uri="{FF2B5EF4-FFF2-40B4-BE49-F238E27FC236}">
-                <a16:creationId xmlns:a16="http://schemas.microsoft.com/office/drawing/2014/main" id="{A6510D74-8CDF-4500-996B-40C07942D72B}"/>
-              </a:ext>
-              <a:ext uri="{C183D7F6-B498-43B3-948B-1728B52AA6E4}">
-                <adec:decorative xmlns:adec="http://schemas.microsoft.com/office/drawing/2017/decorative" val="1"/>
-              </a:ext>
-            </a:extLst>
-          </p:cNvPr>
-          <p:cNvSpPr/>
-          <p:nvPr/>
-        </p:nvSpPr>
-        <p:spPr>
-          <a:xfrm>
-            <a:off x="609018" y="3510536"/>
-            <a:ext cx="914400" cy="764219"/>
-          </a:xfrm>
-          <a:prstGeom prst="hexagon">
-            <a:avLst/>
-          </a:prstGeom>
-          <a:noFill/>
-          <a:ln>
-            <a:solidFill>
-              <a:schemeClr val="bg1">
-                <a:lumMod val="75000"/>
-              </a:schemeClr>
-            </a:solidFill>
-          </a:ln>
-        </p:spPr>
-        <p:style>
-          <a:lnRef idx="2">
-            <a:schemeClr val="accent1">
-              <a:shade val="50000"/>
-            </a:schemeClr>
-          </a:lnRef>
-          <a:fillRef idx="1">
-            <a:schemeClr val="accent1"/>
-          </a:fillRef>
-          <a:effectRef idx="0">
-            <a:schemeClr val="accent1"/>
-          </a:effectRef>
-          <a:fontRef idx="minor">
-            <a:schemeClr val="lt1"/>
-          </a:fontRef>
-        </p:style>
-        <p:txBody>
-          <a:bodyPr rtlCol="0" anchor="ctr"/>
-          <a:lstStyle/>
-          <a:p>
-            <a:pPr algn="ctr"/>
-            <a:endParaRPr lang="en-US" dirty="0"/>
-          </a:p>
-        </p:txBody>
-      </p:sp>
-      <p:pic>
-        <p:nvPicPr>
-          <p:cNvPr id="30" name="Graphic 29" descr="Shopping bag">
-            <a:extLst>
-              <a:ext uri="{FF2B5EF4-FFF2-40B4-BE49-F238E27FC236}">
-                <a16:creationId xmlns:a16="http://schemas.microsoft.com/office/drawing/2014/main" id="{245749D8-5A06-44F2-B96E-6718BBEB6C47}"/>
-              </a:ext>
-            </a:extLst>
-          </p:cNvPr>
-          <p:cNvPicPr>
-            <a:picLocks noChangeAspect="1"/>
-          </p:cNvPicPr>
-          <p:nvPr/>
-        </p:nvPicPr>
-        <p:blipFill>
-          <a:blip r:embed="rId7">
-            <a:extLst>
-              <a:ext uri="{96DAC541-7B7A-43D3-8B79-37D633B846F1}">
-                <asvg:svgBlip xmlns:asvg="http://schemas.microsoft.com/office/drawing/2016/SVG/main" r:embed="rId8"/>
-              </a:ext>
-            </a:extLst>
-          </a:blip>
-          <a:srcRect/>
-          <a:stretch/>
-        </p:blipFill>
-        <p:spPr>
-          <a:xfrm>
-            <a:off x="793513" y="3618467"/>
-            <a:ext cx="548640" cy="548640"/>
-          </a:xfrm>
-          <a:prstGeom prst="rect">
-            <a:avLst/>
-          </a:prstGeom>
+              </a14:hiddenFill>
+            </a:ext>
+          </a:extLst>
         </p:spPr>
       </p:pic>
-      <p:sp>
-        <p:nvSpPr>
-          <p:cNvPr id="13" name="TextBox 12">
-            <a:extLst>
-              <a:ext uri="{FF2B5EF4-FFF2-40B4-BE49-F238E27FC236}">
-                <a16:creationId xmlns:a16="http://schemas.microsoft.com/office/drawing/2014/main" id="{E0A3F38B-310F-454B-9EF6-EF4B5FD017B0}"/>
-              </a:ext>
-            </a:extLst>
-          </p:cNvPr>
-          <p:cNvSpPr txBox="1"/>
-          <p:nvPr/>
-        </p:nvSpPr>
-        <p:spPr>
-          <a:xfrm>
-            <a:off x="1748531" y="3531563"/>
-            <a:ext cx="3657600" cy="691471"/>
-          </a:xfrm>
-          <a:prstGeom prst="rect">
-            <a:avLst/>
-          </a:prstGeom>
-          <a:noFill/>
-        </p:spPr>
-        <p:txBody>
-          <a:bodyPr wrap="square">
-            <a:spAutoFit/>
-          </a:bodyPr>
-          <a:lstStyle/>
-          <a:p>
-            <a:pPr marL="0" marR="0" lvl="0" indent="0" algn="l" defTabSz="914400" rtl="0" eaLnBrk="1" fontAlgn="auto" latinLnBrk="0" hangingPunct="1">
-              <a:lnSpc>
-                <a:spcPct val="90000"/>
-              </a:lnSpc>
-              <a:spcBef>
-                <a:spcPts val="1000"/>
-              </a:spcBef>
-              <a:spcAft>
-                <a:spcPts val="0"/>
-              </a:spcAft>
-              <a:buClrTx/>
-              <a:buSzTx/>
-              <a:buFont typeface="Arial" panose="020B0604020202020204" pitchFamily="34" charset="0"/>
-              <a:buNone/>
-              <a:tabLst/>
-              <a:defRPr/>
-            </a:pPr>
-            <a:r>
-              <a:rPr kumimoji="0" lang="en-US" b="1" i="0" u="none" strike="noStrike" kern="1200" cap="none" spc="0" normalizeH="0" baseline="0" noProof="0" dirty="0">
-                <a:ln>
-                  <a:noFill/>
-                </a:ln>
-                <a:solidFill>
-                  <a:schemeClr val="accent4"/>
-                </a:solidFill>
-                <a:effectLst/>
-                <a:uLnTx/>
-                <a:uFillTx/>
-                <a:latin typeface="+mj-lt"/>
-                <a:ea typeface="+mn-ea"/>
-                <a:cs typeface="Biome Light" panose="020B0303030204020804" pitchFamily="34" charset="0"/>
-              </a:rPr>
-              <a:t>Our customers keep coming back</a:t>
-            </a:r>
-          </a:p>
-          <a:p>
-            <a:pPr marL="0" marR="0" lvl="0" indent="0" algn="l" defTabSz="914400" rtl="0" eaLnBrk="1" fontAlgn="auto" latinLnBrk="0" hangingPunct="1">
-              <a:lnSpc>
-                <a:spcPct val="90000"/>
-              </a:lnSpc>
-              <a:spcBef>
-                <a:spcPts val="1000"/>
-              </a:spcBef>
-              <a:spcAft>
-                <a:spcPts val="0"/>
-              </a:spcAft>
-              <a:buClrTx/>
-              <a:buSzTx/>
-              <a:buFont typeface="Arial" panose="020B0604020202020204" pitchFamily="34" charset="0"/>
-              <a:buNone/>
-              <a:tabLst/>
-              <a:defRPr/>
-            </a:pPr>
-            <a:r>
-              <a:rPr kumimoji="0" lang="en-US" sz="1600" b="0" i="0" u="none" strike="noStrike" kern="1200" cap="none" spc="0" normalizeH="0" baseline="0" noProof="0" dirty="0">
-                <a:ln>
-                  <a:noFill/>
-                </a:ln>
-                <a:effectLst/>
-                <a:uLnTx/>
-                <a:uFillTx/>
-                <a:latin typeface="+mn-lt"/>
-                <a:ea typeface="+mn-ea"/>
-                <a:cs typeface="Biome Light" panose="020B0303030204020804" pitchFamily="34" charset="0"/>
-              </a:rPr>
-              <a:t>We increased customer retention by 4%</a:t>
-            </a:r>
-          </a:p>
-        </p:txBody>
-      </p:sp>
-      <p:sp>
-        <p:nvSpPr>
-          <p:cNvPr id="26" name="Hexagon 25">
-            <a:extLst>
-              <a:ext uri="{FF2B5EF4-FFF2-40B4-BE49-F238E27FC236}">
-                <a16:creationId xmlns:a16="http://schemas.microsoft.com/office/drawing/2014/main" id="{F73E68A5-255F-4C3B-82E4-28F5CE1AA4BA}"/>
-              </a:ext>
-              <a:ext uri="{C183D7F6-B498-43B3-948B-1728B52AA6E4}">
-                <adec:decorative xmlns:adec="http://schemas.microsoft.com/office/drawing/2017/decorative" val="1"/>
-              </a:ext>
-            </a:extLst>
-          </p:cNvPr>
-          <p:cNvSpPr/>
-          <p:nvPr/>
-        </p:nvSpPr>
-        <p:spPr>
-          <a:xfrm>
-            <a:off x="6382827" y="3510536"/>
-            <a:ext cx="914400" cy="764219"/>
-          </a:xfrm>
-          <a:prstGeom prst="hexagon">
-            <a:avLst/>
-          </a:prstGeom>
-          <a:noFill/>
-          <a:ln>
-            <a:solidFill>
-              <a:schemeClr val="bg1">
-                <a:lumMod val="75000"/>
-              </a:schemeClr>
-            </a:solidFill>
-          </a:ln>
-        </p:spPr>
-        <p:style>
-          <a:lnRef idx="2">
-            <a:schemeClr val="accent1">
-              <a:shade val="50000"/>
-            </a:schemeClr>
-          </a:lnRef>
-          <a:fillRef idx="1">
-            <a:schemeClr val="accent1"/>
-          </a:fillRef>
-          <a:effectRef idx="0">
-            <a:schemeClr val="accent1"/>
-          </a:effectRef>
-          <a:fontRef idx="minor">
-            <a:schemeClr val="lt1"/>
-          </a:fontRef>
-        </p:style>
-        <p:txBody>
-          <a:bodyPr rtlCol="0" anchor="ctr"/>
-          <a:lstStyle/>
-          <a:p>
-            <a:pPr algn="ctr"/>
-            <a:endParaRPr lang="en-US" dirty="0"/>
-          </a:p>
-        </p:txBody>
-      </p:sp>
-      <p:pic>
-        <p:nvPicPr>
-          <p:cNvPr id="36" name="Graphic 35" descr="Clipboard">
-            <a:extLst>
-              <a:ext uri="{FF2B5EF4-FFF2-40B4-BE49-F238E27FC236}">
-                <a16:creationId xmlns:a16="http://schemas.microsoft.com/office/drawing/2014/main" id="{3F4B17BF-671E-4F42-AB1B-F84F52DCE251}"/>
-              </a:ext>
-            </a:extLst>
-          </p:cNvPr>
-          <p:cNvPicPr>
-            <a:picLocks noChangeAspect="1"/>
-          </p:cNvPicPr>
-          <p:nvPr/>
-        </p:nvPicPr>
-        <p:blipFill>
-          <a:blip r:embed="rId9">
-            <a:extLst>
-              <a:ext uri="{96DAC541-7B7A-43D3-8B79-37D633B846F1}">
-                <asvg:svgBlip xmlns:asvg="http://schemas.microsoft.com/office/drawing/2016/SVG/main" r:embed="rId10"/>
-              </a:ext>
-            </a:extLst>
-          </a:blip>
-          <a:srcRect/>
-          <a:stretch/>
-        </p:blipFill>
-        <p:spPr>
-          <a:xfrm>
-            <a:off x="6573648" y="3606850"/>
-            <a:ext cx="548640" cy="548640"/>
-          </a:xfrm>
-          <a:prstGeom prst="rect">
-            <a:avLst/>
-          </a:prstGeom>
-        </p:spPr>
-      </p:pic>
-      <p:sp>
-        <p:nvSpPr>
-          <p:cNvPr id="9" name="TextBox 8">
-            <a:extLst>
-              <a:ext uri="{FF2B5EF4-FFF2-40B4-BE49-F238E27FC236}">
-                <a16:creationId xmlns:a16="http://schemas.microsoft.com/office/drawing/2014/main" id="{BBD1A11C-0D13-40D5-A96C-6C9C65FDED12}"/>
-              </a:ext>
-            </a:extLst>
-          </p:cNvPr>
-          <p:cNvSpPr txBox="1"/>
-          <p:nvPr/>
-        </p:nvSpPr>
-        <p:spPr>
-          <a:xfrm>
-            <a:off x="7504954" y="3531563"/>
-            <a:ext cx="3657600" cy="691471"/>
-          </a:xfrm>
-          <a:prstGeom prst="rect">
-            <a:avLst/>
-          </a:prstGeom>
-          <a:noFill/>
-        </p:spPr>
-        <p:txBody>
-          <a:bodyPr wrap="square">
-            <a:spAutoFit/>
-          </a:bodyPr>
-          <a:lstStyle/>
-          <a:p>
-            <a:pPr marL="0" marR="0" lvl="0" indent="0" algn="l" defTabSz="914400" rtl="0" eaLnBrk="1" fontAlgn="auto" latinLnBrk="0" hangingPunct="1">
-              <a:lnSpc>
-                <a:spcPct val="90000"/>
-              </a:lnSpc>
-              <a:spcBef>
-                <a:spcPts val="1000"/>
-              </a:spcBef>
-              <a:spcAft>
-                <a:spcPts val="0"/>
-              </a:spcAft>
-              <a:buClrTx/>
-              <a:buSzTx/>
-              <a:buFont typeface="Arial" panose="020B0604020202020204" pitchFamily="34" charset="0"/>
-              <a:buNone/>
-              <a:tabLst/>
-              <a:defRPr/>
-            </a:pPr>
-            <a:r>
-              <a:rPr kumimoji="0" lang="en-US" b="1" i="0" u="none" strike="noStrike" kern="1200" cap="none" spc="0" normalizeH="0" baseline="0" noProof="0" dirty="0">
-                <a:ln>
-                  <a:noFill/>
-                </a:ln>
-                <a:solidFill>
-                  <a:schemeClr val="accent4"/>
-                </a:solidFill>
-                <a:effectLst/>
-                <a:uLnTx/>
-                <a:uFillTx/>
-                <a:latin typeface="+mj-lt"/>
-                <a:ea typeface="+mn-ea"/>
-                <a:cs typeface="Biome Light" panose="020B0303030204020804" pitchFamily="34" charset="0"/>
-              </a:rPr>
-              <a:t>We’re getting our work done</a:t>
-            </a:r>
-          </a:p>
-          <a:p>
-            <a:pPr marL="0" marR="0" lvl="0" indent="0" algn="l" defTabSz="914400" rtl="0" eaLnBrk="1" fontAlgn="auto" latinLnBrk="0" hangingPunct="1">
-              <a:lnSpc>
-                <a:spcPct val="90000"/>
-              </a:lnSpc>
-              <a:spcBef>
-                <a:spcPts val="1000"/>
-              </a:spcBef>
-              <a:spcAft>
-                <a:spcPts val="0"/>
-              </a:spcAft>
-              <a:buClrTx/>
-              <a:buSzTx/>
-              <a:buFont typeface="Arial" panose="020B0604020202020204" pitchFamily="34" charset="0"/>
-              <a:buNone/>
-              <a:tabLst/>
-              <a:defRPr/>
-            </a:pPr>
-            <a:r>
-              <a:rPr kumimoji="0" lang="en-US" sz="1600" b="0" i="0" u="none" strike="noStrike" kern="1200" cap="none" spc="0" normalizeH="0" baseline="0" noProof="0" dirty="0">
-                <a:ln>
-                  <a:noFill/>
-                </a:ln>
-                <a:effectLst/>
-                <a:uLnTx/>
-                <a:uFillTx/>
-                <a:latin typeface="+mn-lt"/>
-                <a:ea typeface="+mn-ea"/>
-                <a:cs typeface="Biome Light" panose="020B0303030204020804" pitchFamily="34" charset="0"/>
-              </a:rPr>
-              <a:t>We finished the consolidation project</a:t>
-            </a:r>
-          </a:p>
-        </p:txBody>
-      </p:sp>
-      <p:sp>
-        <p:nvSpPr>
-          <p:cNvPr id="20" name="Hexagon 19">
-            <a:extLst>
-              <a:ext uri="{FF2B5EF4-FFF2-40B4-BE49-F238E27FC236}">
-                <a16:creationId xmlns:a16="http://schemas.microsoft.com/office/drawing/2014/main" id="{E3AEA7C5-E53C-47EB-B54E-E09414923CE6}"/>
-              </a:ext>
-              <a:ext uri="{C183D7F6-B498-43B3-948B-1728B52AA6E4}">
-                <adec:decorative xmlns:adec="http://schemas.microsoft.com/office/drawing/2017/decorative" val="1"/>
-              </a:ext>
-            </a:extLst>
-          </p:cNvPr>
-          <p:cNvSpPr/>
-          <p:nvPr/>
-        </p:nvSpPr>
-        <p:spPr>
-          <a:xfrm>
-            <a:off x="609017" y="4778318"/>
-            <a:ext cx="914400" cy="764219"/>
-          </a:xfrm>
-          <a:prstGeom prst="hexagon">
-            <a:avLst/>
-          </a:prstGeom>
-          <a:noFill/>
-          <a:ln>
-            <a:solidFill>
-              <a:schemeClr val="bg1">
-                <a:lumMod val="75000"/>
-              </a:schemeClr>
-            </a:solidFill>
-          </a:ln>
-        </p:spPr>
-        <p:style>
-          <a:lnRef idx="2">
-            <a:schemeClr val="accent1">
-              <a:shade val="50000"/>
-            </a:schemeClr>
-          </a:lnRef>
-          <a:fillRef idx="1">
-            <a:schemeClr val="accent1"/>
-          </a:fillRef>
-          <a:effectRef idx="0">
-            <a:schemeClr val="accent1"/>
-          </a:effectRef>
-          <a:fontRef idx="minor">
-            <a:schemeClr val="lt1"/>
-          </a:fontRef>
-        </p:style>
-        <p:txBody>
-          <a:bodyPr rtlCol="0" anchor="ctr"/>
-          <a:lstStyle/>
-          <a:p>
-            <a:pPr algn="ctr"/>
-            <a:endParaRPr lang="en-US" dirty="0"/>
-          </a:p>
-        </p:txBody>
-      </p:sp>
-      <p:pic>
-        <p:nvPicPr>
-          <p:cNvPr id="32" name="Graphic 31" descr="User network">
-            <a:extLst>
-              <a:ext uri="{FF2B5EF4-FFF2-40B4-BE49-F238E27FC236}">
-                <a16:creationId xmlns:a16="http://schemas.microsoft.com/office/drawing/2014/main" id="{B6919A3F-A031-4557-AAC9-0C948C6E4D6A}"/>
-              </a:ext>
-            </a:extLst>
-          </p:cNvPr>
-          <p:cNvPicPr>
-            <a:picLocks noChangeAspect="1"/>
-          </p:cNvPicPr>
-          <p:nvPr/>
-        </p:nvPicPr>
-        <p:blipFill>
-          <a:blip r:embed="rId11">
-            <a:extLst>
-              <a:ext uri="{96DAC541-7B7A-43D3-8B79-37D633B846F1}">
-                <asvg:svgBlip xmlns:asvg="http://schemas.microsoft.com/office/drawing/2016/SVG/main" r:embed="rId12"/>
-              </a:ext>
-            </a:extLst>
-          </a:blip>
-          <a:srcRect/>
-          <a:stretch/>
-        </p:blipFill>
-        <p:spPr>
-          <a:xfrm>
-            <a:off x="793513" y="4872722"/>
-            <a:ext cx="548640" cy="548640"/>
-          </a:xfrm>
-          <a:prstGeom prst="rect">
-            <a:avLst/>
-          </a:prstGeom>
-        </p:spPr>
-      </p:pic>
-      <p:sp>
-        <p:nvSpPr>
-          <p:cNvPr id="17" name="TextBox 16">
-            <a:extLst>
-              <a:ext uri="{FF2B5EF4-FFF2-40B4-BE49-F238E27FC236}">
-                <a16:creationId xmlns:a16="http://schemas.microsoft.com/office/drawing/2014/main" id="{4B6D4D59-1662-44D5-B239-F9F86487BE32}"/>
-              </a:ext>
-            </a:extLst>
-          </p:cNvPr>
-          <p:cNvSpPr txBox="1"/>
-          <p:nvPr/>
-        </p:nvSpPr>
-        <p:spPr>
-          <a:xfrm>
-            <a:off x="1748531" y="4723888"/>
-            <a:ext cx="3657600" cy="913070"/>
-          </a:xfrm>
-          <a:prstGeom prst="rect">
-            <a:avLst/>
-          </a:prstGeom>
-          <a:noFill/>
-        </p:spPr>
-        <p:txBody>
-          <a:bodyPr wrap="square">
-            <a:spAutoFit/>
-          </a:bodyPr>
-          <a:lstStyle/>
-          <a:p>
-            <a:pPr marL="0" marR="0" lvl="0" indent="0" algn="l" defTabSz="914400" rtl="0" eaLnBrk="1" fontAlgn="auto" latinLnBrk="0" hangingPunct="1">
-              <a:lnSpc>
-                <a:spcPct val="90000"/>
-              </a:lnSpc>
-              <a:spcBef>
-                <a:spcPts val="1000"/>
-              </a:spcBef>
-              <a:spcAft>
-                <a:spcPts val="0"/>
-              </a:spcAft>
-              <a:buClrTx/>
-              <a:buSzTx/>
-              <a:buFont typeface="Arial" panose="020B0604020202020204" pitchFamily="34" charset="0"/>
-              <a:buNone/>
-              <a:tabLst/>
-              <a:defRPr/>
-            </a:pPr>
-            <a:r>
-              <a:rPr kumimoji="0" lang="en-US" b="1" i="0" u="none" strike="noStrike" kern="1200" cap="none" spc="0" normalizeH="0" baseline="0" noProof="0" dirty="0">
-                <a:ln>
-                  <a:noFill/>
-                </a:ln>
-                <a:solidFill>
-                  <a:schemeClr val="accent4"/>
-                </a:solidFill>
-                <a:effectLst/>
-                <a:uLnTx/>
-                <a:uFillTx/>
-                <a:latin typeface="+mj-lt"/>
-                <a:ea typeface="+mn-ea"/>
-                <a:cs typeface="Biome Light" panose="020B0303030204020804" pitchFamily="34" charset="0"/>
-              </a:rPr>
-              <a:t>Our team is growing</a:t>
-            </a:r>
-          </a:p>
-          <a:p>
-            <a:pPr marL="0" marR="0" lvl="0" indent="0" algn="l" defTabSz="914400" rtl="0" eaLnBrk="1" fontAlgn="auto" latinLnBrk="0" hangingPunct="1">
-              <a:lnSpc>
-                <a:spcPct val="90000"/>
-              </a:lnSpc>
-              <a:spcBef>
-                <a:spcPts val="1000"/>
-              </a:spcBef>
-              <a:spcAft>
-                <a:spcPts val="0"/>
-              </a:spcAft>
-              <a:buClrTx/>
-              <a:buSzTx/>
-              <a:buFont typeface="Arial" panose="020B0604020202020204" pitchFamily="34" charset="0"/>
-              <a:buNone/>
-              <a:tabLst/>
-              <a:defRPr/>
-            </a:pPr>
-            <a:r>
-              <a:rPr kumimoji="0" lang="en-US" sz="1600" b="0" i="0" u="none" strike="noStrike" kern="1200" cap="none" spc="0" normalizeH="0" baseline="0" noProof="0" dirty="0">
-                <a:ln>
-                  <a:noFill/>
-                </a:ln>
-                <a:effectLst/>
-                <a:uLnTx/>
-                <a:uFillTx/>
-                <a:latin typeface="+mn-lt"/>
-                <a:ea typeface="+mn-ea"/>
-                <a:cs typeface="Biome Light" panose="020B0303030204020804" pitchFamily="34" charset="0"/>
-              </a:rPr>
-              <a:t>We welcomed 3 new team members </a:t>
-            </a:r>
-            <a:br>
-              <a:rPr kumimoji="0" lang="en-US" sz="1600" b="0" i="0" u="none" strike="noStrike" kern="1200" cap="none" spc="0" normalizeH="0" baseline="0" noProof="0" dirty="0">
-                <a:ln>
-                  <a:noFill/>
-                </a:ln>
-                <a:effectLst/>
-                <a:uLnTx/>
-                <a:uFillTx/>
-                <a:latin typeface="+mn-lt"/>
-                <a:ea typeface="+mn-ea"/>
-                <a:cs typeface="Biome Light" panose="020B0303030204020804" pitchFamily="34" charset="0"/>
-              </a:rPr>
-            </a:br>
-            <a:r>
-              <a:rPr kumimoji="0" lang="en-US" sz="1600" b="0" i="0" u="none" strike="noStrike" kern="1200" cap="none" spc="0" normalizeH="0" baseline="0" noProof="0" dirty="0">
-                <a:ln>
-                  <a:noFill/>
-                </a:ln>
-                <a:effectLst/>
-                <a:uLnTx/>
-                <a:uFillTx/>
-                <a:latin typeface="+mn-lt"/>
-                <a:ea typeface="+mn-ea"/>
-                <a:cs typeface="Biome Light" panose="020B0303030204020804" pitchFamily="34" charset="0"/>
-              </a:rPr>
-              <a:t>last quarter</a:t>
-            </a:r>
-            <a:endParaRPr lang="en-US" sz="1600" dirty="0"/>
-          </a:p>
-        </p:txBody>
-      </p:sp>
-      <p:sp>
-        <p:nvSpPr>
-          <p:cNvPr id="28" name="Hexagon 27">
-            <a:extLst>
-              <a:ext uri="{FF2B5EF4-FFF2-40B4-BE49-F238E27FC236}">
-                <a16:creationId xmlns:a16="http://schemas.microsoft.com/office/drawing/2014/main" id="{BC618CE4-6DEC-4D26-B202-8BAAA269727E}"/>
-              </a:ext>
-              <a:ext uri="{C183D7F6-B498-43B3-948B-1728B52AA6E4}">
-                <adec:decorative xmlns:adec="http://schemas.microsoft.com/office/drawing/2017/decorative" val="1"/>
-              </a:ext>
-            </a:extLst>
-          </p:cNvPr>
-          <p:cNvSpPr/>
-          <p:nvPr/>
-        </p:nvSpPr>
-        <p:spPr>
-          <a:xfrm>
-            <a:off x="6382826" y="4778318"/>
-            <a:ext cx="914400" cy="764219"/>
-          </a:xfrm>
-          <a:prstGeom prst="hexagon">
-            <a:avLst/>
-          </a:prstGeom>
-          <a:noFill/>
-          <a:ln>
-            <a:solidFill>
-              <a:schemeClr val="bg1">
-                <a:lumMod val="75000"/>
-              </a:schemeClr>
-            </a:solidFill>
-          </a:ln>
-        </p:spPr>
-        <p:style>
-          <a:lnRef idx="2">
-            <a:schemeClr val="accent1">
-              <a:shade val="50000"/>
-            </a:schemeClr>
-          </a:lnRef>
-          <a:fillRef idx="1">
-            <a:schemeClr val="accent1"/>
-          </a:fillRef>
-          <a:effectRef idx="0">
-            <a:schemeClr val="accent1"/>
-          </a:effectRef>
-          <a:fontRef idx="minor">
-            <a:schemeClr val="lt1"/>
-          </a:fontRef>
-        </p:style>
-        <p:txBody>
-          <a:bodyPr rtlCol="0" anchor="ctr"/>
-          <a:lstStyle/>
-          <a:p>
-            <a:pPr algn="ctr"/>
-            <a:endParaRPr lang="en-US" dirty="0"/>
-          </a:p>
-        </p:txBody>
-      </p:sp>
-      <p:pic>
-        <p:nvPicPr>
-          <p:cNvPr id="38" name="Graphic 37" descr="Megaphone1">
-            <a:extLst>
-              <a:ext uri="{FF2B5EF4-FFF2-40B4-BE49-F238E27FC236}">
-                <a16:creationId xmlns:a16="http://schemas.microsoft.com/office/drawing/2014/main" id="{44B68078-72CC-45F5-9CD3-20C37D3298D8}"/>
-              </a:ext>
-            </a:extLst>
-          </p:cNvPr>
-          <p:cNvPicPr>
-            <a:picLocks noChangeAspect="1"/>
-          </p:cNvPicPr>
-          <p:nvPr/>
-        </p:nvPicPr>
-        <p:blipFill>
-          <a:blip r:embed="rId13">
-            <a:extLst>
-              <a:ext uri="{96DAC541-7B7A-43D3-8B79-37D633B846F1}">
-                <asvg:svgBlip xmlns:asvg="http://schemas.microsoft.com/office/drawing/2016/SVG/main" r:embed="rId14"/>
-              </a:ext>
-            </a:extLst>
-          </a:blip>
-          <a:srcRect/>
-          <a:stretch/>
-        </p:blipFill>
-        <p:spPr>
-          <a:xfrm>
-            <a:off x="6573648" y="4861105"/>
-            <a:ext cx="548640" cy="548640"/>
-          </a:xfrm>
-          <a:prstGeom prst="rect">
-            <a:avLst/>
-          </a:prstGeom>
-        </p:spPr>
-      </p:pic>
-      <p:sp>
-        <p:nvSpPr>
-          <p:cNvPr id="15" name="TextBox 14">
-            <a:extLst>
-              <a:ext uri="{FF2B5EF4-FFF2-40B4-BE49-F238E27FC236}">
-                <a16:creationId xmlns:a16="http://schemas.microsoft.com/office/drawing/2014/main" id="{802A63E6-17C3-4C42-AD30-C1D1236CE8C7}"/>
-              </a:ext>
-            </a:extLst>
-          </p:cNvPr>
-          <p:cNvSpPr txBox="1"/>
-          <p:nvPr/>
-        </p:nvSpPr>
-        <p:spPr>
-          <a:xfrm>
-            <a:off x="7504954" y="4723888"/>
-            <a:ext cx="3657600" cy="913070"/>
-          </a:xfrm>
-          <a:prstGeom prst="rect">
-            <a:avLst/>
-          </a:prstGeom>
-          <a:noFill/>
-        </p:spPr>
-        <p:txBody>
-          <a:bodyPr wrap="square">
-            <a:spAutoFit/>
-          </a:bodyPr>
-          <a:lstStyle/>
-          <a:p>
-            <a:pPr marL="0" marR="0" lvl="0" indent="0" algn="l" defTabSz="914400" rtl="0" eaLnBrk="1" fontAlgn="auto" latinLnBrk="0" hangingPunct="1">
-              <a:lnSpc>
-                <a:spcPct val="90000"/>
-              </a:lnSpc>
-              <a:spcBef>
-                <a:spcPts val="1000"/>
-              </a:spcBef>
-              <a:spcAft>
-                <a:spcPts val="0"/>
-              </a:spcAft>
-              <a:buClrTx/>
-              <a:buSzTx/>
-              <a:buFont typeface="Arial" panose="020B0604020202020204" pitchFamily="34" charset="0"/>
-              <a:buNone/>
-              <a:tabLst/>
-              <a:defRPr/>
-            </a:pPr>
-            <a:r>
-              <a:rPr kumimoji="0" lang="en-US" b="1" i="0" u="none" strike="noStrike" kern="1200" cap="none" spc="0" normalizeH="0" baseline="0" noProof="0" dirty="0">
-                <a:ln>
-                  <a:noFill/>
-                </a:ln>
-                <a:solidFill>
-                  <a:schemeClr val="accent4"/>
-                </a:solidFill>
-                <a:effectLst/>
-                <a:uLnTx/>
-                <a:uFillTx/>
-                <a:latin typeface="+mj-lt"/>
-                <a:ea typeface="+mn-ea"/>
-                <a:cs typeface="Biome Light" panose="020B0303030204020804" pitchFamily="34" charset="0"/>
-              </a:rPr>
-              <a:t>We’re leaders</a:t>
-            </a:r>
-          </a:p>
-          <a:p>
-            <a:pPr marL="0" marR="0" lvl="0" indent="0" algn="l" defTabSz="914400" rtl="0" eaLnBrk="1" fontAlgn="auto" latinLnBrk="0" hangingPunct="1">
-              <a:lnSpc>
-                <a:spcPct val="90000"/>
-              </a:lnSpc>
-              <a:spcBef>
-                <a:spcPts val="1000"/>
-              </a:spcBef>
-              <a:spcAft>
-                <a:spcPts val="0"/>
-              </a:spcAft>
-              <a:buClrTx/>
-              <a:buSzTx/>
-              <a:buFont typeface="Arial" panose="020B0604020202020204" pitchFamily="34" charset="0"/>
-              <a:buNone/>
-              <a:tabLst/>
-              <a:defRPr/>
-            </a:pPr>
-            <a:r>
-              <a:rPr kumimoji="0" lang="en-US" sz="1600" b="0" i="0" u="none" strike="noStrike" kern="1200" cap="none" spc="0" normalizeH="0" baseline="0" noProof="0" dirty="0">
-                <a:ln>
-                  <a:noFill/>
-                </a:ln>
-                <a:effectLst/>
-                <a:uLnTx/>
-                <a:uFillTx/>
-                <a:latin typeface="+mn-lt"/>
-                <a:ea typeface="+mn-ea"/>
-                <a:cs typeface="Biome Light" panose="020B0303030204020804" pitchFamily="34" charset="0"/>
-              </a:rPr>
-              <a:t>We are top leaders in the industry across</a:t>
-            </a:r>
-            <a:br>
-              <a:rPr kumimoji="0" lang="en-US" sz="1600" b="0" i="0" u="none" strike="noStrike" kern="1200" cap="none" spc="0" normalizeH="0" baseline="0" noProof="0" dirty="0">
-                <a:ln>
-                  <a:noFill/>
-                </a:ln>
-                <a:effectLst/>
-                <a:uLnTx/>
-                <a:uFillTx/>
-                <a:latin typeface="+mn-lt"/>
-                <a:ea typeface="+mn-ea"/>
-                <a:cs typeface="Biome Light" panose="020B0303030204020804" pitchFamily="34" charset="0"/>
-              </a:rPr>
-            </a:br>
-            <a:r>
-              <a:rPr kumimoji="0" lang="en-US" sz="1600" b="0" i="0" u="none" strike="noStrike" kern="1200" cap="none" spc="0" normalizeH="0" baseline="0" noProof="0" dirty="0">
-                <a:ln>
-                  <a:noFill/>
-                </a:ln>
-                <a:effectLst/>
-                <a:uLnTx/>
-                <a:uFillTx/>
-                <a:latin typeface="+mn-lt"/>
-                <a:ea typeface="+mn-ea"/>
-                <a:cs typeface="Biome Light" panose="020B0303030204020804" pitchFamily="34" charset="0"/>
-              </a:rPr>
-              <a:t>the board</a:t>
-            </a:r>
-            <a:endParaRPr lang="en-US" sz="1600" dirty="0"/>
-          </a:p>
-        </p:txBody>
-      </p:sp>
     </p:spTree>
     <p:extLst>
       <p:ext uri="{BB962C8B-B14F-4D97-AF65-F5344CB8AC3E}">
-        <p14:creationId xmlns:p14="http://schemas.microsoft.com/office/powerpoint/2010/main" val="4120671462"/>
+        <p14:creationId xmlns:p14="http://schemas.microsoft.com/office/powerpoint/2010/main" val="3678901431"/>
       </p:ext>
     </p:extLst>
   </p:cSld>
@@ -10583,7 +9961,7 @@
 </file>
 
 <file path=ppt/slides/slide17.xml><?xml version="1.0" encoding="utf-8"?>
-<p:sld xmlns:a="http://schemas.openxmlformats.org/drawingml/2006/main" xmlns:r="http://schemas.openxmlformats.org/officeDocument/2006/relationships" xmlns:p="http://schemas.openxmlformats.org/presentationml/2006/main" showMasterSp="0">
+<p:sld xmlns:a="http://schemas.openxmlformats.org/drawingml/2006/main" xmlns:r="http://schemas.openxmlformats.org/officeDocument/2006/relationships" xmlns:p="http://schemas.openxmlformats.org/presentationml/2006/main">
   <p:cSld>
     <p:spTree>
       <p:nvGrpSpPr>
@@ -10599,12 +9977,40 @@
           <a:chExt cx="0" cy="0"/>
         </a:xfrm>
       </p:grpSpPr>
-      <p:sp>
-        <p:nvSpPr>
-          <p:cNvPr id="2" name="Title 1">
-            <a:extLst>
-              <a:ext uri="{FF2B5EF4-FFF2-40B4-BE49-F238E27FC236}">
-                <a16:creationId xmlns:a16="http://schemas.microsoft.com/office/drawing/2014/main" id="{F6CA4448-4930-46E0-AD53-50021D9DCF2B}"/>
+      <p:pic>
+        <p:nvPicPr>
+          <p:cNvPr id="5" name="Content Placeholder 4">
+            <a:extLst>
+              <a:ext uri="{FF2B5EF4-FFF2-40B4-BE49-F238E27FC236}">
+                <a16:creationId xmlns:a16="http://schemas.microsoft.com/office/drawing/2014/main" id="{41C14442-8FB5-EFBB-CC35-AA4A92895857}"/>
+              </a:ext>
+            </a:extLst>
+          </p:cNvPr>
+          <p:cNvPicPr>
+            <a:picLocks noGrp="1" noChangeAspect="1"/>
+          </p:cNvPicPr>
+          <p:nvPr>
+            <p:ph sz="quarter" idx="10"/>
+          </p:nvPr>
+        </p:nvPicPr>
+        <p:blipFill>
+          <a:blip r:embed="rId2"/>
+          <a:srcRect/>
+          <a:stretch/>
+        </p:blipFill>
+        <p:spPr>
+          <a:xfrm>
+            <a:off x="2708476" y="1465271"/>
+            <a:ext cx="6679855" cy="5190172"/>
+          </a:xfrm>
+        </p:spPr>
+      </p:pic>
+      <p:sp>
+        <p:nvSpPr>
+          <p:cNvPr id="3" name="Title 2">
+            <a:extLst>
+              <a:ext uri="{FF2B5EF4-FFF2-40B4-BE49-F238E27FC236}">
+                <a16:creationId xmlns:a16="http://schemas.microsoft.com/office/drawing/2014/main" id="{AF2BB912-3F17-79B3-6E2F-C58C078B13A9}"/>
               </a:ext>
             </a:extLst>
           </p:cNvPr>
@@ -10622,20 +10028,242 @@
           <a:p>
             <a:r>
               <a:rPr lang="en-US" dirty="0"/>
-              <a:t>Conclusion</a:t>
-            </a:r>
-          </a:p>
-          <a:p>
-            <a:endParaRPr lang="en-US" dirty="0"/>
-          </a:p>
-        </p:txBody>
-      </p:sp>
-      <p:sp>
-        <p:nvSpPr>
-          <p:cNvPr id="3" name="Text Placeholder 2">
-            <a:extLst>
-              <a:ext uri="{FF2B5EF4-FFF2-40B4-BE49-F238E27FC236}">
-                <a16:creationId xmlns:a16="http://schemas.microsoft.com/office/drawing/2014/main" id="{123F6824-E409-4436-9F53-FF50E9FB0CC0}"/>
+              <a:t>CORRELATION MATRIX</a:t>
+            </a:r>
+            <a:endParaRPr lang="en-IN" dirty="0"/>
+          </a:p>
+        </p:txBody>
+      </p:sp>
+    </p:spTree>
+    <p:extLst>
+      <p:ext uri="{BB962C8B-B14F-4D97-AF65-F5344CB8AC3E}">
+        <p14:creationId xmlns:p14="http://schemas.microsoft.com/office/powerpoint/2010/main" val="1149681538"/>
+      </p:ext>
+    </p:extLst>
+  </p:cSld>
+  <p:clrMapOvr>
+    <a:masterClrMapping/>
+  </p:clrMapOvr>
+</p:sld>
+</file>
+
+<file path=ppt/slides/slide18.xml><?xml version="1.0" encoding="utf-8"?>
+<p:sld xmlns:a="http://schemas.openxmlformats.org/drawingml/2006/main" xmlns:r="http://schemas.openxmlformats.org/officeDocument/2006/relationships" xmlns:p="http://schemas.openxmlformats.org/presentationml/2006/main">
+  <p:cSld>
+    <p:spTree>
+      <p:nvGrpSpPr>
+        <p:cNvPr id="1" name=""/>
+        <p:cNvGrpSpPr/>
+        <p:nvPr/>
+      </p:nvGrpSpPr>
+      <p:grpSpPr>
+        <a:xfrm>
+          <a:off x="0" y="0"/>
+          <a:ext cx="0" cy="0"/>
+          <a:chOff x="0" y="0"/>
+          <a:chExt cx="0" cy="0"/>
+        </a:xfrm>
+      </p:grpSpPr>
+      <p:sp>
+        <p:nvSpPr>
+          <p:cNvPr id="3" name="TextBox 2">
+            <a:extLst>
+              <a:ext uri="{FF2B5EF4-FFF2-40B4-BE49-F238E27FC236}">
+                <a16:creationId xmlns:a16="http://schemas.microsoft.com/office/drawing/2014/main" id="{CBB5DEAD-8D07-8FCC-145A-1B0803BA2960}"/>
+              </a:ext>
+            </a:extLst>
+          </p:cNvPr>
+          <p:cNvSpPr txBox="1"/>
+          <p:nvPr/>
+        </p:nvSpPr>
+        <p:spPr>
+          <a:xfrm>
+            <a:off x="266218" y="312516"/>
+            <a:ext cx="11574683" cy="5693866"/>
+          </a:xfrm>
+          <a:prstGeom prst="rect">
+            <a:avLst/>
+          </a:prstGeom>
+          <a:noFill/>
+        </p:spPr>
+        <p:txBody>
+          <a:bodyPr wrap="square" rtlCol="0">
+            <a:spAutoFit/>
+          </a:bodyPr>
+          <a:lstStyle/>
+          <a:p>
+            <a:pPr marL="285750" indent="-285750">
+              <a:buFont typeface="Arial" panose="020B0604020202020204" pitchFamily="34" charset="0"/>
+              <a:buChar char="•"/>
+            </a:pPr>
+            <a:r>
+              <a:rPr lang="en-US" sz="2800" dirty="0"/>
+              <a:t>There is a strong positive correlation between price and </a:t>
+            </a:r>
+            <a:r>
+              <a:rPr lang="en-US" sz="2800" dirty="0" err="1"/>
+              <a:t>num_subscribers</a:t>
+            </a:r>
+            <a:r>
+              <a:rPr lang="en-US" sz="2800" dirty="0"/>
+              <a:t>, which means that courses with higher prices tend to have more subscribers.</a:t>
+            </a:r>
+          </a:p>
+          <a:p>
+            <a:pPr marL="285750" indent="-285750">
+              <a:buFont typeface="Arial" panose="020B0604020202020204" pitchFamily="34" charset="0"/>
+              <a:buChar char="•"/>
+            </a:pPr>
+            <a:r>
+              <a:rPr lang="en-US" sz="2800" dirty="0"/>
+              <a:t>There is a moderate positive correlation between price and </a:t>
+            </a:r>
+            <a:r>
+              <a:rPr lang="en-US" sz="2800" dirty="0" err="1"/>
+              <a:t>num_lectures</a:t>
+            </a:r>
+            <a:r>
+              <a:rPr lang="en-US" sz="2800" dirty="0"/>
+              <a:t>, which means that courses with more lectures tend to have higher prices.</a:t>
+            </a:r>
+          </a:p>
+          <a:p>
+            <a:pPr marL="285750" indent="-285750">
+              <a:buFont typeface="Arial" panose="020B0604020202020204" pitchFamily="34" charset="0"/>
+              <a:buChar char="•"/>
+            </a:pPr>
+            <a:r>
+              <a:rPr lang="en-US" sz="2800" dirty="0"/>
+              <a:t>There is a moderate positive correlation between </a:t>
+            </a:r>
+            <a:r>
+              <a:rPr lang="en-US" sz="2800" dirty="0" err="1"/>
+              <a:t>num_subscribers</a:t>
+            </a:r>
+            <a:r>
+              <a:rPr lang="en-US" sz="2800" dirty="0"/>
+              <a:t> and </a:t>
+            </a:r>
+            <a:r>
+              <a:rPr lang="en-US" sz="2800" dirty="0" err="1"/>
+              <a:t>num_lectures</a:t>
+            </a:r>
+            <a:r>
+              <a:rPr lang="en-US" sz="2800" dirty="0"/>
+              <a:t>, which means that courses with more lectures tend to have more subscribers.</a:t>
+            </a:r>
+          </a:p>
+          <a:p>
+            <a:pPr marL="285750" indent="-285750">
+              <a:buFont typeface="Arial" panose="020B0604020202020204" pitchFamily="34" charset="0"/>
+              <a:buChar char="•"/>
+            </a:pPr>
+            <a:r>
+              <a:rPr lang="en-US" sz="2800" dirty="0"/>
+              <a:t>There is a weak positive correlation between </a:t>
+            </a:r>
+            <a:r>
+              <a:rPr lang="en-US" sz="2800" dirty="0" err="1"/>
+              <a:t>content_duration</a:t>
+            </a:r>
+            <a:r>
+              <a:rPr lang="en-US" sz="2800" dirty="0"/>
+              <a:t> and </a:t>
+            </a:r>
+            <a:r>
+              <a:rPr lang="en-US" sz="2800" dirty="0" err="1"/>
+              <a:t>num_lectures</a:t>
+            </a:r>
+            <a:r>
+              <a:rPr lang="en-US" sz="2800" dirty="0"/>
+              <a:t>, which means that courses with more lectures tend to have longer content duration.</a:t>
+            </a:r>
+          </a:p>
+          <a:p>
+            <a:pPr marL="285750" indent="-285750">
+              <a:buFont typeface="Arial" panose="020B0604020202020204" pitchFamily="34" charset="0"/>
+              <a:buChar char="•"/>
+            </a:pPr>
+            <a:r>
+              <a:rPr lang="en-US" sz="2800" dirty="0"/>
+              <a:t>There is a weak positive correlation between </a:t>
+            </a:r>
+            <a:r>
+              <a:rPr lang="en-US" sz="2800" dirty="0" err="1"/>
+              <a:t>content_duration</a:t>
+            </a:r>
+            <a:r>
+              <a:rPr lang="en-US" sz="2800" dirty="0"/>
+              <a:t> and price, which means that courses with higher prices tend to have longer content duration.</a:t>
+            </a:r>
+            <a:endParaRPr lang="en-IN" sz="2800" dirty="0"/>
+          </a:p>
+        </p:txBody>
+      </p:sp>
+    </p:spTree>
+    <p:extLst>
+      <p:ext uri="{BB962C8B-B14F-4D97-AF65-F5344CB8AC3E}">
+        <p14:creationId xmlns:p14="http://schemas.microsoft.com/office/powerpoint/2010/main" val="3740697351"/>
+      </p:ext>
+    </p:extLst>
+  </p:cSld>
+  <p:clrMapOvr>
+    <a:masterClrMapping/>
+  </p:clrMapOvr>
+</p:sld>
+</file>
+
+<file path=ppt/slides/slide19.xml><?xml version="1.0" encoding="utf-8"?>
+<p:sld xmlns:a="http://schemas.openxmlformats.org/drawingml/2006/main" xmlns:r="http://schemas.openxmlformats.org/officeDocument/2006/relationships" xmlns:p="http://schemas.openxmlformats.org/presentationml/2006/main">
+  <p:cSld>
+    <p:spTree>
+      <p:nvGrpSpPr>
+        <p:cNvPr id="1" name=""/>
+        <p:cNvGrpSpPr/>
+        <p:nvPr/>
+      </p:nvGrpSpPr>
+      <p:grpSpPr>
+        <a:xfrm>
+          <a:off x="0" y="0"/>
+          <a:ext cx="0" cy="0"/>
+          <a:chOff x="0" y="0"/>
+          <a:chExt cx="0" cy="0"/>
+        </a:xfrm>
+      </p:grpSpPr>
+      <p:pic>
+        <p:nvPicPr>
+          <p:cNvPr id="5" name="Content Placeholder 4">
+            <a:extLst>
+              <a:ext uri="{FF2B5EF4-FFF2-40B4-BE49-F238E27FC236}">
+                <a16:creationId xmlns:a16="http://schemas.microsoft.com/office/drawing/2014/main" id="{41C14442-8FB5-EFBB-CC35-AA4A92895857}"/>
+              </a:ext>
+            </a:extLst>
+          </p:cNvPr>
+          <p:cNvPicPr>
+            <a:picLocks noGrp="1" noChangeAspect="1"/>
+          </p:cNvPicPr>
+          <p:nvPr>
+            <p:ph sz="quarter" idx="10"/>
+          </p:nvPr>
+        </p:nvPicPr>
+        <p:blipFill>
+          <a:blip r:embed="rId2"/>
+          <a:srcRect/>
+          <a:stretch/>
+        </p:blipFill>
+        <p:spPr>
+          <a:xfrm>
+            <a:off x="2444187" y="994786"/>
+            <a:ext cx="7303625" cy="5674834"/>
+          </a:xfrm>
+        </p:spPr>
+      </p:pic>
+      <p:sp>
+        <p:nvSpPr>
+          <p:cNvPr id="3" name="Title 2">
+            <a:extLst>
+              <a:ext uri="{FF2B5EF4-FFF2-40B4-BE49-F238E27FC236}">
+                <a16:creationId xmlns:a16="http://schemas.microsoft.com/office/drawing/2014/main" id="{AF2BB912-3F17-79B3-6E2F-C58C078B13A9}"/>
               </a:ext>
             </a:extLst>
           </p:cNvPr>
@@ -10643,59 +10271,31 @@
             <a:spLocks noGrp="1"/>
           </p:cNvSpPr>
           <p:nvPr>
-            <p:ph type="body" sz="quarter" idx="10"/>
+            <p:ph type="title"/>
           </p:nvPr>
         </p:nvSpPr>
-        <p:spPr/>
+        <p:spPr>
+          <a:xfrm>
+            <a:off x="699304" y="294671"/>
+            <a:ext cx="10515600" cy="700115"/>
+          </a:xfrm>
+        </p:spPr>
         <p:txBody>
           <a:bodyPr/>
           <a:lstStyle/>
           <a:p>
             <a:r>
               <a:rPr lang="en-US" dirty="0"/>
-              <a:t>The project's results revealed significant trends and patterns in the dataset, shedding light on key insights and correlations. Through comprehensive data analysis and visualization techniques, we gained a deeper understanding of the underlying dynamics. These findings provide valuable insights for decision-making and lay the groundwork for future explorations and improvements.</a:t>
-            </a:r>
-          </a:p>
-        </p:txBody>
-      </p:sp>
-      <p:pic>
-        <p:nvPicPr>
-          <p:cNvPr id="20" name="Picture Placeholder 8">
-            <a:extLst>
-              <a:ext uri="{FF2B5EF4-FFF2-40B4-BE49-F238E27FC236}">
-                <a16:creationId xmlns:a16="http://schemas.microsoft.com/office/drawing/2014/main" id="{2EC47CED-7A85-4080-9C7C-3921E48924A7}"/>
-              </a:ext>
-            </a:extLst>
-          </p:cNvPr>
-          <p:cNvPicPr>
-            <a:picLocks noGrp="1" noChangeAspect="1"/>
-          </p:cNvPicPr>
-          <p:nvPr>
-            <p:ph type="pic" sz="quarter" idx="13"/>
-          </p:nvPr>
-        </p:nvPicPr>
-        <p:blipFill>
-          <a:blip r:embed="rId2">
-            <a:extLst>
-              <a:ext uri="{837473B0-CC2E-450A-ABE3-18F120FF3D39}">
-                <a1611:picAttrSrcUrl xmlns:a1611="http://schemas.microsoft.com/office/drawing/2016/11/main" r:id="rId3"/>
-              </a:ext>
-            </a:extLst>
-          </a:blip>
-          <a:srcRect l="12967" r="12967"/>
-          <a:stretch/>
-        </p:blipFill>
-        <p:spPr>
-          <a:xfrm>
-            <a:off x="5888038" y="533400"/>
-            <a:ext cx="5541962" cy="5611813"/>
-          </a:xfrm>
-        </p:spPr>
-      </p:pic>
+              <a:t>CATEGORY WISE COURSES PER YEAR</a:t>
+            </a:r>
+            <a:endParaRPr lang="en-IN" dirty="0"/>
+          </a:p>
+        </p:txBody>
+      </p:sp>
     </p:spTree>
     <p:extLst>
       <p:ext uri="{BB962C8B-B14F-4D97-AF65-F5344CB8AC3E}">
-        <p14:creationId xmlns:p14="http://schemas.microsoft.com/office/powerpoint/2010/main" val="715534863"/>
+        <p14:creationId xmlns:p14="http://schemas.microsoft.com/office/powerpoint/2010/main" val="3649664487"/>
       </p:ext>
     </p:extLst>
   </p:cSld>
@@ -10835,6 +10435,1092 @@
     <p:extLst>
       <p:ext uri="{BB962C8B-B14F-4D97-AF65-F5344CB8AC3E}">
         <p14:creationId xmlns:p14="http://schemas.microsoft.com/office/powerpoint/2010/main" val="1341901065"/>
+      </p:ext>
+    </p:extLst>
+  </p:cSld>
+  <p:clrMapOvr>
+    <a:masterClrMapping/>
+  </p:clrMapOvr>
+</p:sld>
+</file>
+
+<file path=ppt/slides/slide20.xml><?xml version="1.0" encoding="utf-8"?>
+<p:sld xmlns:a="http://schemas.openxmlformats.org/drawingml/2006/main" xmlns:r="http://schemas.openxmlformats.org/officeDocument/2006/relationships" xmlns:p="http://schemas.openxmlformats.org/presentationml/2006/main" showMasterSp="0">
+  <p:cSld>
+    <p:spTree>
+      <p:nvGrpSpPr>
+        <p:cNvPr id="1" name=""/>
+        <p:cNvGrpSpPr/>
+        <p:nvPr/>
+      </p:nvGrpSpPr>
+      <p:grpSpPr>
+        <a:xfrm>
+          <a:off x="0" y="0"/>
+          <a:ext cx="0" cy="0"/>
+          <a:chOff x="0" y="0"/>
+          <a:chExt cx="0" cy="0"/>
+        </a:xfrm>
+      </p:grpSpPr>
+      <p:sp>
+        <p:nvSpPr>
+          <p:cNvPr id="2" name="Title 1">
+            <a:extLst>
+              <a:ext uri="{FF2B5EF4-FFF2-40B4-BE49-F238E27FC236}">
+                <a16:creationId xmlns:a16="http://schemas.microsoft.com/office/drawing/2014/main" id="{1B67F211-ED25-4BED-862A-17F84B323349}"/>
+              </a:ext>
+            </a:extLst>
+          </p:cNvPr>
+          <p:cNvSpPr>
+            <a:spLocks noGrp="1"/>
+          </p:cNvSpPr>
+          <p:nvPr>
+            <p:ph type="title"/>
+          </p:nvPr>
+        </p:nvSpPr>
+        <p:spPr/>
+        <p:txBody>
+          <a:bodyPr/>
+          <a:lstStyle/>
+          <a:p>
+            <a:r>
+              <a:rPr lang="en-US" dirty="0"/>
+              <a:t>Summary</a:t>
+            </a:r>
+            <a:br>
+              <a:rPr lang="en-US" dirty="0"/>
+            </a:br>
+            <a:endParaRPr lang="en-US" dirty="0"/>
+          </a:p>
+        </p:txBody>
+      </p:sp>
+      <p:sp>
+        <p:nvSpPr>
+          <p:cNvPr id="18" name="Hexagon 17">
+            <a:extLst>
+              <a:ext uri="{FF2B5EF4-FFF2-40B4-BE49-F238E27FC236}">
+                <a16:creationId xmlns:a16="http://schemas.microsoft.com/office/drawing/2014/main" id="{F3A0DAD0-3E39-4BBF-88E4-5C3C306DCCBB}"/>
+              </a:ext>
+              <a:ext uri="{C183D7F6-B498-43B3-948B-1728B52AA6E4}">
+                <adec:decorative xmlns:adec="http://schemas.microsoft.com/office/drawing/2017/decorative" val="1"/>
+              </a:ext>
+            </a:extLst>
+          </p:cNvPr>
+          <p:cNvSpPr/>
+          <p:nvPr/>
+        </p:nvSpPr>
+        <p:spPr>
+          <a:xfrm>
+            <a:off x="609018" y="2105016"/>
+            <a:ext cx="914400" cy="764219"/>
+          </a:xfrm>
+          <a:prstGeom prst="hexagon">
+            <a:avLst/>
+          </a:prstGeom>
+          <a:noFill/>
+          <a:ln>
+            <a:solidFill>
+              <a:schemeClr val="bg1">
+                <a:lumMod val="75000"/>
+              </a:schemeClr>
+            </a:solidFill>
+          </a:ln>
+        </p:spPr>
+        <p:style>
+          <a:lnRef idx="2">
+            <a:schemeClr val="accent1">
+              <a:shade val="50000"/>
+            </a:schemeClr>
+          </a:lnRef>
+          <a:fillRef idx="1">
+            <a:schemeClr val="accent1"/>
+          </a:fillRef>
+          <a:effectRef idx="0">
+            <a:schemeClr val="accent1"/>
+          </a:effectRef>
+          <a:fontRef idx="minor">
+            <a:schemeClr val="lt1"/>
+          </a:fontRef>
+        </p:style>
+        <p:txBody>
+          <a:bodyPr rtlCol="0" anchor="ctr"/>
+          <a:lstStyle/>
+          <a:p>
+            <a:pPr algn="ctr"/>
+            <a:endParaRPr lang="en-US" dirty="0"/>
+          </a:p>
+        </p:txBody>
+      </p:sp>
+      <p:pic>
+        <p:nvPicPr>
+          <p:cNvPr id="16" name="Graphic 15" descr="Target Audience">
+            <a:extLst>
+              <a:ext uri="{FF2B5EF4-FFF2-40B4-BE49-F238E27FC236}">
+                <a16:creationId xmlns:a16="http://schemas.microsoft.com/office/drawing/2014/main" id="{C4663C19-45BD-46CB-AA38-6CE7C4522BC9}"/>
+              </a:ext>
+            </a:extLst>
+          </p:cNvPr>
+          <p:cNvPicPr>
+            <a:picLocks noChangeAspect="1"/>
+          </p:cNvPicPr>
+          <p:nvPr/>
+        </p:nvPicPr>
+        <p:blipFill>
+          <a:blip r:embed="rId3">
+            <a:extLst>
+              <a:ext uri="{96DAC541-7B7A-43D3-8B79-37D633B846F1}">
+                <asvg:svgBlip xmlns:asvg="http://schemas.microsoft.com/office/drawing/2016/SVG/main" r:embed="rId4"/>
+              </a:ext>
+            </a:extLst>
+          </a:blip>
+          <a:stretch>
+            <a:fillRect/>
+          </a:stretch>
+        </p:blipFill>
+        <p:spPr>
+          <a:xfrm>
+            <a:off x="793513" y="2204476"/>
+            <a:ext cx="548640" cy="548640"/>
+          </a:xfrm>
+          <a:prstGeom prst="rect">
+            <a:avLst/>
+          </a:prstGeom>
+        </p:spPr>
+      </p:pic>
+      <p:sp>
+        <p:nvSpPr>
+          <p:cNvPr id="11" name="TextBox 10">
+            <a:extLst>
+              <a:ext uri="{FF2B5EF4-FFF2-40B4-BE49-F238E27FC236}">
+                <a16:creationId xmlns:a16="http://schemas.microsoft.com/office/drawing/2014/main" id="{0A302878-D117-49D8-8CD3-093E34DF215B}"/>
+              </a:ext>
+            </a:extLst>
+          </p:cNvPr>
+          <p:cNvSpPr txBox="1"/>
+          <p:nvPr/>
+        </p:nvSpPr>
+        <p:spPr>
+          <a:xfrm>
+            <a:off x="1730484" y="1886960"/>
+            <a:ext cx="3657600" cy="1200329"/>
+          </a:xfrm>
+          <a:prstGeom prst="rect">
+            <a:avLst/>
+          </a:prstGeom>
+          <a:noFill/>
+        </p:spPr>
+        <p:txBody>
+          <a:bodyPr wrap="square">
+            <a:spAutoFit/>
+          </a:bodyPr>
+          <a:lstStyle/>
+          <a:p>
+            <a:r>
+              <a:rPr lang="en-US" dirty="0"/>
+              <a:t>Comprehensive survey of Udemy course offerings and instructor data, with a focus on emerging trends and popular topics.</a:t>
+            </a:r>
+          </a:p>
+        </p:txBody>
+      </p:sp>
+      <p:sp>
+        <p:nvSpPr>
+          <p:cNvPr id="24" name="Hexagon 23">
+            <a:extLst>
+              <a:ext uri="{FF2B5EF4-FFF2-40B4-BE49-F238E27FC236}">
+                <a16:creationId xmlns:a16="http://schemas.microsoft.com/office/drawing/2014/main" id="{B8F5A225-0C56-4A56-9265-DBE9001CCCDC}"/>
+              </a:ext>
+              <a:ext uri="{C183D7F6-B498-43B3-948B-1728B52AA6E4}">
+                <adec:decorative xmlns:adec="http://schemas.microsoft.com/office/drawing/2017/decorative" val="1"/>
+              </a:ext>
+            </a:extLst>
+          </p:cNvPr>
+          <p:cNvSpPr/>
+          <p:nvPr/>
+        </p:nvSpPr>
+        <p:spPr>
+          <a:xfrm>
+            <a:off x="6382827" y="2105016"/>
+            <a:ext cx="914400" cy="764219"/>
+          </a:xfrm>
+          <a:prstGeom prst="hexagon">
+            <a:avLst/>
+          </a:prstGeom>
+          <a:noFill/>
+          <a:ln>
+            <a:solidFill>
+              <a:schemeClr val="bg1">
+                <a:lumMod val="75000"/>
+              </a:schemeClr>
+            </a:solidFill>
+          </a:ln>
+        </p:spPr>
+        <p:style>
+          <a:lnRef idx="2">
+            <a:schemeClr val="accent1">
+              <a:shade val="50000"/>
+            </a:schemeClr>
+          </a:lnRef>
+          <a:fillRef idx="1">
+            <a:schemeClr val="accent1"/>
+          </a:fillRef>
+          <a:effectRef idx="0">
+            <a:schemeClr val="accent1"/>
+          </a:effectRef>
+          <a:fontRef idx="minor">
+            <a:schemeClr val="lt1"/>
+          </a:fontRef>
+        </p:style>
+        <p:txBody>
+          <a:bodyPr rtlCol="0" anchor="ctr"/>
+          <a:lstStyle/>
+          <a:p>
+            <a:pPr algn="ctr"/>
+            <a:endParaRPr lang="en-US" dirty="0"/>
+          </a:p>
+        </p:txBody>
+      </p:sp>
+      <p:pic>
+        <p:nvPicPr>
+          <p:cNvPr id="34" name="Graphic 33" descr="Upward trend">
+            <a:extLst>
+              <a:ext uri="{FF2B5EF4-FFF2-40B4-BE49-F238E27FC236}">
+                <a16:creationId xmlns:a16="http://schemas.microsoft.com/office/drawing/2014/main" id="{112CEB44-CF96-4193-8126-3EF3F89B2EA2}"/>
+              </a:ext>
+            </a:extLst>
+          </p:cNvPr>
+          <p:cNvPicPr>
+            <a:picLocks noChangeAspect="1"/>
+          </p:cNvPicPr>
+          <p:nvPr/>
+        </p:nvPicPr>
+        <p:blipFill>
+          <a:blip r:embed="rId5">
+            <a:extLst>
+              <a:ext uri="{96DAC541-7B7A-43D3-8B79-37D633B846F1}">
+                <asvg:svgBlip xmlns:asvg="http://schemas.microsoft.com/office/drawing/2016/SVG/main" r:embed="rId6"/>
+              </a:ext>
+            </a:extLst>
+          </a:blip>
+          <a:srcRect/>
+          <a:stretch/>
+        </p:blipFill>
+        <p:spPr>
+          <a:xfrm>
+            <a:off x="6562762" y="2203745"/>
+            <a:ext cx="548640" cy="548640"/>
+          </a:xfrm>
+          <a:prstGeom prst="rect">
+            <a:avLst/>
+          </a:prstGeom>
+        </p:spPr>
+      </p:pic>
+      <p:sp>
+        <p:nvSpPr>
+          <p:cNvPr id="7" name="TextBox 6">
+            <a:extLst>
+              <a:ext uri="{FF2B5EF4-FFF2-40B4-BE49-F238E27FC236}">
+                <a16:creationId xmlns:a16="http://schemas.microsoft.com/office/drawing/2014/main" id="{64DBD184-BCBE-4A38-8DF2-C0C550ADE4C4}"/>
+              </a:ext>
+            </a:extLst>
+          </p:cNvPr>
+          <p:cNvSpPr txBox="1"/>
+          <p:nvPr/>
+        </p:nvSpPr>
+        <p:spPr>
+          <a:xfrm>
+            <a:off x="7504954" y="2015389"/>
+            <a:ext cx="3657600" cy="1200329"/>
+          </a:xfrm>
+          <a:prstGeom prst="rect">
+            <a:avLst/>
+          </a:prstGeom>
+          <a:noFill/>
+        </p:spPr>
+        <p:txBody>
+          <a:bodyPr wrap="square">
+            <a:spAutoFit/>
+          </a:bodyPr>
+          <a:lstStyle/>
+          <a:p>
+            <a:r>
+              <a:rPr lang="en-US" dirty="0"/>
+              <a:t>Creation of informative data visualizations to highlight key findings and patterns in the Udemy course landscape.</a:t>
+            </a:r>
+          </a:p>
+        </p:txBody>
+      </p:sp>
+      <p:sp>
+        <p:nvSpPr>
+          <p:cNvPr id="19" name="Hexagon 18">
+            <a:extLst>
+              <a:ext uri="{FF2B5EF4-FFF2-40B4-BE49-F238E27FC236}">
+                <a16:creationId xmlns:a16="http://schemas.microsoft.com/office/drawing/2014/main" id="{A6510D74-8CDF-4500-996B-40C07942D72B}"/>
+              </a:ext>
+              <a:ext uri="{C183D7F6-B498-43B3-948B-1728B52AA6E4}">
+                <adec:decorative xmlns:adec="http://schemas.microsoft.com/office/drawing/2017/decorative" val="1"/>
+              </a:ext>
+            </a:extLst>
+          </p:cNvPr>
+          <p:cNvSpPr/>
+          <p:nvPr/>
+        </p:nvSpPr>
+        <p:spPr>
+          <a:xfrm>
+            <a:off x="609018" y="3510536"/>
+            <a:ext cx="914400" cy="764219"/>
+          </a:xfrm>
+          <a:prstGeom prst="hexagon">
+            <a:avLst/>
+          </a:prstGeom>
+          <a:noFill/>
+          <a:ln>
+            <a:solidFill>
+              <a:schemeClr val="bg1">
+                <a:lumMod val="75000"/>
+              </a:schemeClr>
+            </a:solidFill>
+          </a:ln>
+        </p:spPr>
+        <p:style>
+          <a:lnRef idx="2">
+            <a:schemeClr val="accent1">
+              <a:shade val="50000"/>
+            </a:schemeClr>
+          </a:lnRef>
+          <a:fillRef idx="1">
+            <a:schemeClr val="accent1"/>
+          </a:fillRef>
+          <a:effectRef idx="0">
+            <a:schemeClr val="accent1"/>
+          </a:effectRef>
+          <a:fontRef idx="minor">
+            <a:schemeClr val="lt1"/>
+          </a:fontRef>
+        </p:style>
+        <p:txBody>
+          <a:bodyPr rtlCol="0" anchor="ctr"/>
+          <a:lstStyle/>
+          <a:p>
+            <a:pPr algn="ctr"/>
+            <a:endParaRPr lang="en-US" dirty="0"/>
+          </a:p>
+        </p:txBody>
+      </p:sp>
+      <p:pic>
+        <p:nvPicPr>
+          <p:cNvPr id="30" name="Graphic 29">
+            <a:extLst>
+              <a:ext uri="{FF2B5EF4-FFF2-40B4-BE49-F238E27FC236}">
+                <a16:creationId xmlns:a16="http://schemas.microsoft.com/office/drawing/2014/main" id="{245749D8-5A06-44F2-B96E-6718BBEB6C47}"/>
+              </a:ext>
+            </a:extLst>
+          </p:cNvPr>
+          <p:cNvPicPr>
+            <a:picLocks noChangeAspect="1"/>
+          </p:cNvPicPr>
+          <p:nvPr/>
+        </p:nvPicPr>
+        <p:blipFill>
+          <a:blip r:embed="rId7">
+            <a:extLst>
+              <a:ext uri="{837473B0-CC2E-450A-ABE3-18F120FF3D39}">
+                <a1611:picAttrSrcUrl xmlns:a1611="http://schemas.microsoft.com/office/drawing/2016/11/main" r:id="rId8"/>
+              </a:ext>
+            </a:extLst>
+          </a:blip>
+          <a:srcRect/>
+          <a:stretch/>
+        </p:blipFill>
+        <p:spPr>
+          <a:xfrm>
+            <a:off x="793513" y="3618467"/>
+            <a:ext cx="548640" cy="548640"/>
+          </a:xfrm>
+          <a:prstGeom prst="rect">
+            <a:avLst/>
+          </a:prstGeom>
+        </p:spPr>
+      </p:pic>
+      <p:sp>
+        <p:nvSpPr>
+          <p:cNvPr id="13" name="TextBox 12">
+            <a:extLst>
+              <a:ext uri="{FF2B5EF4-FFF2-40B4-BE49-F238E27FC236}">
+                <a16:creationId xmlns:a16="http://schemas.microsoft.com/office/drawing/2014/main" id="{E0A3F38B-310F-454B-9EF6-EF4B5FD017B0}"/>
+              </a:ext>
+            </a:extLst>
+          </p:cNvPr>
+          <p:cNvSpPr txBox="1"/>
+          <p:nvPr/>
+        </p:nvSpPr>
+        <p:spPr>
+          <a:xfrm>
+            <a:off x="1748531" y="3531563"/>
+            <a:ext cx="3657600" cy="923330"/>
+          </a:xfrm>
+          <a:prstGeom prst="rect">
+            <a:avLst/>
+          </a:prstGeom>
+          <a:noFill/>
+        </p:spPr>
+        <p:txBody>
+          <a:bodyPr wrap="square">
+            <a:spAutoFit/>
+          </a:bodyPr>
+          <a:lstStyle/>
+          <a:p>
+            <a:r>
+              <a:rPr lang="en-US" dirty="0"/>
+              <a:t>Rigorous cleaning and standardization of the dataset to ensure accuracy and reliability.</a:t>
+            </a:r>
+          </a:p>
+        </p:txBody>
+      </p:sp>
+      <p:sp>
+        <p:nvSpPr>
+          <p:cNvPr id="26" name="Hexagon 25">
+            <a:extLst>
+              <a:ext uri="{FF2B5EF4-FFF2-40B4-BE49-F238E27FC236}">
+                <a16:creationId xmlns:a16="http://schemas.microsoft.com/office/drawing/2014/main" id="{F73E68A5-255F-4C3B-82E4-28F5CE1AA4BA}"/>
+              </a:ext>
+              <a:ext uri="{C183D7F6-B498-43B3-948B-1728B52AA6E4}">
+                <adec:decorative xmlns:adec="http://schemas.microsoft.com/office/drawing/2017/decorative" val="1"/>
+              </a:ext>
+            </a:extLst>
+          </p:cNvPr>
+          <p:cNvSpPr/>
+          <p:nvPr/>
+        </p:nvSpPr>
+        <p:spPr>
+          <a:xfrm>
+            <a:off x="6382827" y="3510536"/>
+            <a:ext cx="914400" cy="764219"/>
+          </a:xfrm>
+          <a:prstGeom prst="hexagon">
+            <a:avLst/>
+          </a:prstGeom>
+          <a:noFill/>
+          <a:ln>
+            <a:solidFill>
+              <a:schemeClr val="bg1">
+                <a:lumMod val="75000"/>
+              </a:schemeClr>
+            </a:solidFill>
+          </a:ln>
+        </p:spPr>
+        <p:style>
+          <a:lnRef idx="2">
+            <a:schemeClr val="accent1">
+              <a:shade val="50000"/>
+            </a:schemeClr>
+          </a:lnRef>
+          <a:fillRef idx="1">
+            <a:schemeClr val="accent1"/>
+          </a:fillRef>
+          <a:effectRef idx="0">
+            <a:schemeClr val="accent1"/>
+          </a:effectRef>
+          <a:fontRef idx="minor">
+            <a:schemeClr val="lt1"/>
+          </a:fontRef>
+        </p:style>
+        <p:txBody>
+          <a:bodyPr rtlCol="0" anchor="ctr"/>
+          <a:lstStyle/>
+          <a:p>
+            <a:pPr algn="ctr"/>
+            <a:endParaRPr lang="en-US" dirty="0"/>
+          </a:p>
+        </p:txBody>
+      </p:sp>
+      <p:pic>
+        <p:nvPicPr>
+          <p:cNvPr id="36" name="Graphic 35" descr="Clipboard">
+            <a:extLst>
+              <a:ext uri="{FF2B5EF4-FFF2-40B4-BE49-F238E27FC236}">
+                <a16:creationId xmlns:a16="http://schemas.microsoft.com/office/drawing/2014/main" id="{3F4B17BF-671E-4F42-AB1B-F84F52DCE251}"/>
+              </a:ext>
+            </a:extLst>
+          </p:cNvPr>
+          <p:cNvPicPr>
+            <a:picLocks noChangeAspect="1"/>
+          </p:cNvPicPr>
+          <p:nvPr/>
+        </p:nvPicPr>
+        <p:blipFill>
+          <a:blip r:embed="rId9">
+            <a:extLst>
+              <a:ext uri="{96DAC541-7B7A-43D3-8B79-37D633B846F1}">
+                <asvg:svgBlip xmlns:asvg="http://schemas.microsoft.com/office/drawing/2016/SVG/main" r:embed="rId10"/>
+              </a:ext>
+            </a:extLst>
+          </a:blip>
+          <a:srcRect/>
+          <a:stretch/>
+        </p:blipFill>
+        <p:spPr>
+          <a:xfrm>
+            <a:off x="6573648" y="3606850"/>
+            <a:ext cx="548640" cy="548640"/>
+          </a:xfrm>
+          <a:prstGeom prst="rect">
+            <a:avLst/>
+          </a:prstGeom>
+        </p:spPr>
+      </p:pic>
+      <p:sp>
+        <p:nvSpPr>
+          <p:cNvPr id="9" name="TextBox 8">
+            <a:extLst>
+              <a:ext uri="{FF2B5EF4-FFF2-40B4-BE49-F238E27FC236}">
+                <a16:creationId xmlns:a16="http://schemas.microsoft.com/office/drawing/2014/main" id="{BBD1A11C-0D13-40D5-A96C-6C9C65FDED12}"/>
+              </a:ext>
+            </a:extLst>
+          </p:cNvPr>
+          <p:cNvSpPr txBox="1"/>
+          <p:nvPr/>
+        </p:nvSpPr>
+        <p:spPr>
+          <a:xfrm>
+            <a:off x="7504954" y="3393063"/>
+            <a:ext cx="3657600" cy="1200329"/>
+          </a:xfrm>
+          <a:prstGeom prst="rect">
+            <a:avLst/>
+          </a:prstGeom>
+          <a:noFill/>
+        </p:spPr>
+        <p:txBody>
+          <a:bodyPr wrap="square">
+            <a:spAutoFit/>
+          </a:bodyPr>
+          <a:lstStyle/>
+          <a:p>
+            <a:r>
+              <a:rPr lang="en-US" dirty="0"/>
+              <a:t>Identification of the most in-demand course categories, from cutting-edge technology to timeless business essentials and creative pursuits.</a:t>
+            </a:r>
+          </a:p>
+        </p:txBody>
+      </p:sp>
+      <p:sp>
+        <p:nvSpPr>
+          <p:cNvPr id="20" name="Hexagon 19">
+            <a:extLst>
+              <a:ext uri="{FF2B5EF4-FFF2-40B4-BE49-F238E27FC236}">
+                <a16:creationId xmlns:a16="http://schemas.microsoft.com/office/drawing/2014/main" id="{E3AEA7C5-E53C-47EB-B54E-E09414923CE6}"/>
+              </a:ext>
+              <a:ext uri="{C183D7F6-B498-43B3-948B-1728B52AA6E4}">
+                <adec:decorative xmlns:adec="http://schemas.microsoft.com/office/drawing/2017/decorative" val="1"/>
+              </a:ext>
+            </a:extLst>
+          </p:cNvPr>
+          <p:cNvSpPr/>
+          <p:nvPr/>
+        </p:nvSpPr>
+        <p:spPr>
+          <a:xfrm>
+            <a:off x="609017" y="4778318"/>
+            <a:ext cx="914400" cy="764219"/>
+          </a:xfrm>
+          <a:prstGeom prst="hexagon">
+            <a:avLst/>
+          </a:prstGeom>
+          <a:noFill/>
+          <a:ln>
+            <a:solidFill>
+              <a:schemeClr val="bg1">
+                <a:lumMod val="75000"/>
+              </a:schemeClr>
+            </a:solidFill>
+          </a:ln>
+        </p:spPr>
+        <p:style>
+          <a:lnRef idx="2">
+            <a:schemeClr val="accent1">
+              <a:shade val="50000"/>
+            </a:schemeClr>
+          </a:lnRef>
+          <a:fillRef idx="1">
+            <a:schemeClr val="accent1"/>
+          </a:fillRef>
+          <a:effectRef idx="0">
+            <a:schemeClr val="accent1"/>
+          </a:effectRef>
+          <a:fontRef idx="minor">
+            <a:schemeClr val="lt1"/>
+          </a:fontRef>
+        </p:style>
+        <p:txBody>
+          <a:bodyPr rtlCol="0" anchor="ctr"/>
+          <a:lstStyle/>
+          <a:p>
+            <a:pPr algn="ctr"/>
+            <a:endParaRPr lang="en-US" dirty="0"/>
+          </a:p>
+        </p:txBody>
+      </p:sp>
+      <p:pic>
+        <p:nvPicPr>
+          <p:cNvPr id="32" name="Graphic 31">
+            <a:extLst>
+              <a:ext uri="{FF2B5EF4-FFF2-40B4-BE49-F238E27FC236}">
+                <a16:creationId xmlns:a16="http://schemas.microsoft.com/office/drawing/2014/main" id="{B6919A3F-A031-4557-AAC9-0C948C6E4D6A}"/>
+              </a:ext>
+            </a:extLst>
+          </p:cNvPr>
+          <p:cNvPicPr>
+            <a:picLocks noChangeAspect="1"/>
+          </p:cNvPicPr>
+          <p:nvPr/>
+        </p:nvPicPr>
+        <p:blipFill>
+          <a:blip r:embed="rId11">
+            <a:extLst>
+              <a:ext uri="{96DAC541-7B7A-43D3-8B79-37D633B846F1}">
+                <asvg:svgBlip xmlns:asvg="http://schemas.microsoft.com/office/drawing/2016/SVG/main" r:embed="rId12"/>
+              </a:ext>
+              <a:ext uri="{837473B0-CC2E-450A-ABE3-18F120FF3D39}">
+                <a1611:picAttrSrcUrl xmlns:a1611="http://schemas.microsoft.com/office/drawing/2016/11/main" r:id="rId13"/>
+              </a:ext>
+            </a:extLst>
+          </a:blip>
+          <a:srcRect/>
+          <a:stretch/>
+        </p:blipFill>
+        <p:spPr>
+          <a:xfrm>
+            <a:off x="804119" y="4872722"/>
+            <a:ext cx="527427" cy="548640"/>
+          </a:xfrm>
+          <a:prstGeom prst="rect">
+            <a:avLst/>
+          </a:prstGeom>
+        </p:spPr>
+      </p:pic>
+      <p:sp>
+        <p:nvSpPr>
+          <p:cNvPr id="17" name="TextBox 16">
+            <a:extLst>
+              <a:ext uri="{FF2B5EF4-FFF2-40B4-BE49-F238E27FC236}">
+                <a16:creationId xmlns:a16="http://schemas.microsoft.com/office/drawing/2014/main" id="{4B6D4D59-1662-44D5-B239-F9F86487BE32}"/>
+              </a:ext>
+            </a:extLst>
+          </p:cNvPr>
+          <p:cNvSpPr txBox="1"/>
+          <p:nvPr/>
+        </p:nvSpPr>
+        <p:spPr>
+          <a:xfrm>
+            <a:off x="1748531" y="4723888"/>
+            <a:ext cx="3657600" cy="1477328"/>
+          </a:xfrm>
+          <a:prstGeom prst="rect">
+            <a:avLst/>
+          </a:prstGeom>
+          <a:noFill/>
+        </p:spPr>
+        <p:txBody>
+          <a:bodyPr wrap="square">
+            <a:spAutoFit/>
+          </a:bodyPr>
+          <a:lstStyle/>
+          <a:p>
+            <a:r>
+              <a:rPr lang="en-US" dirty="0"/>
+              <a:t>In-depth examination of numerical and categorical features to uncover insights into course pricing, enrollment, and instructor performance.</a:t>
+            </a:r>
+          </a:p>
+        </p:txBody>
+      </p:sp>
+      <p:sp>
+        <p:nvSpPr>
+          <p:cNvPr id="28" name="Hexagon 27">
+            <a:extLst>
+              <a:ext uri="{FF2B5EF4-FFF2-40B4-BE49-F238E27FC236}">
+                <a16:creationId xmlns:a16="http://schemas.microsoft.com/office/drawing/2014/main" id="{BC618CE4-6DEC-4D26-B202-8BAAA269727E}"/>
+              </a:ext>
+              <a:ext uri="{C183D7F6-B498-43B3-948B-1728B52AA6E4}">
+                <adec:decorative xmlns:adec="http://schemas.microsoft.com/office/drawing/2017/decorative" val="1"/>
+              </a:ext>
+            </a:extLst>
+          </p:cNvPr>
+          <p:cNvSpPr/>
+          <p:nvPr/>
+        </p:nvSpPr>
+        <p:spPr>
+          <a:xfrm>
+            <a:off x="6382826" y="4778318"/>
+            <a:ext cx="914400" cy="764219"/>
+          </a:xfrm>
+          <a:prstGeom prst="hexagon">
+            <a:avLst/>
+          </a:prstGeom>
+          <a:noFill/>
+          <a:ln>
+            <a:solidFill>
+              <a:schemeClr val="bg1">
+                <a:lumMod val="75000"/>
+              </a:schemeClr>
+            </a:solidFill>
+          </a:ln>
+        </p:spPr>
+        <p:style>
+          <a:lnRef idx="2">
+            <a:schemeClr val="accent1">
+              <a:shade val="50000"/>
+            </a:schemeClr>
+          </a:lnRef>
+          <a:fillRef idx="1">
+            <a:schemeClr val="accent1"/>
+          </a:fillRef>
+          <a:effectRef idx="0">
+            <a:schemeClr val="accent1"/>
+          </a:effectRef>
+          <a:fontRef idx="minor">
+            <a:schemeClr val="lt1"/>
+          </a:fontRef>
+        </p:style>
+        <p:txBody>
+          <a:bodyPr rtlCol="0" anchor="ctr"/>
+          <a:lstStyle/>
+          <a:p>
+            <a:pPr algn="ctr"/>
+            <a:endParaRPr lang="en-US" dirty="0"/>
+          </a:p>
+        </p:txBody>
+      </p:sp>
+      <p:pic>
+        <p:nvPicPr>
+          <p:cNvPr id="38" name="Graphic 37">
+            <a:extLst>
+              <a:ext uri="{FF2B5EF4-FFF2-40B4-BE49-F238E27FC236}">
+                <a16:creationId xmlns:a16="http://schemas.microsoft.com/office/drawing/2014/main" id="{44B68078-72CC-45F5-9CD3-20C37D3298D8}"/>
+              </a:ext>
+            </a:extLst>
+          </p:cNvPr>
+          <p:cNvPicPr>
+            <a:picLocks noChangeAspect="1"/>
+          </p:cNvPicPr>
+          <p:nvPr/>
+        </p:nvPicPr>
+        <p:blipFill>
+          <a:blip r:embed="rId14">
+            <a:extLst>
+              <a:ext uri="{837473B0-CC2E-450A-ABE3-18F120FF3D39}">
+                <a1611:picAttrSrcUrl xmlns:a1611="http://schemas.microsoft.com/office/drawing/2016/11/main" r:id="rId15"/>
+              </a:ext>
+            </a:extLst>
+          </a:blip>
+          <a:srcRect/>
+          <a:stretch/>
+        </p:blipFill>
+        <p:spPr>
+          <a:xfrm>
+            <a:off x="6573648" y="4950350"/>
+            <a:ext cx="548640" cy="370149"/>
+          </a:xfrm>
+          <a:prstGeom prst="rect">
+            <a:avLst/>
+          </a:prstGeom>
+        </p:spPr>
+      </p:pic>
+      <p:sp>
+        <p:nvSpPr>
+          <p:cNvPr id="4" name="TextBox 3">
+            <a:extLst>
+              <a:ext uri="{FF2B5EF4-FFF2-40B4-BE49-F238E27FC236}">
+                <a16:creationId xmlns:a16="http://schemas.microsoft.com/office/drawing/2014/main" id="{6D041CEA-576E-DCBB-CD73-3E5720B0D3DD}"/>
+              </a:ext>
+            </a:extLst>
+          </p:cNvPr>
+          <p:cNvSpPr txBox="1"/>
+          <p:nvPr/>
+        </p:nvSpPr>
+        <p:spPr>
+          <a:xfrm>
+            <a:off x="7504954" y="4950350"/>
+            <a:ext cx="3657600" cy="923330"/>
+          </a:xfrm>
+          <a:prstGeom prst="rect">
+            <a:avLst/>
+          </a:prstGeom>
+          <a:noFill/>
+        </p:spPr>
+        <p:txBody>
+          <a:bodyPr wrap="square" rtlCol="0">
+            <a:spAutoFit/>
+          </a:bodyPr>
+          <a:lstStyle/>
+          <a:p>
+            <a:r>
+              <a:rPr lang="en-US" dirty="0"/>
+              <a:t>Hands on experience with the libraries of python for analysis and visualization of data</a:t>
+            </a:r>
+            <a:endParaRPr lang="en-IN" dirty="0"/>
+          </a:p>
+        </p:txBody>
+      </p:sp>
+    </p:spTree>
+    <p:extLst>
+      <p:ext uri="{BB962C8B-B14F-4D97-AF65-F5344CB8AC3E}">
+        <p14:creationId xmlns:p14="http://schemas.microsoft.com/office/powerpoint/2010/main" val="4120671462"/>
+      </p:ext>
+    </p:extLst>
+  </p:cSld>
+  <p:clrMapOvr>
+    <a:masterClrMapping/>
+  </p:clrMapOvr>
+</p:sld>
+</file>
+
+<file path=ppt/slides/slide21.xml><?xml version="1.0" encoding="utf-8"?>
+<p:sld xmlns:a="http://schemas.openxmlformats.org/drawingml/2006/main" xmlns:r="http://schemas.openxmlformats.org/officeDocument/2006/relationships" xmlns:p="http://schemas.openxmlformats.org/presentationml/2006/main" showMasterSp="0">
+  <p:cSld>
+    <p:spTree>
+      <p:nvGrpSpPr>
+        <p:cNvPr id="1" name=""/>
+        <p:cNvGrpSpPr/>
+        <p:nvPr/>
+      </p:nvGrpSpPr>
+      <p:grpSpPr>
+        <a:xfrm>
+          <a:off x="0" y="0"/>
+          <a:ext cx="0" cy="0"/>
+          <a:chOff x="0" y="0"/>
+          <a:chExt cx="0" cy="0"/>
+        </a:xfrm>
+      </p:grpSpPr>
+      <p:sp>
+        <p:nvSpPr>
+          <p:cNvPr id="2" name="Title 1">
+            <a:extLst>
+              <a:ext uri="{FF2B5EF4-FFF2-40B4-BE49-F238E27FC236}">
+                <a16:creationId xmlns:a16="http://schemas.microsoft.com/office/drawing/2014/main" id="{F6CA4448-4930-46E0-AD53-50021D9DCF2B}"/>
+              </a:ext>
+            </a:extLst>
+          </p:cNvPr>
+          <p:cNvSpPr>
+            <a:spLocks noGrp="1"/>
+          </p:cNvSpPr>
+          <p:nvPr>
+            <p:ph type="title"/>
+          </p:nvPr>
+        </p:nvSpPr>
+        <p:spPr/>
+        <p:txBody>
+          <a:bodyPr/>
+          <a:lstStyle/>
+          <a:p>
+            <a:r>
+              <a:rPr lang="en-US" dirty="0"/>
+              <a:t>Conclusion</a:t>
+            </a:r>
+          </a:p>
+          <a:p>
+            <a:endParaRPr lang="en-US" dirty="0"/>
+          </a:p>
+        </p:txBody>
+      </p:sp>
+      <p:sp>
+        <p:nvSpPr>
+          <p:cNvPr id="3" name="Text Placeholder 2">
+            <a:extLst>
+              <a:ext uri="{FF2B5EF4-FFF2-40B4-BE49-F238E27FC236}">
+                <a16:creationId xmlns:a16="http://schemas.microsoft.com/office/drawing/2014/main" id="{123F6824-E409-4436-9F53-FF50E9FB0CC0}"/>
+              </a:ext>
+            </a:extLst>
+          </p:cNvPr>
+          <p:cNvSpPr>
+            <a:spLocks noGrp="1"/>
+          </p:cNvSpPr>
+          <p:nvPr>
+            <p:ph type="body" sz="quarter" idx="10"/>
+          </p:nvPr>
+        </p:nvSpPr>
+        <p:spPr/>
+        <p:txBody>
+          <a:bodyPr/>
+          <a:lstStyle/>
+          <a:p>
+            <a:r>
+              <a:rPr lang="en-US" dirty="0"/>
+              <a:t>The project's results revealed significant trends and patterns in the dataset, shedding light on key insights and correlations. Through comprehensive data analysis and visualization techniques, we gained a deeper understanding of the underlying dynamics. These findings provide valuable insights for decision-making and lay the groundwork for future explorations and improvements.</a:t>
+            </a:r>
+          </a:p>
+        </p:txBody>
+      </p:sp>
+      <p:pic>
+        <p:nvPicPr>
+          <p:cNvPr id="20" name="Picture Placeholder 8">
+            <a:extLst>
+              <a:ext uri="{FF2B5EF4-FFF2-40B4-BE49-F238E27FC236}">
+                <a16:creationId xmlns:a16="http://schemas.microsoft.com/office/drawing/2014/main" id="{2EC47CED-7A85-4080-9C7C-3921E48924A7}"/>
+              </a:ext>
+            </a:extLst>
+          </p:cNvPr>
+          <p:cNvPicPr>
+            <a:picLocks noGrp="1" noChangeAspect="1"/>
+          </p:cNvPicPr>
+          <p:nvPr>
+            <p:ph type="pic" sz="quarter" idx="13"/>
+          </p:nvPr>
+        </p:nvPicPr>
+        <p:blipFill>
+          <a:blip r:embed="rId2">
+            <a:extLst>
+              <a:ext uri="{837473B0-CC2E-450A-ABE3-18F120FF3D39}">
+                <a1611:picAttrSrcUrl xmlns:a1611="http://schemas.microsoft.com/office/drawing/2016/11/main" r:id="rId3"/>
+              </a:ext>
+            </a:extLst>
+          </a:blip>
+          <a:srcRect l="12967" r="12967"/>
+          <a:stretch/>
+        </p:blipFill>
+        <p:spPr>
+          <a:xfrm>
+            <a:off x="5888038" y="533400"/>
+            <a:ext cx="5541962" cy="5611813"/>
+          </a:xfrm>
+        </p:spPr>
+      </p:pic>
+    </p:spTree>
+    <p:extLst>
+      <p:ext uri="{BB962C8B-B14F-4D97-AF65-F5344CB8AC3E}">
+        <p14:creationId xmlns:p14="http://schemas.microsoft.com/office/powerpoint/2010/main" val="715534863"/>
+      </p:ext>
+    </p:extLst>
+  </p:cSld>
+  <p:clrMapOvr>
+    <a:masterClrMapping/>
+  </p:clrMapOvr>
+</p:sld>
+</file>
+
+<file path=ppt/slides/slide22.xml><?xml version="1.0" encoding="utf-8"?>
+<p:sld xmlns:a="http://schemas.openxmlformats.org/drawingml/2006/main" xmlns:r="http://schemas.openxmlformats.org/officeDocument/2006/relationships" xmlns:p="http://schemas.openxmlformats.org/presentationml/2006/main">
+  <p:cSld>
+    <p:spTree>
+      <p:nvGrpSpPr>
+        <p:cNvPr id="1" name=""/>
+        <p:cNvGrpSpPr/>
+        <p:nvPr/>
+      </p:nvGrpSpPr>
+      <p:grpSpPr>
+        <a:xfrm>
+          <a:off x="0" y="0"/>
+          <a:ext cx="0" cy="0"/>
+          <a:chOff x="0" y="0"/>
+          <a:chExt cx="0" cy="0"/>
+        </a:xfrm>
+      </p:grpSpPr>
+      <p:sp>
+        <p:nvSpPr>
+          <p:cNvPr id="2" name="Picture Placeholder 1">
+            <a:extLst>
+              <a:ext uri="{FF2B5EF4-FFF2-40B4-BE49-F238E27FC236}">
+                <a16:creationId xmlns:a16="http://schemas.microsoft.com/office/drawing/2014/main" id="{19D3B48C-4362-4E0D-3839-0E6B570F274F}"/>
+              </a:ext>
+            </a:extLst>
+          </p:cNvPr>
+          <p:cNvSpPr>
+            <a:spLocks noGrp="1"/>
+          </p:cNvSpPr>
+          <p:nvPr>
+            <p:ph type="pic" sz="quarter" idx="10"/>
+          </p:nvPr>
+        </p:nvSpPr>
+        <p:spPr/>
+      </p:sp>
+      <p:sp>
+        <p:nvSpPr>
+          <p:cNvPr id="4" name="Text Placeholder 3">
+            <a:extLst>
+              <a:ext uri="{FF2B5EF4-FFF2-40B4-BE49-F238E27FC236}">
+                <a16:creationId xmlns:a16="http://schemas.microsoft.com/office/drawing/2014/main" id="{B0DA60BF-08ED-5DDA-F9F4-6B7A73672467}"/>
+              </a:ext>
+            </a:extLst>
+          </p:cNvPr>
+          <p:cNvSpPr>
+            <a:spLocks noGrp="1"/>
+          </p:cNvSpPr>
+          <p:nvPr>
+            <p:ph type="body" sz="quarter" idx="11"/>
+          </p:nvPr>
+        </p:nvSpPr>
+        <p:spPr/>
+        <p:txBody>
+          <a:bodyPr/>
+          <a:lstStyle/>
+          <a:p>
+            <a:r>
+              <a:rPr lang="en-US" dirty="0">
+                <a:solidFill>
+                  <a:schemeClr val="bg1"/>
+                </a:solidFill>
+              </a:rPr>
+              <a:t>PRESENTATION BY:</a:t>
+            </a:r>
+            <a:endParaRPr lang="en-IN" dirty="0">
+              <a:solidFill>
+                <a:schemeClr val="bg1"/>
+              </a:solidFill>
+            </a:endParaRPr>
+          </a:p>
+        </p:txBody>
+      </p:sp>
+      <p:sp>
+        <p:nvSpPr>
+          <p:cNvPr id="5" name="Text Placeholder 4">
+            <a:extLst>
+              <a:ext uri="{FF2B5EF4-FFF2-40B4-BE49-F238E27FC236}">
+                <a16:creationId xmlns:a16="http://schemas.microsoft.com/office/drawing/2014/main" id="{CF3278A9-B1CD-53E2-5669-CBED4E33EE33}"/>
+              </a:ext>
+            </a:extLst>
+          </p:cNvPr>
+          <p:cNvSpPr>
+            <a:spLocks noGrp="1"/>
+          </p:cNvSpPr>
+          <p:nvPr>
+            <p:ph type="body" sz="quarter" idx="13"/>
+          </p:nvPr>
+        </p:nvSpPr>
+        <p:spPr>
+          <a:xfrm>
+            <a:off x="4611904" y="3616970"/>
+            <a:ext cx="3222836" cy="318424"/>
+          </a:xfrm>
+        </p:spPr>
+        <p:txBody>
+          <a:bodyPr/>
+          <a:lstStyle/>
+          <a:p>
+            <a:pPr algn="l"/>
+            <a:r>
+              <a:rPr lang="en-US" sz="2800" b="1" dirty="0"/>
+              <a:t>160122737191</a:t>
+            </a:r>
+          </a:p>
+          <a:p>
+            <a:pPr algn="l"/>
+            <a:r>
+              <a:rPr lang="en-US" sz="2800" b="1" dirty="0"/>
+              <a:t>160122737173</a:t>
+            </a:r>
+          </a:p>
+          <a:p>
+            <a:pPr algn="l"/>
+            <a:r>
+              <a:rPr lang="en-US" sz="2800" b="1" dirty="0"/>
+              <a:t>160122737188</a:t>
+            </a:r>
+            <a:endParaRPr lang="en-IN" sz="2800" b="1" dirty="0"/>
+          </a:p>
+        </p:txBody>
+      </p:sp>
+    </p:spTree>
+    <p:extLst>
+      <p:ext uri="{BB962C8B-B14F-4D97-AF65-F5344CB8AC3E}">
+        <p14:creationId xmlns:p14="http://schemas.microsoft.com/office/powerpoint/2010/main" val="2129692140"/>
       </p:ext>
     </p:extLst>
   </p:cSld>
@@ -12991,8 +13677,16 @@
           <a:p>
             <a:r>
               <a:rPr lang="en-US" dirty="0"/>
+              <a:t>This data set has been collected from Kaggle.</a:t>
+            </a:r>
+          </a:p>
+          <a:p>
+            <a:r>
+              <a:rPr lang="en-US" dirty="0"/>
               <a:t>The initial phase involves gaining insights into the dataset, including its structure, variables, and distributions, through exploratory data analysis (EDA) techniques such as summary statistics and visualization.</a:t>
             </a:r>
+          </a:p>
+          <a:p>
             <a:endParaRPr lang="en-IN" dirty="0"/>
           </a:p>
         </p:txBody>
@@ -13049,7 +13743,21 @@
           <a:p>
             <a:r>
               <a:rPr lang="en-US" dirty="0"/>
-              <a:t>Preprocessing steps include handling missing values, removing duplicates, and converting data types to ensure the dataset's quality and integrity for further analysis.</a:t>
+              <a:t>Preprocessing steps include handling missing values, handling outliers , removing duplicates, and converting data types to ensure the dataset's quality and integrity for further analysis.</a:t>
+            </a:r>
+          </a:p>
+          <a:p>
+            <a:r>
+              <a:rPr lang="en-US" dirty="0"/>
+              <a:t>We’ve used the functions provided by </a:t>
+            </a:r>
+            <a:r>
+              <a:rPr lang="en-US" dirty="0" err="1"/>
+              <a:t>numpy</a:t>
+            </a:r>
+            <a:r>
+              <a:rPr lang="en-US" dirty="0"/>
+              <a:t> and pandas to detect and handle the duplicates , missing values and outliers.</a:t>
             </a:r>
             <a:endParaRPr lang="en-IN" dirty="0"/>
           </a:p>
@@ -13069,6 +13777,222 @@
 </file>
 
 <file path=ppt/slides/slide8.xml><?xml version="1.0" encoding="utf-8"?>
+<p:sld xmlns:a="http://schemas.openxmlformats.org/drawingml/2006/main" xmlns:r="http://schemas.openxmlformats.org/officeDocument/2006/relationships" xmlns:p="http://schemas.openxmlformats.org/presentationml/2006/main">
+  <p:cSld>
+    <p:spTree>
+      <p:nvGrpSpPr>
+        <p:cNvPr id="1" name=""/>
+        <p:cNvGrpSpPr/>
+        <p:nvPr/>
+      </p:nvGrpSpPr>
+      <p:grpSpPr>
+        <a:xfrm>
+          <a:off x="0" y="0"/>
+          <a:ext cx="0" cy="0"/>
+          <a:chOff x="0" y="0"/>
+          <a:chExt cx="0" cy="0"/>
+        </a:xfrm>
+      </p:grpSpPr>
+      <p:sp>
+        <p:nvSpPr>
+          <p:cNvPr id="2" name="Text Placeholder 1">
+            <a:extLst>
+              <a:ext uri="{FF2B5EF4-FFF2-40B4-BE49-F238E27FC236}">
+                <a16:creationId xmlns:a16="http://schemas.microsoft.com/office/drawing/2014/main" id="{820F7A3D-BD0C-1573-5054-DEFD7B193353}"/>
+              </a:ext>
+            </a:extLst>
+          </p:cNvPr>
+          <p:cNvSpPr>
+            <a:spLocks noGrp="1"/>
+          </p:cNvSpPr>
+          <p:nvPr>
+            <p:ph type="body" sz="quarter" idx="14"/>
+          </p:nvPr>
+        </p:nvSpPr>
+        <p:spPr/>
+        <p:txBody>
+          <a:bodyPr/>
+          <a:lstStyle/>
+          <a:p>
+            <a:r>
+              <a:rPr lang="en-US" dirty="0"/>
+              <a:t>WITH OUTLIERS</a:t>
+            </a:r>
+            <a:endParaRPr lang="en-IN" dirty="0"/>
+          </a:p>
+        </p:txBody>
+      </p:sp>
+      <p:sp>
+        <p:nvSpPr>
+          <p:cNvPr id="4" name="Text Placeholder 3">
+            <a:extLst>
+              <a:ext uri="{FF2B5EF4-FFF2-40B4-BE49-F238E27FC236}">
+                <a16:creationId xmlns:a16="http://schemas.microsoft.com/office/drawing/2014/main" id="{84F7469A-E6B1-D8D1-5A8C-D23C56C8F928}"/>
+              </a:ext>
+            </a:extLst>
+          </p:cNvPr>
+          <p:cNvSpPr>
+            <a:spLocks noGrp="1"/>
+          </p:cNvSpPr>
+          <p:nvPr>
+            <p:ph type="body" sz="quarter" idx="15"/>
+          </p:nvPr>
+        </p:nvSpPr>
+        <p:spPr/>
+        <p:txBody>
+          <a:bodyPr/>
+          <a:lstStyle/>
+          <a:p>
+            <a:r>
+              <a:rPr lang="en-US" dirty="0"/>
+              <a:t>AFTER HANDLING OUTLIERS</a:t>
+            </a:r>
+            <a:endParaRPr lang="en-IN" dirty="0"/>
+          </a:p>
+        </p:txBody>
+      </p:sp>
+      <p:sp>
+        <p:nvSpPr>
+          <p:cNvPr id="7" name="Title 6">
+            <a:extLst>
+              <a:ext uri="{FF2B5EF4-FFF2-40B4-BE49-F238E27FC236}">
+                <a16:creationId xmlns:a16="http://schemas.microsoft.com/office/drawing/2014/main" id="{F72FEC62-D1F4-17BD-F6D8-003F8FE9C416}"/>
+              </a:ext>
+            </a:extLst>
+          </p:cNvPr>
+          <p:cNvSpPr>
+            <a:spLocks noGrp="1"/>
+          </p:cNvSpPr>
+          <p:nvPr>
+            <p:ph type="title"/>
+          </p:nvPr>
+        </p:nvSpPr>
+        <p:spPr>
+          <a:xfrm>
+            <a:off x="660400" y="805213"/>
+            <a:ext cx="5435600" cy="830997"/>
+          </a:xfrm>
+        </p:spPr>
+        <p:txBody>
+          <a:bodyPr/>
+          <a:lstStyle/>
+          <a:p>
+            <a:r>
+              <a:rPr lang="en-US" sz="4000" dirty="0"/>
+              <a:t>HANDLING OUTLIERS</a:t>
+            </a:r>
+            <a:endParaRPr lang="en-IN" sz="4000" dirty="0"/>
+          </a:p>
+        </p:txBody>
+      </p:sp>
+      <p:pic>
+        <p:nvPicPr>
+          <p:cNvPr id="3074" name="Picture 2">
+            <a:extLst>
+              <a:ext uri="{FF2B5EF4-FFF2-40B4-BE49-F238E27FC236}">
+                <a16:creationId xmlns:a16="http://schemas.microsoft.com/office/drawing/2014/main" id="{59DDCE53-E317-6966-0365-657201000548}"/>
+              </a:ext>
+            </a:extLst>
+          </p:cNvPr>
+          <p:cNvPicPr>
+            <a:picLocks noChangeAspect="1" noChangeArrowheads="1"/>
+          </p:cNvPicPr>
+          <p:nvPr/>
+        </p:nvPicPr>
+        <p:blipFill>
+          <a:blip r:embed="rId2">
+            <a:extLst>
+              <a:ext uri="{28A0092B-C50C-407E-A947-70E740481C1C}">
+                <a14:useLocalDpi xmlns:a14="http://schemas.microsoft.com/office/drawing/2010/main" val="0"/>
+              </a:ext>
+            </a:extLst>
+          </a:blip>
+          <a:srcRect/>
+          <a:stretch>
+            <a:fillRect/>
+          </a:stretch>
+        </p:blipFill>
+        <p:spPr bwMode="auto">
+          <a:xfrm>
+            <a:off x="660400" y="2495968"/>
+            <a:ext cx="4895850" cy="3743325"/>
+          </a:xfrm>
+          <a:prstGeom prst="rect">
+            <a:avLst/>
+          </a:prstGeom>
+          <a:noFill/>
+          <a:extLst>
+            <a:ext uri="{909E8E84-426E-40DD-AFC4-6F175D3DCCD1}">
+              <a14:hiddenFill xmlns:a14="http://schemas.microsoft.com/office/drawing/2010/main">
+                <a:solidFill>
+                  <a:srgbClr val="FFFFFF"/>
+                </a:solidFill>
+              </a14:hiddenFill>
+            </a:ext>
+          </a:extLst>
+        </p:spPr>
+      </p:pic>
+      <p:pic>
+        <p:nvPicPr>
+          <p:cNvPr id="3076" name="Picture 4">
+            <a:extLst>
+              <a:ext uri="{FF2B5EF4-FFF2-40B4-BE49-F238E27FC236}">
+                <a16:creationId xmlns:a16="http://schemas.microsoft.com/office/drawing/2014/main" id="{A7B39D40-7EA3-FEE8-93C4-0F2344EBE96A}"/>
+              </a:ext>
+            </a:extLst>
+          </p:cNvPr>
+          <p:cNvPicPr>
+            <a:picLocks noChangeAspect="1" noChangeArrowheads="1"/>
+          </p:cNvPicPr>
+          <p:nvPr/>
+        </p:nvPicPr>
+        <p:blipFill>
+          <a:blip r:embed="rId3">
+            <a:extLst>
+              <a:ext uri="{28A0092B-C50C-407E-A947-70E740481C1C}">
+                <a14:useLocalDpi xmlns:a14="http://schemas.microsoft.com/office/drawing/2010/main" val="0"/>
+              </a:ext>
+            </a:extLst>
+          </a:blip>
+          <a:srcRect/>
+          <a:stretch>
+            <a:fillRect/>
+          </a:stretch>
+        </p:blipFill>
+        <p:spPr bwMode="auto">
+          <a:xfrm>
+            <a:off x="6543675" y="2495968"/>
+            <a:ext cx="4895850" cy="3743325"/>
+          </a:xfrm>
+          <a:prstGeom prst="rect">
+            <a:avLst/>
+          </a:prstGeom>
+          <a:noFill/>
+          <a:extLst>
+            <a:ext uri="{909E8E84-426E-40DD-AFC4-6F175D3DCCD1}">
+              <a14:hiddenFill xmlns:a14="http://schemas.microsoft.com/office/drawing/2010/main">
+                <a:solidFill>
+                  <a:srgbClr val="FFFFFF"/>
+                </a:solidFill>
+              </a14:hiddenFill>
+            </a:ext>
+          </a:extLst>
+        </p:spPr>
+      </p:pic>
+    </p:spTree>
+    <p:extLst>
+      <p:ext uri="{BB962C8B-B14F-4D97-AF65-F5344CB8AC3E}">
+        <p14:creationId xmlns:p14="http://schemas.microsoft.com/office/powerpoint/2010/main" val="878193438"/>
+      </p:ext>
+    </p:extLst>
+  </p:cSld>
+  <p:clrMapOvr>
+    <a:masterClrMapping/>
+  </p:clrMapOvr>
+</p:sld>
+</file>
+
+<file path=ppt/slides/slide9.xml><?xml version="1.0" encoding="utf-8"?>
 <p:sld xmlns:a="http://schemas.openxmlformats.org/drawingml/2006/main" xmlns:r="http://schemas.openxmlformats.org/officeDocument/2006/relationships" xmlns:p="http://schemas.openxmlformats.org/presentationml/2006/main" showMasterSp="0">
   <p:cSld>
     <p:spTree>
@@ -13380,94 +14304,6 @@
     <p:extLst>
       <p:ext uri="{BB962C8B-B14F-4D97-AF65-F5344CB8AC3E}">
         <p14:creationId xmlns:p14="http://schemas.microsoft.com/office/powerpoint/2010/main" val="1548987712"/>
-      </p:ext>
-    </p:extLst>
-  </p:cSld>
-  <p:clrMapOvr>
-    <a:masterClrMapping/>
-  </p:clrMapOvr>
-</p:sld>
-</file>
-
-<file path=ppt/slides/slide9.xml><?xml version="1.0" encoding="utf-8"?>
-<p:sld xmlns:a="http://schemas.openxmlformats.org/drawingml/2006/main" xmlns:r="http://schemas.openxmlformats.org/officeDocument/2006/relationships" xmlns:p="http://schemas.openxmlformats.org/presentationml/2006/main">
-  <p:cSld>
-    <p:spTree>
-      <p:nvGrpSpPr>
-        <p:cNvPr id="1" name=""/>
-        <p:cNvGrpSpPr/>
-        <p:nvPr/>
-      </p:nvGrpSpPr>
-      <p:grpSpPr>
-        <a:xfrm>
-          <a:off x="0" y="0"/>
-          <a:ext cx="0" cy="0"/>
-          <a:chOff x="0" y="0"/>
-          <a:chExt cx="0" cy="0"/>
-        </a:xfrm>
-      </p:grpSpPr>
-      <p:pic>
-        <p:nvPicPr>
-          <p:cNvPr id="5" name="Content Placeholder 4">
-            <a:extLst>
-              <a:ext uri="{FF2B5EF4-FFF2-40B4-BE49-F238E27FC236}">
-                <a16:creationId xmlns:a16="http://schemas.microsoft.com/office/drawing/2014/main" id="{41C14442-8FB5-EFBB-CC35-AA4A92895857}"/>
-              </a:ext>
-            </a:extLst>
-          </p:cNvPr>
-          <p:cNvPicPr>
-            <a:picLocks noGrp="1" noChangeAspect="1"/>
-          </p:cNvPicPr>
-          <p:nvPr>
-            <p:ph sz="quarter" idx="10"/>
-          </p:nvPr>
-        </p:nvPicPr>
-        <p:blipFill>
-          <a:blip r:embed="rId2"/>
-          <a:stretch>
-            <a:fillRect/>
-          </a:stretch>
-        </p:blipFill>
-        <p:spPr>
-          <a:xfrm>
-            <a:off x="3448085" y="2039938"/>
-            <a:ext cx="5295830" cy="4114800"/>
-          </a:xfrm>
-        </p:spPr>
-      </p:pic>
-      <p:sp>
-        <p:nvSpPr>
-          <p:cNvPr id="3" name="Title 2">
-            <a:extLst>
-              <a:ext uri="{FF2B5EF4-FFF2-40B4-BE49-F238E27FC236}">
-                <a16:creationId xmlns:a16="http://schemas.microsoft.com/office/drawing/2014/main" id="{AF2BB912-3F17-79B3-6E2F-C58C078B13A9}"/>
-              </a:ext>
-            </a:extLst>
-          </p:cNvPr>
-          <p:cNvSpPr>
-            <a:spLocks noGrp="1"/>
-          </p:cNvSpPr>
-          <p:nvPr>
-            <p:ph type="title"/>
-          </p:nvPr>
-        </p:nvSpPr>
-        <p:spPr/>
-        <p:txBody>
-          <a:bodyPr/>
-          <a:lstStyle/>
-          <a:p>
-            <a:r>
-              <a:rPr lang="en-US" dirty="0"/>
-              <a:t>PRICE DISTRIBUTION</a:t>
-            </a:r>
-            <a:endParaRPr lang="en-IN" dirty="0"/>
-          </a:p>
-        </p:txBody>
-      </p:sp>
-    </p:spTree>
-    <p:extLst>
-      <p:ext uri="{BB962C8B-B14F-4D97-AF65-F5344CB8AC3E}">
-        <p14:creationId xmlns:p14="http://schemas.microsoft.com/office/powerpoint/2010/main" val="1964754314"/>
       </p:ext>
     </p:extLst>
   </p:cSld>

--- a/DAVppt.pptx
+++ b/DAVppt.pptx
@@ -5,10 +5,10 @@
     <p:sldMasterId id="2147483648" r:id="rId4"/>
   </p:sldMasterIdLst>
   <p:notesMasterIdLst>
-    <p:notesMasterId r:id="rId27"/>
+    <p:notesMasterId r:id="rId28"/>
   </p:notesMasterIdLst>
   <p:handoutMasterIdLst>
-    <p:handoutMasterId r:id="rId28"/>
+    <p:handoutMasterId r:id="rId29"/>
   </p:handoutMasterIdLst>
   <p:sldIdLst>
     <p:sldId id="324" r:id="rId5"/>
@@ -18,21 +18,22 @@
     <p:sldId id="327" r:id="rId9"/>
     <p:sldId id="328" r:id="rId10"/>
     <p:sldId id="329" r:id="rId11"/>
-    <p:sldId id="340" r:id="rId12"/>
-    <p:sldId id="330" r:id="rId13"/>
-    <p:sldId id="331" r:id="rId14"/>
+    <p:sldId id="343" r:id="rId12"/>
+    <p:sldId id="340" r:id="rId13"/>
+    <p:sldId id="330" r:id="rId14"/>
     <p:sldId id="332" r:id="rId15"/>
     <p:sldId id="337" r:id="rId16"/>
     <p:sldId id="333" r:id="rId17"/>
-    <p:sldId id="334" r:id="rId18"/>
-    <p:sldId id="341" r:id="rId19"/>
-    <p:sldId id="342" r:id="rId20"/>
-    <p:sldId id="335" r:id="rId21"/>
-    <p:sldId id="339" r:id="rId22"/>
-    <p:sldId id="336" r:id="rId23"/>
-    <p:sldId id="312" r:id="rId24"/>
-    <p:sldId id="313" r:id="rId25"/>
-    <p:sldId id="338" r:id="rId26"/>
+    <p:sldId id="331" r:id="rId18"/>
+    <p:sldId id="334" r:id="rId19"/>
+    <p:sldId id="341" r:id="rId20"/>
+    <p:sldId id="342" r:id="rId21"/>
+    <p:sldId id="335" r:id="rId22"/>
+    <p:sldId id="339" r:id="rId23"/>
+    <p:sldId id="336" r:id="rId24"/>
+    <p:sldId id="312" r:id="rId25"/>
+    <p:sldId id="313" r:id="rId26"/>
+    <p:sldId id="338" r:id="rId27"/>
   </p:sldIdLst>
   <p:sldSz cx="12192000" cy="6858000"/>
   <p:notesSz cx="6858000" cy="9144000"/>
@@ -270,7 +271,7 @@
           <a:p>
             <a:fld id="{EF1077DB-935E-4A0A-947A-D283B9F9F452}" type="datetimeFigureOut">
               <a:rPr lang="en-US" smtClean="0"/>
-              <a:t>5/9/2024</a:t>
+              <a:t>5/11/2024</a:t>
             </a:fld>
             <a:endParaRPr lang="en-US" dirty="0"/>
           </a:p>
@@ -447,7 +448,7 @@
           <a:p>
             <a:fld id="{2D9EC30E-1A71-4188-9BE7-E2A64929A436}" type="datetimeFigureOut">
               <a:rPr lang="en-US" noProof="0" smtClean="0"/>
-              <a:t>5/9/2024</a:t>
+              <a:t>5/11/2024</a:t>
             </a:fld>
             <a:endParaRPr lang="en-US" noProof="0" dirty="0"/>
           </a:p>
@@ -947,7 +948,7 @@
           <a:p>
             <a:fld id="{8530193B-564F-4854-8A52-728F3FB19C85}" type="slidenum">
               <a:rPr lang="en-US" noProof="0" smtClean="0"/>
-              <a:t>20</a:t>
+              <a:t>21</a:t>
             </a:fld>
             <a:endParaRPr lang="en-US" noProof="0" dirty="0"/>
           </a:p>
@@ -7767,7 +7768,7 @@
                 </a:solidFill>
               </a:rPr>
               <a:pPr/>
-              <a:t>5/9/2024</a:t>
+              <a:t>5/11/2024</a:t>
             </a:fld>
             <a:endParaRPr lang="en-US" sz="1100" dirty="0">
               <a:solidFill>
@@ -8802,7 +8803,7 @@
 </file>
 
 <file path=ppt/slides/slide10.xml><?xml version="1.0" encoding="utf-8"?>
-<p:sld xmlns:a="http://schemas.openxmlformats.org/drawingml/2006/main" xmlns:r="http://schemas.openxmlformats.org/officeDocument/2006/relationships" xmlns:p="http://schemas.openxmlformats.org/presentationml/2006/main">
+<p:sld xmlns:a="http://schemas.openxmlformats.org/drawingml/2006/main" xmlns:r="http://schemas.openxmlformats.org/officeDocument/2006/relationships" xmlns:p="http://schemas.openxmlformats.org/presentationml/2006/main" showMasterSp="0">
   <p:cSld>
     <p:spTree>
       <p:nvGrpSpPr>
@@ -8820,10 +8821,10 @@
       </p:grpSpPr>
       <p:pic>
         <p:nvPicPr>
-          <p:cNvPr id="5" name="Content Placeholder 4">
-            <a:extLst>
-              <a:ext uri="{FF2B5EF4-FFF2-40B4-BE49-F238E27FC236}">
-                <a16:creationId xmlns:a16="http://schemas.microsoft.com/office/drawing/2014/main" id="{41C14442-8FB5-EFBB-CC35-AA4A92895857}"/>
+          <p:cNvPr id="10" name="Picture Placeholder 9" descr="Escalators">
+            <a:extLst>
+              <a:ext uri="{FF2B5EF4-FFF2-40B4-BE49-F238E27FC236}">
+                <a16:creationId xmlns:a16="http://schemas.microsoft.com/office/drawing/2014/main" id="{067ABCFB-135D-465A-8D06-3042F9E75BB6}"/>
               </a:ext>
             </a:extLst>
           </p:cNvPr>
@@ -8831,28 +8832,88 @@
             <a:picLocks noGrp="1" noChangeAspect="1"/>
           </p:cNvPicPr>
           <p:nvPr>
-            <p:ph sz="quarter" idx="10"/>
+            <p:ph type="pic" sz="quarter" idx="10"/>
           </p:nvPr>
         </p:nvPicPr>
-        <p:blipFill>
-          <a:blip r:embed="rId2"/>
-          <a:stretch>
-            <a:fillRect/>
-          </a:stretch>
+        <p:blipFill rotWithShape="1">
+          <a:blip r:embed="rId2">
+            <a:alphaModFix amt="60000"/>
+          </a:blip>
+          <a:srcRect t="6729" r="33992" b="40721"/>
+          <a:stretch/>
         </p:blipFill>
         <p:spPr>
           <a:xfrm>
-            <a:off x="3554765" y="1371600"/>
-            <a:ext cx="5295830" cy="4114800"/>
+            <a:off x="15605" y="0"/>
+            <a:ext cx="12192001" cy="6858000"/>
           </a:xfrm>
         </p:spPr>
       </p:pic>
       <p:sp>
         <p:nvSpPr>
-          <p:cNvPr id="3" name="Title 2">
-            <a:extLst>
-              <a:ext uri="{FF2B5EF4-FFF2-40B4-BE49-F238E27FC236}">
-                <a16:creationId xmlns:a16="http://schemas.microsoft.com/office/drawing/2014/main" id="{AF2BB912-3F17-79B3-6E2F-C58C078B13A9}"/>
+          <p:cNvPr id="3" name="Rectangle 2">
+            <a:extLst>
+              <a:ext uri="{FF2B5EF4-FFF2-40B4-BE49-F238E27FC236}">
+                <a16:creationId xmlns:a16="http://schemas.microsoft.com/office/drawing/2014/main" id="{47310966-9752-4035-9DD5-FFBC93FC094D}"/>
+              </a:ext>
+              <a:ext uri="{C183D7F6-B498-43B3-948B-1728B52AA6E4}">
+                <adec:decorative xmlns:adec="http://schemas.microsoft.com/office/drawing/2017/decorative" val="1"/>
+              </a:ext>
+            </a:extLst>
+          </p:cNvPr>
+          <p:cNvSpPr/>
+          <p:nvPr/>
+        </p:nvSpPr>
+        <p:spPr>
+          <a:xfrm>
+            <a:off x="3718560" y="1181123"/>
+            <a:ext cx="4754880" cy="4495754"/>
+          </a:xfrm>
+          <a:prstGeom prst="rect">
+            <a:avLst/>
+          </a:prstGeom>
+          <a:solidFill>
+            <a:schemeClr val="accent5">
+              <a:alpha val="40000"/>
+            </a:schemeClr>
+          </a:solidFill>
+          <a:ln w="60325">
+            <a:solidFill>
+              <a:schemeClr val="bg1"/>
+            </a:solidFill>
+          </a:ln>
+        </p:spPr>
+        <p:style>
+          <a:lnRef idx="2">
+            <a:schemeClr val="accent1">
+              <a:shade val="50000"/>
+            </a:schemeClr>
+          </a:lnRef>
+          <a:fillRef idx="1">
+            <a:schemeClr val="accent1"/>
+          </a:fillRef>
+          <a:effectRef idx="0">
+            <a:schemeClr val="accent1"/>
+          </a:effectRef>
+          <a:fontRef idx="minor">
+            <a:schemeClr val="lt1"/>
+          </a:fontRef>
+        </p:style>
+        <p:txBody>
+          <a:bodyPr rtlCol="0" anchor="ctr"/>
+          <a:lstStyle/>
+          <a:p>
+            <a:pPr algn="ctr"/>
+            <a:endParaRPr lang="en-US" dirty="0"/>
+          </a:p>
+        </p:txBody>
+      </p:sp>
+      <p:sp>
+        <p:nvSpPr>
+          <p:cNvPr id="11" name="Title 10">
+            <a:extLst>
+              <a:ext uri="{FF2B5EF4-FFF2-40B4-BE49-F238E27FC236}">
+                <a16:creationId xmlns:a16="http://schemas.microsoft.com/office/drawing/2014/main" id="{3D9E7E43-0082-4819-947F-94AD5664FC83}"/>
               </a:ext>
             </a:extLst>
           </p:cNvPr>
@@ -8868,55 +8929,191 @@
           <a:bodyPr/>
           <a:lstStyle/>
           <a:p>
+            <a:pPr rtl="0" eaLnBrk="1" latinLnBrk="0" hangingPunct="1"/>
+            <a:r>
+              <a:rPr lang="en-US" dirty="0">
+                <a:latin typeface="Calibri Light" panose="020F0302020204030204" pitchFamily="34" charset="0"/>
+                <a:ea typeface="+mn-ea"/>
+                <a:cs typeface="+mn-cs"/>
+              </a:rPr>
+              <a:t>ANALYSIS </a:t>
+            </a:r>
+            <a:br>
+              <a:rPr lang="en-US" dirty="0">
+                <a:latin typeface="Calibri Light" panose="020F0302020204030204" pitchFamily="34" charset="0"/>
+                <a:ea typeface="+mn-ea"/>
+                <a:cs typeface="+mn-cs"/>
+              </a:rPr>
+            </a:br>
+            <a:r>
+              <a:rPr lang="en-US" dirty="0">
+                <a:latin typeface="Calibri Light" panose="020F0302020204030204" pitchFamily="34" charset="0"/>
+                <a:ea typeface="+mn-ea"/>
+                <a:cs typeface="+mn-cs"/>
+              </a:rPr>
+              <a:t>AND </a:t>
+            </a:r>
+            <a:br>
+              <a:rPr lang="en-US" dirty="0">
+                <a:latin typeface="Calibri Light" panose="020F0302020204030204" pitchFamily="34" charset="0"/>
+                <a:ea typeface="+mn-ea"/>
+                <a:cs typeface="+mn-cs"/>
+              </a:rPr>
+            </a:br>
+            <a:r>
+              <a:rPr lang="en-US" dirty="0">
+                <a:latin typeface="Calibri Light" panose="020F0302020204030204" pitchFamily="34" charset="0"/>
+                <a:ea typeface="+mn-ea"/>
+                <a:cs typeface="+mn-cs"/>
+              </a:rPr>
+              <a:t>INSIGHTS</a:t>
+            </a:r>
+            <a:endParaRPr lang="en-US" dirty="0"/>
+          </a:p>
+        </p:txBody>
+      </p:sp>
+      <p:sp>
+        <p:nvSpPr>
+          <p:cNvPr id="6" name="Rectangle 5">
+            <a:extLst>
+              <a:ext uri="{FF2B5EF4-FFF2-40B4-BE49-F238E27FC236}">
+                <a16:creationId xmlns:a16="http://schemas.microsoft.com/office/drawing/2014/main" id="{BFF64F07-1F8D-4F69-87E4-03E837E975EE}"/>
+              </a:ext>
+              <a:ext uri="{C183D7F6-B498-43B3-948B-1728B52AA6E4}">
+                <adec:decorative xmlns:adec="http://schemas.microsoft.com/office/drawing/2017/decorative" val="1"/>
+              </a:ext>
+            </a:extLst>
+          </p:cNvPr>
+          <p:cNvSpPr/>
+          <p:nvPr/>
+        </p:nvSpPr>
+        <p:spPr>
+          <a:xfrm>
+            <a:off x="2918168" y="1181123"/>
+            <a:ext cx="459924" cy="459924"/>
+          </a:xfrm>
+          <a:prstGeom prst="rect">
+            <a:avLst/>
+          </a:prstGeom>
+          <a:solidFill>
+            <a:schemeClr val="bg2"/>
+          </a:solidFill>
+          <a:ln>
+            <a:noFill/>
+          </a:ln>
+        </p:spPr>
+        <p:style>
+          <a:lnRef idx="2">
+            <a:schemeClr val="accent1">
+              <a:shade val="50000"/>
+            </a:schemeClr>
+          </a:lnRef>
+          <a:fillRef idx="1">
+            <a:schemeClr val="accent1"/>
+          </a:fillRef>
+          <a:effectRef idx="0">
+            <a:schemeClr val="accent1"/>
+          </a:effectRef>
+          <a:fontRef idx="minor">
+            <a:schemeClr val="lt1"/>
+          </a:fontRef>
+        </p:style>
+        <p:txBody>
+          <a:bodyPr rtlCol="0" anchor="ctr"/>
+          <a:lstStyle/>
+          <a:p>
+            <a:pPr algn="ctr"/>
+            <a:endParaRPr lang="en-US" dirty="0"/>
+          </a:p>
+        </p:txBody>
+      </p:sp>
+      <p:sp>
+        <p:nvSpPr>
+          <p:cNvPr id="8" name="Rectangle 7">
+            <a:extLst>
+              <a:ext uri="{FF2B5EF4-FFF2-40B4-BE49-F238E27FC236}">
+                <a16:creationId xmlns:a16="http://schemas.microsoft.com/office/drawing/2014/main" id="{FD0393EC-C7F4-46AA-8768-FF7CD4DE0552}"/>
+              </a:ext>
+              <a:ext uri="{C183D7F6-B498-43B3-948B-1728B52AA6E4}">
+                <adec:decorative xmlns:adec="http://schemas.microsoft.com/office/drawing/2017/decorative" val="1"/>
+              </a:ext>
+            </a:extLst>
+          </p:cNvPr>
+          <p:cNvSpPr/>
+          <p:nvPr/>
+        </p:nvSpPr>
+        <p:spPr>
+          <a:xfrm>
+            <a:off x="8531920" y="5840880"/>
+            <a:ext cx="284372" cy="284372"/>
+          </a:xfrm>
+          <a:prstGeom prst="rect">
+            <a:avLst/>
+          </a:prstGeom>
+          <a:solidFill>
+            <a:schemeClr val="accent4"/>
+          </a:solidFill>
+          <a:ln>
+            <a:noFill/>
+          </a:ln>
+        </p:spPr>
+        <p:style>
+          <a:lnRef idx="2">
+            <a:schemeClr val="accent1">
+              <a:shade val="50000"/>
+            </a:schemeClr>
+          </a:lnRef>
+          <a:fillRef idx="1">
+            <a:schemeClr val="accent1"/>
+          </a:fillRef>
+          <a:effectRef idx="0">
+            <a:schemeClr val="accent1"/>
+          </a:effectRef>
+          <a:fontRef idx="minor">
+            <a:schemeClr val="lt1"/>
+          </a:fontRef>
+        </p:style>
+        <p:txBody>
+          <a:bodyPr rtlCol="0" anchor="ctr"/>
+          <a:lstStyle/>
+          <a:p>
+            <a:pPr algn="ctr"/>
+            <a:endParaRPr lang="en-US" dirty="0"/>
+          </a:p>
+        </p:txBody>
+      </p:sp>
+      <p:sp>
+        <p:nvSpPr>
+          <p:cNvPr id="5" name="Text Placeholder 4">
+            <a:extLst>
+              <a:ext uri="{FF2B5EF4-FFF2-40B4-BE49-F238E27FC236}">
+                <a16:creationId xmlns:a16="http://schemas.microsoft.com/office/drawing/2014/main" id="{6B6DDC29-DFE2-4F0C-9C81-DDBC9CD8D269}"/>
+              </a:ext>
+            </a:extLst>
+          </p:cNvPr>
+          <p:cNvSpPr>
+            <a:spLocks noGrp="1"/>
+          </p:cNvSpPr>
+          <p:nvPr>
+            <p:ph type="body" sz="quarter" idx="11"/>
+          </p:nvPr>
+        </p:nvSpPr>
+        <p:spPr/>
+        <p:txBody>
+          <a:bodyPr/>
+          <a:lstStyle/>
+          <a:p>
             <a:r>
               <a:rPr lang="en-US" dirty="0"/>
-              <a:t>PRICE DISTRIBUTION</a:t>
-            </a:r>
-            <a:endParaRPr lang="en-IN" dirty="0"/>
-          </a:p>
-        </p:txBody>
-      </p:sp>
-      <p:sp>
-        <p:nvSpPr>
-          <p:cNvPr id="2" name="TextBox 1">
-            <a:extLst>
-              <a:ext uri="{FF2B5EF4-FFF2-40B4-BE49-F238E27FC236}">
-                <a16:creationId xmlns:a16="http://schemas.microsoft.com/office/drawing/2014/main" id="{4E0A4D74-CF3B-3D1D-4E52-9DD13AD4A008}"/>
-              </a:ext>
-            </a:extLst>
-          </p:cNvPr>
-          <p:cNvSpPr txBox="1"/>
-          <p:nvPr/>
-        </p:nvSpPr>
-        <p:spPr>
-          <a:xfrm>
-            <a:off x="3554765" y="5730240"/>
-            <a:ext cx="5295830" cy="369332"/>
-          </a:xfrm>
-          <a:prstGeom prst="rect">
-            <a:avLst/>
-          </a:prstGeom>
-          <a:noFill/>
-        </p:spPr>
-        <p:txBody>
-          <a:bodyPr wrap="square" rtlCol="0">
-            <a:spAutoFit/>
-          </a:bodyPr>
-          <a:lstStyle/>
-          <a:p>
-            <a:pPr algn="ctr"/>
-            <a:r>
-              <a:rPr lang="en-US" dirty="0"/>
-              <a:t>Most of the courses are priced at lower cost</a:t>
-            </a:r>
-            <a:endParaRPr lang="en-IN" dirty="0"/>
+              <a:t>Let’s dive in</a:t>
+            </a:r>
           </a:p>
         </p:txBody>
       </p:sp>
     </p:spTree>
     <p:extLst>
       <p:ext uri="{BB962C8B-B14F-4D97-AF65-F5344CB8AC3E}">
-        <p14:creationId xmlns:p14="http://schemas.microsoft.com/office/powerpoint/2010/main" val="1964754314"/>
+        <p14:creationId xmlns:p14="http://schemas.microsoft.com/office/powerpoint/2010/main" val="1548987712"/>
       </p:ext>
     </p:extLst>
   </p:cSld>
@@ -9359,41 +9556,12 @@
           <a:chExt cx="0" cy="0"/>
         </a:xfrm>
       </p:grpSpPr>
-      <p:sp>
-        <p:nvSpPr>
-          <p:cNvPr id="3" name="Title 2">
-            <a:extLst>
-              <a:ext uri="{FF2B5EF4-FFF2-40B4-BE49-F238E27FC236}">
-                <a16:creationId xmlns:a16="http://schemas.microsoft.com/office/drawing/2014/main" id="{AF2BB912-3F17-79B3-6E2F-C58C078B13A9}"/>
-              </a:ext>
-            </a:extLst>
-          </p:cNvPr>
-          <p:cNvSpPr>
-            <a:spLocks noGrp="1"/>
-          </p:cNvSpPr>
-          <p:nvPr>
-            <p:ph type="title"/>
-          </p:nvPr>
-        </p:nvSpPr>
-        <p:spPr/>
-        <p:txBody>
-          <a:bodyPr/>
-          <a:lstStyle/>
-          <a:p>
-            <a:r>
-              <a:rPr lang="en-US" dirty="0"/>
-              <a:t>LECUTURES VS DURATION</a:t>
-            </a:r>
-            <a:endParaRPr lang="en-IN" dirty="0"/>
-          </a:p>
-        </p:txBody>
-      </p:sp>
       <p:pic>
         <p:nvPicPr>
-          <p:cNvPr id="6" name="Content Placeholder 5">
-            <a:extLst>
-              <a:ext uri="{FF2B5EF4-FFF2-40B4-BE49-F238E27FC236}">
-                <a16:creationId xmlns:a16="http://schemas.microsoft.com/office/drawing/2014/main" id="{AFD30C10-D09D-4965-010F-97994333DFEF}"/>
+          <p:cNvPr id="5" name="Content Placeholder 4">
+            <a:extLst>
+              <a:ext uri="{FF2B5EF4-FFF2-40B4-BE49-F238E27FC236}">
+                <a16:creationId xmlns:a16="http://schemas.microsoft.com/office/drawing/2014/main" id="{41C14442-8FB5-EFBB-CC35-AA4A92895857}"/>
               </a:ext>
             </a:extLst>
           </p:cNvPr>
@@ -9412,20 +9580,46 @@
         </p:blipFill>
         <p:spPr>
           <a:xfrm>
-            <a:off x="3545877" y="1478280"/>
-            <a:ext cx="5100245" cy="4114800"/>
-          </a:xfrm>
-          <a:prstGeom prst="rect">
-            <a:avLst/>
-          </a:prstGeom>
+            <a:off x="3554765" y="1371600"/>
+            <a:ext cx="5295830" cy="4114800"/>
+          </a:xfrm>
         </p:spPr>
       </p:pic>
       <p:sp>
         <p:nvSpPr>
-          <p:cNvPr id="7" name="TextBox 6">
-            <a:extLst>
-              <a:ext uri="{FF2B5EF4-FFF2-40B4-BE49-F238E27FC236}">
-                <a16:creationId xmlns:a16="http://schemas.microsoft.com/office/drawing/2014/main" id="{4DF0422D-C37A-899D-D081-276F24189392}"/>
+          <p:cNvPr id="3" name="Title 2">
+            <a:extLst>
+              <a:ext uri="{FF2B5EF4-FFF2-40B4-BE49-F238E27FC236}">
+                <a16:creationId xmlns:a16="http://schemas.microsoft.com/office/drawing/2014/main" id="{AF2BB912-3F17-79B3-6E2F-C58C078B13A9}"/>
+              </a:ext>
+            </a:extLst>
+          </p:cNvPr>
+          <p:cNvSpPr>
+            <a:spLocks noGrp="1"/>
+          </p:cNvSpPr>
+          <p:nvPr>
+            <p:ph type="title"/>
+          </p:nvPr>
+        </p:nvSpPr>
+        <p:spPr/>
+        <p:txBody>
+          <a:bodyPr/>
+          <a:lstStyle/>
+          <a:p>
+            <a:r>
+              <a:rPr lang="en-US" dirty="0"/>
+              <a:t>PRICE DISTRIBUTION</a:t>
+            </a:r>
+            <a:endParaRPr lang="en-IN" dirty="0"/>
+          </a:p>
+        </p:txBody>
+      </p:sp>
+      <p:sp>
+        <p:nvSpPr>
+          <p:cNvPr id="2" name="TextBox 1">
+            <a:extLst>
+              <a:ext uri="{FF2B5EF4-FFF2-40B4-BE49-F238E27FC236}">
+                <a16:creationId xmlns:a16="http://schemas.microsoft.com/office/drawing/2014/main" id="{4E0A4D74-CF3B-3D1D-4E52-9DD13AD4A008}"/>
               </a:ext>
             </a:extLst>
           </p:cNvPr>
@@ -9434,8 +9628,8 @@
         </p:nvSpPr>
         <p:spPr>
           <a:xfrm>
-            <a:off x="3550920" y="6004560"/>
-            <a:ext cx="5151120" cy="646331"/>
+            <a:off x="3554765" y="5730240"/>
+            <a:ext cx="5295830" cy="369332"/>
           </a:xfrm>
           <a:prstGeom prst="rect">
             <a:avLst/>
@@ -9451,7 +9645,7 @@
             <a:pPr algn="ctr"/>
             <a:r>
               <a:rPr lang="en-US" dirty="0"/>
-              <a:t>Number of lectures are positively correlated to the course duration</a:t>
+              <a:t>Most of the courses are priced at lower cost</a:t>
             </a:r>
             <a:endParaRPr lang="en-IN" dirty="0"/>
           </a:p>
@@ -9460,7 +9654,7 @@
     </p:spTree>
     <p:extLst>
       <p:ext uri="{BB962C8B-B14F-4D97-AF65-F5344CB8AC3E}">
-        <p14:creationId xmlns:p14="http://schemas.microsoft.com/office/powerpoint/2010/main" val="3014196239"/>
+        <p14:creationId xmlns:p14="http://schemas.microsoft.com/office/powerpoint/2010/main" val="1964754314"/>
       </p:ext>
     </p:extLst>
   </p:cSld>
@@ -9489,78 +9683,10 @@
       </p:grpSpPr>
       <p:sp>
         <p:nvSpPr>
-          <p:cNvPr id="2" name="Text Placeholder 1">
-            <a:extLst>
-              <a:ext uri="{FF2B5EF4-FFF2-40B4-BE49-F238E27FC236}">
-                <a16:creationId xmlns:a16="http://schemas.microsoft.com/office/drawing/2014/main" id="{040F01EF-ABDB-357B-3BEA-50F36D9358E0}"/>
-              </a:ext>
-            </a:extLst>
-          </p:cNvPr>
-          <p:cNvSpPr>
-            <a:spLocks noGrp="1"/>
-          </p:cNvSpPr>
-          <p:nvPr>
-            <p:ph type="body" sz="quarter" idx="14"/>
-          </p:nvPr>
-        </p:nvSpPr>
-        <p:spPr>
-          <a:xfrm>
-            <a:off x="660399" y="1525383"/>
-            <a:ext cx="5080000" cy="438150"/>
-          </a:xfrm>
-        </p:spPr>
-        <p:txBody>
-          <a:bodyPr/>
-          <a:lstStyle/>
-          <a:p>
-            <a:r>
-              <a:rPr lang="en-US" dirty="0"/>
-              <a:t>NUMBER OF COURSES</a:t>
-            </a:r>
-            <a:endParaRPr lang="en-IN" dirty="0"/>
-          </a:p>
-        </p:txBody>
-      </p:sp>
-      <p:sp>
-        <p:nvSpPr>
-          <p:cNvPr id="4" name="Text Placeholder 3">
-            <a:extLst>
-              <a:ext uri="{FF2B5EF4-FFF2-40B4-BE49-F238E27FC236}">
-                <a16:creationId xmlns:a16="http://schemas.microsoft.com/office/drawing/2014/main" id="{B90CF98A-E083-5F37-6089-8965B0DCB62A}"/>
-              </a:ext>
-            </a:extLst>
-          </p:cNvPr>
-          <p:cNvSpPr>
-            <a:spLocks noGrp="1"/>
-          </p:cNvSpPr>
-          <p:nvPr>
-            <p:ph type="body" sz="quarter" idx="15"/>
-          </p:nvPr>
-        </p:nvSpPr>
-        <p:spPr>
-          <a:xfrm>
-            <a:off x="6451601" y="1580797"/>
-            <a:ext cx="5080000" cy="438150"/>
-          </a:xfrm>
-        </p:spPr>
-        <p:txBody>
-          <a:bodyPr/>
-          <a:lstStyle/>
-          <a:p>
-            <a:r>
-              <a:rPr lang="en-US" dirty="0"/>
-              <a:t>NUMBER OF SUBSCRIBERS</a:t>
-            </a:r>
-            <a:endParaRPr lang="en-IN" dirty="0"/>
-          </a:p>
-        </p:txBody>
-      </p:sp>
-      <p:sp>
-        <p:nvSpPr>
-          <p:cNvPr id="7" name="Title 6">
-            <a:extLst>
-              <a:ext uri="{FF2B5EF4-FFF2-40B4-BE49-F238E27FC236}">
-                <a16:creationId xmlns:a16="http://schemas.microsoft.com/office/drawing/2014/main" id="{74B758A5-D1F3-E45F-098F-7DFA9CC28C10}"/>
+          <p:cNvPr id="3" name="Title 2">
+            <a:extLst>
+              <a:ext uri="{FF2B5EF4-FFF2-40B4-BE49-F238E27FC236}">
+                <a16:creationId xmlns:a16="http://schemas.microsoft.com/office/drawing/2014/main" id="{AF2BB912-3F17-79B3-6E2F-C58C078B13A9}"/>
               </a:ext>
             </a:extLst>
           </p:cNvPr>
@@ -9571,19 +9697,14 @@
             <p:ph type="title"/>
           </p:nvPr>
         </p:nvSpPr>
-        <p:spPr>
-          <a:xfrm>
-            <a:off x="660399" y="805213"/>
-            <a:ext cx="9779965" cy="830997"/>
-          </a:xfrm>
-        </p:spPr>
+        <p:spPr/>
         <p:txBody>
           <a:bodyPr/>
           <a:lstStyle/>
           <a:p>
             <a:r>
               <a:rPr lang="en-US" dirty="0"/>
-              <a:t>PAID COURSES VS FREE COURSES</a:t>
+              <a:t>LECUTURES VS DURATION</a:t>
             </a:r>
             <a:endParaRPr lang="en-IN" dirty="0"/>
           </a:p>
@@ -9591,87 +9712,42 @@
       </p:sp>
       <p:pic>
         <p:nvPicPr>
-          <p:cNvPr id="4098" name="Picture 2">
-            <a:extLst>
-              <a:ext uri="{FF2B5EF4-FFF2-40B4-BE49-F238E27FC236}">
-                <a16:creationId xmlns:a16="http://schemas.microsoft.com/office/drawing/2014/main" id="{332E65E4-7DBE-DB9A-0588-0DEF66ADBB31}"/>
+          <p:cNvPr id="6" name="Content Placeholder 5">
+            <a:extLst>
+              <a:ext uri="{FF2B5EF4-FFF2-40B4-BE49-F238E27FC236}">
+                <a16:creationId xmlns:a16="http://schemas.microsoft.com/office/drawing/2014/main" id="{AFD30C10-D09D-4965-010F-97994333DFEF}"/>
               </a:ext>
             </a:extLst>
           </p:cNvPr>
           <p:cNvPicPr>
-            <a:picLocks noChangeAspect="1" noChangeArrowheads="1"/>
+            <a:picLocks noGrp="1" noChangeAspect="1"/>
           </p:cNvPicPr>
-          <p:nvPr/>
+          <p:nvPr>
+            <p:ph sz="quarter" idx="10"/>
+          </p:nvPr>
         </p:nvPicPr>
         <p:blipFill>
-          <a:blip r:embed="rId2">
-            <a:extLst>
-              <a:ext uri="{28A0092B-C50C-407E-A947-70E740481C1C}">
-                <a14:useLocalDpi xmlns:a14="http://schemas.microsoft.com/office/drawing/2010/main" val="0"/>
-              </a:ext>
-            </a:extLst>
-          </a:blip>
-          <a:srcRect/>
+          <a:blip r:embed="rId2"/>
           <a:stretch>
             <a:fillRect/>
           </a:stretch>
         </p:blipFill>
-        <p:spPr bwMode="auto">
-          <a:xfrm>
-            <a:off x="647700" y="2018947"/>
-            <a:ext cx="4720378" cy="3703055"/>
+        <p:spPr>
+          <a:xfrm>
+            <a:off x="3545877" y="1478280"/>
+            <a:ext cx="5100245" cy="4114800"/>
           </a:xfrm>
           <a:prstGeom prst="rect">
             <a:avLst/>
           </a:prstGeom>
-          <a:noFill/>
-          <a:extLst>
-            <a:ext uri="{909E8E84-426E-40DD-AFC4-6F175D3DCCD1}">
-              <a14:hiddenFill xmlns:a14="http://schemas.microsoft.com/office/drawing/2010/main">
-                <a:solidFill>
-                  <a:srgbClr val="FFFFFF"/>
-                </a:solidFill>
-              </a14:hiddenFill>
-            </a:ext>
-          </a:extLst>
         </p:spPr>
       </p:pic>
-      <p:pic>
-        <p:nvPicPr>
-          <p:cNvPr id="8" name="Picture 7">
-            <a:extLst>
-              <a:ext uri="{FF2B5EF4-FFF2-40B4-BE49-F238E27FC236}">
-                <a16:creationId xmlns:a16="http://schemas.microsoft.com/office/drawing/2014/main" id="{0938D7CA-ED89-D141-337F-B19EDD0A3040}"/>
-              </a:ext>
-            </a:extLst>
-          </p:cNvPr>
-          <p:cNvPicPr>
-            <a:picLocks noChangeAspect="1"/>
-          </p:cNvPicPr>
-          <p:nvPr/>
-        </p:nvPicPr>
-        <p:blipFill>
-          <a:blip r:embed="rId3"/>
-          <a:stretch>
-            <a:fillRect/>
-          </a:stretch>
-        </p:blipFill>
-        <p:spPr>
-          <a:xfrm>
-            <a:off x="6556657" y="2007949"/>
-            <a:ext cx="4974944" cy="3714053"/>
-          </a:xfrm>
-          <a:prstGeom prst="rect">
-            <a:avLst/>
-          </a:prstGeom>
-        </p:spPr>
-      </p:pic>
-      <p:sp>
-        <p:nvSpPr>
-          <p:cNvPr id="9" name="TextBox 8">
-            <a:extLst>
-              <a:ext uri="{FF2B5EF4-FFF2-40B4-BE49-F238E27FC236}">
-                <a16:creationId xmlns:a16="http://schemas.microsoft.com/office/drawing/2014/main" id="{4332206D-A02E-CF45-8F82-C34AE7460228}"/>
+      <p:sp>
+        <p:nvSpPr>
+          <p:cNvPr id="7" name="TextBox 6">
+            <a:extLst>
+              <a:ext uri="{FF2B5EF4-FFF2-40B4-BE49-F238E27FC236}">
+                <a16:creationId xmlns:a16="http://schemas.microsoft.com/office/drawing/2014/main" id="{4DF0422D-C37A-899D-D081-276F24189392}"/>
               </a:ext>
             </a:extLst>
           </p:cNvPr>
@@ -9680,8 +9756,8 @@
         </p:nvSpPr>
         <p:spPr>
           <a:xfrm>
-            <a:off x="660399" y="5879939"/>
-            <a:ext cx="10871202" cy="646331"/>
+            <a:off x="3550920" y="6004560"/>
+            <a:ext cx="5151120" cy="646331"/>
           </a:xfrm>
           <a:prstGeom prst="rect">
             <a:avLst/>
@@ -9694,9 +9770,10 @@
           </a:bodyPr>
           <a:lstStyle/>
           <a:p>
+            <a:pPr algn="ctr"/>
             <a:r>
               <a:rPr lang="en-US" dirty="0"/>
-              <a:t>Even though the number of paid courses is more than the free courses, people are more interested in taking the free courses.</a:t>
+              <a:t>Number of lectures are positively correlated to the course duration</a:t>
             </a:r>
             <a:endParaRPr lang="en-IN" dirty="0"/>
           </a:p>
@@ -9705,7 +9782,7 @@
     </p:spTree>
     <p:extLst>
       <p:ext uri="{BB962C8B-B14F-4D97-AF65-F5344CB8AC3E}">
-        <p14:creationId xmlns:p14="http://schemas.microsoft.com/office/powerpoint/2010/main" val="2606301632"/>
+        <p14:creationId xmlns:p14="http://schemas.microsoft.com/office/powerpoint/2010/main" val="3014196239"/>
       </p:ext>
     </p:extLst>
   </p:cSld>
@@ -9750,7 +9827,7 @@
         </p:nvSpPr>
         <p:spPr>
           <a:xfrm>
-            <a:off x="660399" y="1417135"/>
+            <a:off x="660399" y="1525383"/>
             <a:ext cx="5080000" cy="438150"/>
           </a:xfrm>
         </p:spPr>
@@ -9784,7 +9861,7 @@
         </p:nvSpPr>
         <p:spPr>
           <a:xfrm>
-            <a:off x="6451601" y="1525383"/>
+            <a:off x="6451601" y="1580797"/>
             <a:ext cx="5080000" cy="438150"/>
           </a:xfrm>
         </p:spPr>
@@ -9828,43 +9905,7 @@
           <a:p>
             <a:r>
               <a:rPr lang="en-US" dirty="0"/>
-              <a:t>LEVEL OF COURSES</a:t>
-            </a:r>
-            <a:endParaRPr lang="en-IN" dirty="0"/>
-          </a:p>
-        </p:txBody>
-      </p:sp>
-      <p:sp>
-        <p:nvSpPr>
-          <p:cNvPr id="9" name="TextBox 8">
-            <a:extLst>
-              <a:ext uri="{FF2B5EF4-FFF2-40B4-BE49-F238E27FC236}">
-                <a16:creationId xmlns:a16="http://schemas.microsoft.com/office/drawing/2014/main" id="{4332206D-A02E-CF45-8F82-C34AE7460228}"/>
-              </a:ext>
-            </a:extLst>
-          </p:cNvPr>
-          <p:cNvSpPr txBox="1"/>
-          <p:nvPr/>
-        </p:nvSpPr>
-        <p:spPr>
-          <a:xfrm>
-            <a:off x="660399" y="5879939"/>
-            <a:ext cx="10871202" cy="923330"/>
-          </a:xfrm>
-          <a:prstGeom prst="rect">
-            <a:avLst/>
-          </a:prstGeom>
-          <a:noFill/>
-        </p:spPr>
-        <p:txBody>
-          <a:bodyPr wrap="square" rtlCol="0">
-            <a:spAutoFit/>
-          </a:bodyPr>
-          <a:lstStyle/>
-          <a:p>
-            <a:r>
-              <a:rPr lang="en-US" dirty="0"/>
-              <a:t>There are less number of courses at beginner and intermediate level, but the number of subscribers is on par with others, so instructors can get good sales if they launch higher level courses as the competition is less but demand is more</a:t>
+              <a:t>PAID COURSES VS FREE COURSES</a:t>
             </a:r>
             <a:endParaRPr lang="en-IN" dirty="0"/>
           </a:p>
@@ -9872,40 +9913,10 @@
       </p:sp>
       <p:pic>
         <p:nvPicPr>
-          <p:cNvPr id="3" name="Picture 2">
-            <a:extLst>
-              <a:ext uri="{FF2B5EF4-FFF2-40B4-BE49-F238E27FC236}">
-                <a16:creationId xmlns:a16="http://schemas.microsoft.com/office/drawing/2014/main" id="{1C8AA892-9D63-7AC5-7B1B-F6DB92850762}"/>
-              </a:ext>
-            </a:extLst>
-          </p:cNvPr>
-          <p:cNvPicPr>
-            <a:picLocks noChangeAspect="1"/>
-          </p:cNvPicPr>
-          <p:nvPr/>
-        </p:nvPicPr>
-        <p:blipFill>
-          <a:blip r:embed="rId2"/>
-          <a:stretch>
-            <a:fillRect/>
-          </a:stretch>
-        </p:blipFill>
-        <p:spPr>
-          <a:xfrm>
-            <a:off x="660400" y="1836629"/>
-            <a:ext cx="4698678" cy="3890590"/>
-          </a:xfrm>
-          <a:prstGeom prst="rect">
-            <a:avLst/>
-          </a:prstGeom>
-        </p:spPr>
-      </p:pic>
-      <p:pic>
-        <p:nvPicPr>
-          <p:cNvPr id="5122" name="Picture 2">
-            <a:extLst>
-              <a:ext uri="{FF2B5EF4-FFF2-40B4-BE49-F238E27FC236}">
-                <a16:creationId xmlns:a16="http://schemas.microsoft.com/office/drawing/2014/main" id="{C973118C-A8E0-BCBE-AB49-B9D944672A75}"/>
+          <p:cNvPr id="4098" name="Picture 2">
+            <a:extLst>
+              <a:ext uri="{FF2B5EF4-FFF2-40B4-BE49-F238E27FC236}">
+                <a16:creationId xmlns:a16="http://schemas.microsoft.com/office/drawing/2014/main" id="{332E65E4-7DBE-DB9A-0588-0DEF66ADBB31}"/>
               </a:ext>
             </a:extLst>
           </p:cNvPr>
@@ -9915,7 +9926,7 @@
           <p:nvPr/>
         </p:nvPicPr>
         <p:blipFill>
-          <a:blip r:embed="rId3">
+          <a:blip r:embed="rId2">
             <a:extLst>
               <a:ext uri="{28A0092B-C50C-407E-A947-70E740481C1C}">
                 <a14:useLocalDpi xmlns:a14="http://schemas.microsoft.com/office/drawing/2010/main" val="0"/>
@@ -9929,8 +9940,8 @@
         </p:blipFill>
         <p:spPr bwMode="auto">
           <a:xfrm>
-            <a:off x="6451601" y="1892043"/>
-            <a:ext cx="5079999" cy="3843362"/>
+            <a:off x="647700" y="2018947"/>
+            <a:ext cx="4720378" cy="3703055"/>
           </a:xfrm>
           <a:prstGeom prst="rect">
             <a:avLst/>
@@ -9947,10 +9958,76 @@
           </a:extLst>
         </p:spPr>
       </p:pic>
+      <p:pic>
+        <p:nvPicPr>
+          <p:cNvPr id="8" name="Picture 7">
+            <a:extLst>
+              <a:ext uri="{FF2B5EF4-FFF2-40B4-BE49-F238E27FC236}">
+                <a16:creationId xmlns:a16="http://schemas.microsoft.com/office/drawing/2014/main" id="{0938D7CA-ED89-D141-337F-B19EDD0A3040}"/>
+              </a:ext>
+            </a:extLst>
+          </p:cNvPr>
+          <p:cNvPicPr>
+            <a:picLocks noChangeAspect="1"/>
+          </p:cNvPicPr>
+          <p:nvPr/>
+        </p:nvPicPr>
+        <p:blipFill>
+          <a:blip r:embed="rId3"/>
+          <a:stretch>
+            <a:fillRect/>
+          </a:stretch>
+        </p:blipFill>
+        <p:spPr>
+          <a:xfrm>
+            <a:off x="6556657" y="2007949"/>
+            <a:ext cx="4974944" cy="3714053"/>
+          </a:xfrm>
+          <a:prstGeom prst="rect">
+            <a:avLst/>
+          </a:prstGeom>
+        </p:spPr>
+      </p:pic>
+      <p:sp>
+        <p:nvSpPr>
+          <p:cNvPr id="9" name="TextBox 8">
+            <a:extLst>
+              <a:ext uri="{FF2B5EF4-FFF2-40B4-BE49-F238E27FC236}">
+                <a16:creationId xmlns:a16="http://schemas.microsoft.com/office/drawing/2014/main" id="{4332206D-A02E-CF45-8F82-C34AE7460228}"/>
+              </a:ext>
+            </a:extLst>
+          </p:cNvPr>
+          <p:cNvSpPr txBox="1"/>
+          <p:nvPr/>
+        </p:nvSpPr>
+        <p:spPr>
+          <a:xfrm>
+            <a:off x="660399" y="5879939"/>
+            <a:ext cx="10871202" cy="646331"/>
+          </a:xfrm>
+          <a:prstGeom prst="rect">
+            <a:avLst/>
+          </a:prstGeom>
+          <a:noFill/>
+        </p:spPr>
+        <p:txBody>
+          <a:bodyPr wrap="square" rtlCol="0">
+            <a:spAutoFit/>
+          </a:bodyPr>
+          <a:lstStyle/>
+          <a:p>
+            <a:r>
+              <a:rPr lang="en-US" dirty="0"/>
+              <a:t>Even though the number of paid courses is more than the free courses, people are more interested in taking the free courses.</a:t>
+            </a:r>
+            <a:endParaRPr lang="en-IN" dirty="0"/>
+          </a:p>
+        </p:txBody>
+      </p:sp>
     </p:spTree>
     <p:extLst>
       <p:ext uri="{BB962C8B-B14F-4D97-AF65-F5344CB8AC3E}">
-        <p14:creationId xmlns:p14="http://schemas.microsoft.com/office/powerpoint/2010/main" val="3678901431"/>
+        <p14:creationId xmlns:p14="http://schemas.microsoft.com/office/powerpoint/2010/main" val="2606301632"/>
       </p:ext>
     </p:extLst>
   </p:cSld>
@@ -9977,40 +10054,80 @@
           <a:chExt cx="0" cy="0"/>
         </a:xfrm>
       </p:grpSpPr>
-      <p:pic>
-        <p:nvPicPr>
-          <p:cNvPr id="5" name="Content Placeholder 4">
-            <a:extLst>
-              <a:ext uri="{FF2B5EF4-FFF2-40B4-BE49-F238E27FC236}">
-                <a16:creationId xmlns:a16="http://schemas.microsoft.com/office/drawing/2014/main" id="{41C14442-8FB5-EFBB-CC35-AA4A92895857}"/>
-              </a:ext>
-            </a:extLst>
-          </p:cNvPr>
-          <p:cNvPicPr>
-            <a:picLocks noGrp="1" noChangeAspect="1"/>
-          </p:cNvPicPr>
+      <p:sp>
+        <p:nvSpPr>
+          <p:cNvPr id="2" name="Text Placeholder 1">
+            <a:extLst>
+              <a:ext uri="{FF2B5EF4-FFF2-40B4-BE49-F238E27FC236}">
+                <a16:creationId xmlns:a16="http://schemas.microsoft.com/office/drawing/2014/main" id="{040F01EF-ABDB-357B-3BEA-50F36D9358E0}"/>
+              </a:ext>
+            </a:extLst>
+          </p:cNvPr>
+          <p:cNvSpPr>
+            <a:spLocks noGrp="1"/>
+          </p:cNvSpPr>
           <p:nvPr>
-            <p:ph sz="quarter" idx="10"/>
+            <p:ph type="body" sz="quarter" idx="14"/>
           </p:nvPr>
-        </p:nvPicPr>
-        <p:blipFill>
-          <a:blip r:embed="rId2"/>
-          <a:srcRect/>
-          <a:stretch/>
-        </p:blipFill>
-        <p:spPr>
-          <a:xfrm>
-            <a:off x="2708476" y="1465271"/>
-            <a:ext cx="6679855" cy="5190172"/>
-          </a:xfrm>
-        </p:spPr>
-      </p:pic>
-      <p:sp>
-        <p:nvSpPr>
-          <p:cNvPr id="3" name="Title 2">
-            <a:extLst>
-              <a:ext uri="{FF2B5EF4-FFF2-40B4-BE49-F238E27FC236}">
-                <a16:creationId xmlns:a16="http://schemas.microsoft.com/office/drawing/2014/main" id="{AF2BB912-3F17-79B3-6E2F-C58C078B13A9}"/>
+        </p:nvSpPr>
+        <p:spPr>
+          <a:xfrm>
+            <a:off x="660399" y="1417135"/>
+            <a:ext cx="5080000" cy="438150"/>
+          </a:xfrm>
+        </p:spPr>
+        <p:txBody>
+          <a:bodyPr/>
+          <a:lstStyle/>
+          <a:p>
+            <a:r>
+              <a:rPr lang="en-US" dirty="0"/>
+              <a:t>NUMBER OF COURSES</a:t>
+            </a:r>
+            <a:endParaRPr lang="en-IN" dirty="0"/>
+          </a:p>
+        </p:txBody>
+      </p:sp>
+      <p:sp>
+        <p:nvSpPr>
+          <p:cNvPr id="4" name="Text Placeholder 3">
+            <a:extLst>
+              <a:ext uri="{FF2B5EF4-FFF2-40B4-BE49-F238E27FC236}">
+                <a16:creationId xmlns:a16="http://schemas.microsoft.com/office/drawing/2014/main" id="{B90CF98A-E083-5F37-6089-8965B0DCB62A}"/>
+              </a:ext>
+            </a:extLst>
+          </p:cNvPr>
+          <p:cNvSpPr>
+            <a:spLocks noGrp="1"/>
+          </p:cNvSpPr>
+          <p:nvPr>
+            <p:ph type="body" sz="quarter" idx="15"/>
+          </p:nvPr>
+        </p:nvSpPr>
+        <p:spPr>
+          <a:xfrm>
+            <a:off x="6451601" y="1525383"/>
+            <a:ext cx="5080000" cy="438150"/>
+          </a:xfrm>
+        </p:spPr>
+        <p:txBody>
+          <a:bodyPr/>
+          <a:lstStyle/>
+          <a:p>
+            <a:r>
+              <a:rPr lang="en-US" dirty="0"/>
+              <a:t>NUMBER OF SUBSCRIBERS</a:t>
+            </a:r>
+            <a:endParaRPr lang="en-IN" dirty="0"/>
+          </a:p>
+        </p:txBody>
+      </p:sp>
+      <p:sp>
+        <p:nvSpPr>
+          <p:cNvPr id="7" name="Title 6">
+            <a:extLst>
+              <a:ext uri="{FF2B5EF4-FFF2-40B4-BE49-F238E27FC236}">
+                <a16:creationId xmlns:a16="http://schemas.microsoft.com/office/drawing/2014/main" id="{74B758A5-D1F3-E45F-098F-7DFA9CC28C10}"/>
               </a:ext>
             </a:extLst>
           </p:cNvPr>
@@ -10021,23 +10138,141 @@
             <p:ph type="title"/>
           </p:nvPr>
         </p:nvSpPr>
-        <p:spPr/>
+        <p:spPr>
+          <a:xfrm>
+            <a:off x="660399" y="805213"/>
+            <a:ext cx="9779965" cy="830997"/>
+          </a:xfrm>
+        </p:spPr>
         <p:txBody>
           <a:bodyPr/>
           <a:lstStyle/>
           <a:p>
             <a:r>
               <a:rPr lang="en-US" dirty="0"/>
-              <a:t>CORRELATION MATRIX</a:t>
+              <a:t>LEVEL OF COURSES</a:t>
             </a:r>
             <a:endParaRPr lang="en-IN" dirty="0"/>
           </a:p>
         </p:txBody>
       </p:sp>
+      <p:sp>
+        <p:nvSpPr>
+          <p:cNvPr id="9" name="TextBox 8">
+            <a:extLst>
+              <a:ext uri="{FF2B5EF4-FFF2-40B4-BE49-F238E27FC236}">
+                <a16:creationId xmlns:a16="http://schemas.microsoft.com/office/drawing/2014/main" id="{4332206D-A02E-CF45-8F82-C34AE7460228}"/>
+              </a:ext>
+            </a:extLst>
+          </p:cNvPr>
+          <p:cNvSpPr txBox="1"/>
+          <p:nvPr/>
+        </p:nvSpPr>
+        <p:spPr>
+          <a:xfrm>
+            <a:off x="660399" y="5879939"/>
+            <a:ext cx="10871202" cy="923330"/>
+          </a:xfrm>
+          <a:prstGeom prst="rect">
+            <a:avLst/>
+          </a:prstGeom>
+          <a:noFill/>
+        </p:spPr>
+        <p:txBody>
+          <a:bodyPr wrap="square" rtlCol="0">
+            <a:spAutoFit/>
+          </a:bodyPr>
+          <a:lstStyle/>
+          <a:p>
+            <a:r>
+              <a:rPr lang="en-US" dirty="0"/>
+              <a:t>There are less number of courses at beginner and intermediate level, but the number of subscribers is on par with others, so instructors can get good sales if they launch higher level courses as the competition is less but demand is more</a:t>
+            </a:r>
+            <a:endParaRPr lang="en-IN" dirty="0"/>
+          </a:p>
+        </p:txBody>
+      </p:sp>
+      <p:pic>
+        <p:nvPicPr>
+          <p:cNvPr id="3" name="Picture 2">
+            <a:extLst>
+              <a:ext uri="{FF2B5EF4-FFF2-40B4-BE49-F238E27FC236}">
+                <a16:creationId xmlns:a16="http://schemas.microsoft.com/office/drawing/2014/main" id="{1C8AA892-9D63-7AC5-7B1B-F6DB92850762}"/>
+              </a:ext>
+            </a:extLst>
+          </p:cNvPr>
+          <p:cNvPicPr>
+            <a:picLocks noChangeAspect="1"/>
+          </p:cNvPicPr>
+          <p:nvPr/>
+        </p:nvPicPr>
+        <p:blipFill>
+          <a:blip r:embed="rId2"/>
+          <a:stretch>
+            <a:fillRect/>
+          </a:stretch>
+        </p:blipFill>
+        <p:spPr>
+          <a:xfrm>
+            <a:off x="660400" y="1836629"/>
+            <a:ext cx="4698678" cy="3890590"/>
+          </a:xfrm>
+          <a:prstGeom prst="rect">
+            <a:avLst/>
+          </a:prstGeom>
+        </p:spPr>
+      </p:pic>
+      <p:pic>
+        <p:nvPicPr>
+          <p:cNvPr id="5122" name="Picture 2">
+            <a:extLst>
+              <a:ext uri="{FF2B5EF4-FFF2-40B4-BE49-F238E27FC236}">
+                <a16:creationId xmlns:a16="http://schemas.microsoft.com/office/drawing/2014/main" id="{C973118C-A8E0-BCBE-AB49-B9D944672A75}"/>
+              </a:ext>
+            </a:extLst>
+          </p:cNvPr>
+          <p:cNvPicPr>
+            <a:picLocks noChangeAspect="1" noChangeArrowheads="1"/>
+          </p:cNvPicPr>
+          <p:nvPr/>
+        </p:nvPicPr>
+        <p:blipFill>
+          <a:blip r:embed="rId3">
+            <a:extLst>
+              <a:ext uri="{28A0092B-C50C-407E-A947-70E740481C1C}">
+                <a14:useLocalDpi xmlns:a14="http://schemas.microsoft.com/office/drawing/2010/main" val="0"/>
+              </a:ext>
+            </a:extLst>
+          </a:blip>
+          <a:srcRect/>
+          <a:stretch>
+            <a:fillRect/>
+          </a:stretch>
+        </p:blipFill>
+        <p:spPr bwMode="auto">
+          <a:xfrm>
+            <a:off x="6451601" y="1892043"/>
+            <a:ext cx="5079999" cy="3843362"/>
+          </a:xfrm>
+          <a:prstGeom prst="rect">
+            <a:avLst/>
+          </a:prstGeom>
+          <a:noFill/>
+          <a:extLst>
+            <a:ext uri="{909E8E84-426E-40DD-AFC4-6F175D3DCCD1}">
+              <a14:hiddenFill xmlns:a14="http://schemas.microsoft.com/office/drawing/2010/main">
+                <a:solidFill>
+                  <a:srgbClr val="FFFFFF"/>
+                </a:solidFill>
+              </a14:hiddenFill>
+            </a:ext>
+          </a:extLst>
+        </p:spPr>
+      </p:pic>
     </p:spTree>
     <p:extLst>
       <p:ext uri="{BB962C8B-B14F-4D97-AF65-F5344CB8AC3E}">
-        <p14:creationId xmlns:p14="http://schemas.microsoft.com/office/powerpoint/2010/main" val="1149681538"/>
+        <p14:creationId xmlns:p14="http://schemas.microsoft.com/office/powerpoint/2010/main" val="3678901431"/>
       </p:ext>
     </p:extLst>
   </p:cSld>
@@ -10064,146 +10299,67 @@
           <a:chExt cx="0" cy="0"/>
         </a:xfrm>
       </p:grpSpPr>
-      <p:sp>
-        <p:nvSpPr>
-          <p:cNvPr id="3" name="TextBox 2">
-            <a:extLst>
-              <a:ext uri="{FF2B5EF4-FFF2-40B4-BE49-F238E27FC236}">
-                <a16:creationId xmlns:a16="http://schemas.microsoft.com/office/drawing/2014/main" id="{CBB5DEAD-8D07-8FCC-145A-1B0803BA2960}"/>
-              </a:ext>
-            </a:extLst>
-          </p:cNvPr>
-          <p:cNvSpPr txBox="1"/>
-          <p:nvPr/>
-        </p:nvSpPr>
-        <p:spPr>
-          <a:xfrm>
-            <a:off x="266218" y="312516"/>
-            <a:ext cx="11574683" cy="5693866"/>
-          </a:xfrm>
-          <a:prstGeom prst="rect">
-            <a:avLst/>
-          </a:prstGeom>
-          <a:noFill/>
-        </p:spPr>
-        <p:txBody>
-          <a:bodyPr wrap="square" rtlCol="0">
-            <a:spAutoFit/>
-          </a:bodyPr>
+      <p:pic>
+        <p:nvPicPr>
+          <p:cNvPr id="5" name="Content Placeholder 4">
+            <a:extLst>
+              <a:ext uri="{FF2B5EF4-FFF2-40B4-BE49-F238E27FC236}">
+                <a16:creationId xmlns:a16="http://schemas.microsoft.com/office/drawing/2014/main" id="{41C14442-8FB5-EFBB-CC35-AA4A92895857}"/>
+              </a:ext>
+            </a:extLst>
+          </p:cNvPr>
+          <p:cNvPicPr>
+            <a:picLocks noGrp="1" noChangeAspect="1"/>
+          </p:cNvPicPr>
+          <p:nvPr>
+            <p:ph sz="quarter" idx="10"/>
+          </p:nvPr>
+        </p:nvPicPr>
+        <p:blipFill>
+          <a:blip r:embed="rId2"/>
+          <a:srcRect/>
+          <a:stretch/>
+        </p:blipFill>
+        <p:spPr>
+          <a:xfrm>
+            <a:off x="2708476" y="1465271"/>
+            <a:ext cx="6679855" cy="5190172"/>
+          </a:xfrm>
+        </p:spPr>
+      </p:pic>
+      <p:sp>
+        <p:nvSpPr>
+          <p:cNvPr id="3" name="Title 2">
+            <a:extLst>
+              <a:ext uri="{FF2B5EF4-FFF2-40B4-BE49-F238E27FC236}">
+                <a16:creationId xmlns:a16="http://schemas.microsoft.com/office/drawing/2014/main" id="{AF2BB912-3F17-79B3-6E2F-C58C078B13A9}"/>
+              </a:ext>
+            </a:extLst>
+          </p:cNvPr>
+          <p:cNvSpPr>
+            <a:spLocks noGrp="1"/>
+          </p:cNvSpPr>
+          <p:nvPr>
+            <p:ph type="title"/>
+          </p:nvPr>
+        </p:nvSpPr>
+        <p:spPr/>
+        <p:txBody>
+          <a:bodyPr/>
           <a:lstStyle/>
           <a:p>
-            <a:pPr marL="285750" indent="-285750">
-              <a:buFont typeface="Arial" panose="020B0604020202020204" pitchFamily="34" charset="0"/>
-              <a:buChar char="•"/>
-            </a:pPr>
-            <a:r>
-              <a:rPr lang="en-US" sz="2800" dirty="0"/>
-              <a:t>There is a strong positive correlation between price and </a:t>
-            </a:r>
-            <a:r>
-              <a:rPr lang="en-US" sz="2800" dirty="0" err="1"/>
-              <a:t>num_subscribers</a:t>
-            </a:r>
-            <a:r>
-              <a:rPr lang="en-US" sz="2800" dirty="0"/>
-              <a:t>, which means that courses with higher prices tend to have more subscribers.</a:t>
-            </a:r>
-          </a:p>
-          <a:p>
-            <a:pPr marL="285750" indent="-285750">
-              <a:buFont typeface="Arial" panose="020B0604020202020204" pitchFamily="34" charset="0"/>
-              <a:buChar char="•"/>
-            </a:pPr>
-            <a:r>
-              <a:rPr lang="en-US" sz="2800" dirty="0"/>
-              <a:t>There is a moderate positive correlation between price and </a:t>
-            </a:r>
-            <a:r>
-              <a:rPr lang="en-US" sz="2800" dirty="0" err="1"/>
-              <a:t>num_lectures</a:t>
-            </a:r>
-            <a:r>
-              <a:rPr lang="en-US" sz="2800" dirty="0"/>
-              <a:t>, which means that courses with more lectures tend to have higher prices.</a:t>
-            </a:r>
-          </a:p>
-          <a:p>
-            <a:pPr marL="285750" indent="-285750">
-              <a:buFont typeface="Arial" panose="020B0604020202020204" pitchFamily="34" charset="0"/>
-              <a:buChar char="•"/>
-            </a:pPr>
-            <a:r>
-              <a:rPr lang="en-US" sz="2800" dirty="0"/>
-              <a:t>There is a moderate positive correlation between </a:t>
-            </a:r>
-            <a:r>
-              <a:rPr lang="en-US" sz="2800" dirty="0" err="1"/>
-              <a:t>num_subscribers</a:t>
-            </a:r>
-            <a:r>
-              <a:rPr lang="en-US" sz="2800" dirty="0"/>
-              <a:t> and </a:t>
-            </a:r>
-            <a:r>
-              <a:rPr lang="en-US" sz="2800" dirty="0" err="1"/>
-              <a:t>num_lectures</a:t>
-            </a:r>
-            <a:r>
-              <a:rPr lang="en-US" sz="2800" dirty="0"/>
-              <a:t>, which means that courses with more lectures tend to have more subscribers.</a:t>
-            </a:r>
-          </a:p>
-          <a:p>
-            <a:pPr marL="285750" indent="-285750">
-              <a:buFont typeface="Arial" panose="020B0604020202020204" pitchFamily="34" charset="0"/>
-              <a:buChar char="•"/>
-            </a:pPr>
-            <a:r>
-              <a:rPr lang="en-US" sz="2800" dirty="0"/>
-              <a:t>There is a weak positive correlation between </a:t>
-            </a:r>
-            <a:r>
-              <a:rPr lang="en-US" sz="2800" dirty="0" err="1"/>
-              <a:t>content_duration</a:t>
-            </a:r>
-            <a:r>
-              <a:rPr lang="en-US" sz="2800" dirty="0"/>
-              <a:t> and </a:t>
-            </a:r>
-            <a:r>
-              <a:rPr lang="en-US" sz="2800" dirty="0" err="1"/>
-              <a:t>num_lectures</a:t>
-            </a:r>
-            <a:r>
-              <a:rPr lang="en-US" sz="2800" dirty="0"/>
-              <a:t>, which means that courses with more lectures tend to have longer content duration.</a:t>
-            </a:r>
-          </a:p>
-          <a:p>
-            <a:pPr marL="285750" indent="-285750">
-              <a:buFont typeface="Arial" panose="020B0604020202020204" pitchFamily="34" charset="0"/>
-              <a:buChar char="•"/>
-            </a:pPr>
-            <a:r>
-              <a:rPr lang="en-US" sz="2800" dirty="0"/>
-              <a:t>There is a weak positive correlation between </a:t>
-            </a:r>
-            <a:r>
-              <a:rPr lang="en-US" sz="2800" dirty="0" err="1"/>
-              <a:t>content_duration</a:t>
-            </a:r>
-            <a:r>
-              <a:rPr lang="en-US" sz="2800" dirty="0"/>
-              <a:t> and price, which means that courses with higher prices tend to have longer content duration.</a:t>
-            </a:r>
-            <a:endParaRPr lang="en-IN" sz="2800" dirty="0"/>
+            <a:r>
+              <a:rPr lang="en-US" dirty="0"/>
+              <a:t>CORRELATION MATRIX</a:t>
+            </a:r>
+            <a:endParaRPr lang="en-IN" dirty="0"/>
           </a:p>
         </p:txBody>
       </p:sp>
     </p:spTree>
     <p:extLst>
       <p:ext uri="{BB962C8B-B14F-4D97-AF65-F5344CB8AC3E}">
-        <p14:creationId xmlns:p14="http://schemas.microsoft.com/office/powerpoint/2010/main" val="3740697351"/>
+        <p14:creationId xmlns:p14="http://schemas.microsoft.com/office/powerpoint/2010/main" val="1149681538"/>
       </p:ext>
     </p:extLst>
   </p:cSld>
@@ -10230,72 +10386,146 @@
           <a:chExt cx="0" cy="0"/>
         </a:xfrm>
       </p:grpSpPr>
-      <p:pic>
-        <p:nvPicPr>
-          <p:cNvPr id="5" name="Content Placeholder 4">
-            <a:extLst>
-              <a:ext uri="{FF2B5EF4-FFF2-40B4-BE49-F238E27FC236}">
-                <a16:creationId xmlns:a16="http://schemas.microsoft.com/office/drawing/2014/main" id="{41C14442-8FB5-EFBB-CC35-AA4A92895857}"/>
-              </a:ext>
-            </a:extLst>
-          </p:cNvPr>
-          <p:cNvPicPr>
-            <a:picLocks noGrp="1" noChangeAspect="1"/>
-          </p:cNvPicPr>
-          <p:nvPr>
-            <p:ph sz="quarter" idx="10"/>
-          </p:nvPr>
-        </p:nvPicPr>
-        <p:blipFill>
-          <a:blip r:embed="rId2"/>
-          <a:srcRect/>
-          <a:stretch/>
-        </p:blipFill>
-        <p:spPr>
-          <a:xfrm>
-            <a:off x="2444187" y="994786"/>
-            <a:ext cx="7303625" cy="5674834"/>
-          </a:xfrm>
-        </p:spPr>
-      </p:pic>
-      <p:sp>
-        <p:nvSpPr>
-          <p:cNvPr id="3" name="Title 2">
-            <a:extLst>
-              <a:ext uri="{FF2B5EF4-FFF2-40B4-BE49-F238E27FC236}">
-                <a16:creationId xmlns:a16="http://schemas.microsoft.com/office/drawing/2014/main" id="{AF2BB912-3F17-79B3-6E2F-C58C078B13A9}"/>
-              </a:ext>
-            </a:extLst>
-          </p:cNvPr>
-          <p:cNvSpPr>
-            <a:spLocks noGrp="1"/>
-          </p:cNvSpPr>
-          <p:nvPr>
-            <p:ph type="title"/>
-          </p:nvPr>
-        </p:nvSpPr>
-        <p:spPr>
-          <a:xfrm>
-            <a:off x="699304" y="294671"/>
-            <a:ext cx="10515600" cy="700115"/>
-          </a:xfrm>
-        </p:spPr>
-        <p:txBody>
-          <a:bodyPr/>
+      <p:sp>
+        <p:nvSpPr>
+          <p:cNvPr id="3" name="TextBox 2">
+            <a:extLst>
+              <a:ext uri="{FF2B5EF4-FFF2-40B4-BE49-F238E27FC236}">
+                <a16:creationId xmlns:a16="http://schemas.microsoft.com/office/drawing/2014/main" id="{CBB5DEAD-8D07-8FCC-145A-1B0803BA2960}"/>
+              </a:ext>
+            </a:extLst>
+          </p:cNvPr>
+          <p:cNvSpPr txBox="1"/>
+          <p:nvPr/>
+        </p:nvSpPr>
+        <p:spPr>
+          <a:xfrm>
+            <a:off x="266218" y="312516"/>
+            <a:ext cx="11574683" cy="5693866"/>
+          </a:xfrm>
+          <a:prstGeom prst="rect">
+            <a:avLst/>
+          </a:prstGeom>
+          <a:noFill/>
+        </p:spPr>
+        <p:txBody>
+          <a:bodyPr wrap="square" rtlCol="0">
+            <a:spAutoFit/>
+          </a:bodyPr>
           <a:lstStyle/>
           <a:p>
-            <a:r>
-              <a:rPr lang="en-US" dirty="0"/>
-              <a:t>CATEGORY WISE COURSES PER YEAR</a:t>
-            </a:r>
-            <a:endParaRPr lang="en-IN" dirty="0"/>
+            <a:pPr marL="285750" indent="-285750">
+              <a:buFont typeface="Arial" panose="020B0604020202020204" pitchFamily="34" charset="0"/>
+              <a:buChar char="•"/>
+            </a:pPr>
+            <a:r>
+              <a:rPr lang="en-US" sz="2800" dirty="0"/>
+              <a:t>There is a strong positive correlation between price and </a:t>
+            </a:r>
+            <a:r>
+              <a:rPr lang="en-US" sz="2800" dirty="0" err="1"/>
+              <a:t>num_subscribers</a:t>
+            </a:r>
+            <a:r>
+              <a:rPr lang="en-US" sz="2800" dirty="0"/>
+              <a:t>, which means that courses with higher prices tend to have more subscribers.</a:t>
+            </a:r>
+          </a:p>
+          <a:p>
+            <a:pPr marL="285750" indent="-285750">
+              <a:buFont typeface="Arial" panose="020B0604020202020204" pitchFamily="34" charset="0"/>
+              <a:buChar char="•"/>
+            </a:pPr>
+            <a:r>
+              <a:rPr lang="en-US" sz="2800" dirty="0"/>
+              <a:t>There is a moderate positive correlation between price and </a:t>
+            </a:r>
+            <a:r>
+              <a:rPr lang="en-US" sz="2800" dirty="0" err="1"/>
+              <a:t>num_lectures</a:t>
+            </a:r>
+            <a:r>
+              <a:rPr lang="en-US" sz="2800" dirty="0"/>
+              <a:t>, which means that courses with more lectures tend to have higher prices.</a:t>
+            </a:r>
+          </a:p>
+          <a:p>
+            <a:pPr marL="285750" indent="-285750">
+              <a:buFont typeface="Arial" panose="020B0604020202020204" pitchFamily="34" charset="0"/>
+              <a:buChar char="•"/>
+            </a:pPr>
+            <a:r>
+              <a:rPr lang="en-US" sz="2800" dirty="0"/>
+              <a:t>There is a moderate positive correlation between </a:t>
+            </a:r>
+            <a:r>
+              <a:rPr lang="en-US" sz="2800" dirty="0" err="1"/>
+              <a:t>num_subscribers</a:t>
+            </a:r>
+            <a:r>
+              <a:rPr lang="en-US" sz="2800" dirty="0"/>
+              <a:t> and </a:t>
+            </a:r>
+            <a:r>
+              <a:rPr lang="en-US" sz="2800" dirty="0" err="1"/>
+              <a:t>num_lectures</a:t>
+            </a:r>
+            <a:r>
+              <a:rPr lang="en-US" sz="2800" dirty="0"/>
+              <a:t>, which means that courses with more lectures tend to have more subscribers.</a:t>
+            </a:r>
+          </a:p>
+          <a:p>
+            <a:pPr marL="285750" indent="-285750">
+              <a:buFont typeface="Arial" panose="020B0604020202020204" pitchFamily="34" charset="0"/>
+              <a:buChar char="•"/>
+            </a:pPr>
+            <a:r>
+              <a:rPr lang="en-US" sz="2800" dirty="0"/>
+              <a:t>There is a weak positive correlation between </a:t>
+            </a:r>
+            <a:r>
+              <a:rPr lang="en-US" sz="2800" dirty="0" err="1"/>
+              <a:t>content_duration</a:t>
+            </a:r>
+            <a:r>
+              <a:rPr lang="en-US" sz="2800" dirty="0"/>
+              <a:t> and </a:t>
+            </a:r>
+            <a:r>
+              <a:rPr lang="en-US" sz="2800" dirty="0" err="1"/>
+              <a:t>num_lectures</a:t>
+            </a:r>
+            <a:r>
+              <a:rPr lang="en-US" sz="2800" dirty="0"/>
+              <a:t>, which means that courses with more lectures tend to have longer content duration.</a:t>
+            </a:r>
+          </a:p>
+          <a:p>
+            <a:pPr marL="285750" indent="-285750">
+              <a:buFont typeface="Arial" panose="020B0604020202020204" pitchFamily="34" charset="0"/>
+              <a:buChar char="•"/>
+            </a:pPr>
+            <a:r>
+              <a:rPr lang="en-US" sz="2800" dirty="0"/>
+              <a:t>There is a weak positive correlation between </a:t>
+            </a:r>
+            <a:r>
+              <a:rPr lang="en-US" sz="2800" dirty="0" err="1"/>
+              <a:t>content_duration</a:t>
+            </a:r>
+            <a:r>
+              <a:rPr lang="en-US" sz="2800" dirty="0"/>
+              <a:t> and price, which means that courses with higher prices tend to have longer content duration.</a:t>
+            </a:r>
+            <a:endParaRPr lang="en-IN" sz="2800" dirty="0"/>
           </a:p>
         </p:txBody>
       </p:sp>
     </p:spTree>
     <p:extLst>
       <p:ext uri="{BB962C8B-B14F-4D97-AF65-F5344CB8AC3E}">
-        <p14:creationId xmlns:p14="http://schemas.microsoft.com/office/powerpoint/2010/main" val="3649664487"/>
+        <p14:creationId xmlns:p14="http://schemas.microsoft.com/office/powerpoint/2010/main" val="3740697351"/>
       </p:ext>
     </p:extLst>
   </p:cSld>
@@ -10445,7 +10675,7 @@
 </file>
 
 <file path=ppt/slides/slide20.xml><?xml version="1.0" encoding="utf-8"?>
-<p:sld xmlns:a="http://schemas.openxmlformats.org/drawingml/2006/main" xmlns:r="http://schemas.openxmlformats.org/officeDocument/2006/relationships" xmlns:p="http://schemas.openxmlformats.org/presentationml/2006/main" showMasterSp="0">
+<p:sld xmlns:a="http://schemas.openxmlformats.org/drawingml/2006/main" xmlns:r="http://schemas.openxmlformats.org/officeDocument/2006/relationships" xmlns:p="http://schemas.openxmlformats.org/presentationml/2006/main">
   <p:cSld>
     <p:spTree>
       <p:nvGrpSpPr>
@@ -10461,12 +10691,40 @@
           <a:chExt cx="0" cy="0"/>
         </a:xfrm>
       </p:grpSpPr>
-      <p:sp>
-        <p:nvSpPr>
-          <p:cNvPr id="2" name="Title 1">
-            <a:extLst>
-              <a:ext uri="{FF2B5EF4-FFF2-40B4-BE49-F238E27FC236}">
-                <a16:creationId xmlns:a16="http://schemas.microsoft.com/office/drawing/2014/main" id="{1B67F211-ED25-4BED-862A-17F84B323349}"/>
+      <p:pic>
+        <p:nvPicPr>
+          <p:cNvPr id="5" name="Content Placeholder 4">
+            <a:extLst>
+              <a:ext uri="{FF2B5EF4-FFF2-40B4-BE49-F238E27FC236}">
+                <a16:creationId xmlns:a16="http://schemas.microsoft.com/office/drawing/2014/main" id="{41C14442-8FB5-EFBB-CC35-AA4A92895857}"/>
+              </a:ext>
+            </a:extLst>
+          </p:cNvPr>
+          <p:cNvPicPr>
+            <a:picLocks noGrp="1" noChangeAspect="1"/>
+          </p:cNvPicPr>
+          <p:nvPr>
+            <p:ph sz="quarter" idx="10"/>
+          </p:nvPr>
+        </p:nvPicPr>
+        <p:blipFill>
+          <a:blip r:embed="rId2"/>
+          <a:srcRect/>
+          <a:stretch/>
+        </p:blipFill>
+        <p:spPr>
+          <a:xfrm>
+            <a:off x="2444187" y="994786"/>
+            <a:ext cx="7303625" cy="5674834"/>
+          </a:xfrm>
+        </p:spPr>
+      </p:pic>
+      <p:sp>
+        <p:nvSpPr>
+          <p:cNvPr id="3" name="Title 2">
+            <a:extLst>
+              <a:ext uri="{FF2B5EF4-FFF2-40B4-BE49-F238E27FC236}">
+                <a16:creationId xmlns:a16="http://schemas.microsoft.com/office/drawing/2014/main" id="{AF2BB912-3F17-79B3-6E2F-C58C078B13A9}"/>
               </a:ext>
             </a:extLst>
           </p:cNvPr>
@@ -10477,784 +10735,19 @@
             <p:ph type="title"/>
           </p:nvPr>
         </p:nvSpPr>
-        <p:spPr/>
+        <p:spPr>
+          <a:xfrm>
+            <a:off x="699304" y="294671"/>
+            <a:ext cx="10515600" cy="700115"/>
+          </a:xfrm>
+        </p:spPr>
         <p:txBody>
           <a:bodyPr/>
           <a:lstStyle/>
           <a:p>
             <a:r>
               <a:rPr lang="en-US" dirty="0"/>
-              <a:t>Summary</a:t>
-            </a:r>
-            <a:br>
-              <a:rPr lang="en-US" dirty="0"/>
-            </a:br>
-            <a:endParaRPr lang="en-US" dirty="0"/>
-          </a:p>
-        </p:txBody>
-      </p:sp>
-      <p:sp>
-        <p:nvSpPr>
-          <p:cNvPr id="18" name="Hexagon 17">
-            <a:extLst>
-              <a:ext uri="{FF2B5EF4-FFF2-40B4-BE49-F238E27FC236}">
-                <a16:creationId xmlns:a16="http://schemas.microsoft.com/office/drawing/2014/main" id="{F3A0DAD0-3E39-4BBF-88E4-5C3C306DCCBB}"/>
-              </a:ext>
-              <a:ext uri="{C183D7F6-B498-43B3-948B-1728B52AA6E4}">
-                <adec:decorative xmlns:adec="http://schemas.microsoft.com/office/drawing/2017/decorative" val="1"/>
-              </a:ext>
-            </a:extLst>
-          </p:cNvPr>
-          <p:cNvSpPr/>
-          <p:nvPr/>
-        </p:nvSpPr>
-        <p:spPr>
-          <a:xfrm>
-            <a:off x="609018" y="2105016"/>
-            <a:ext cx="914400" cy="764219"/>
-          </a:xfrm>
-          <a:prstGeom prst="hexagon">
-            <a:avLst/>
-          </a:prstGeom>
-          <a:noFill/>
-          <a:ln>
-            <a:solidFill>
-              <a:schemeClr val="bg1">
-                <a:lumMod val="75000"/>
-              </a:schemeClr>
-            </a:solidFill>
-          </a:ln>
-        </p:spPr>
-        <p:style>
-          <a:lnRef idx="2">
-            <a:schemeClr val="accent1">
-              <a:shade val="50000"/>
-            </a:schemeClr>
-          </a:lnRef>
-          <a:fillRef idx="1">
-            <a:schemeClr val="accent1"/>
-          </a:fillRef>
-          <a:effectRef idx="0">
-            <a:schemeClr val="accent1"/>
-          </a:effectRef>
-          <a:fontRef idx="minor">
-            <a:schemeClr val="lt1"/>
-          </a:fontRef>
-        </p:style>
-        <p:txBody>
-          <a:bodyPr rtlCol="0" anchor="ctr"/>
-          <a:lstStyle/>
-          <a:p>
-            <a:pPr algn="ctr"/>
-            <a:endParaRPr lang="en-US" dirty="0"/>
-          </a:p>
-        </p:txBody>
-      </p:sp>
-      <p:pic>
-        <p:nvPicPr>
-          <p:cNvPr id="16" name="Graphic 15" descr="Target Audience">
-            <a:extLst>
-              <a:ext uri="{FF2B5EF4-FFF2-40B4-BE49-F238E27FC236}">
-                <a16:creationId xmlns:a16="http://schemas.microsoft.com/office/drawing/2014/main" id="{C4663C19-45BD-46CB-AA38-6CE7C4522BC9}"/>
-              </a:ext>
-            </a:extLst>
-          </p:cNvPr>
-          <p:cNvPicPr>
-            <a:picLocks noChangeAspect="1"/>
-          </p:cNvPicPr>
-          <p:nvPr/>
-        </p:nvPicPr>
-        <p:blipFill>
-          <a:blip r:embed="rId3">
-            <a:extLst>
-              <a:ext uri="{96DAC541-7B7A-43D3-8B79-37D633B846F1}">
-                <asvg:svgBlip xmlns:asvg="http://schemas.microsoft.com/office/drawing/2016/SVG/main" r:embed="rId4"/>
-              </a:ext>
-            </a:extLst>
-          </a:blip>
-          <a:stretch>
-            <a:fillRect/>
-          </a:stretch>
-        </p:blipFill>
-        <p:spPr>
-          <a:xfrm>
-            <a:off x="793513" y="2204476"/>
-            <a:ext cx="548640" cy="548640"/>
-          </a:xfrm>
-          <a:prstGeom prst="rect">
-            <a:avLst/>
-          </a:prstGeom>
-        </p:spPr>
-      </p:pic>
-      <p:sp>
-        <p:nvSpPr>
-          <p:cNvPr id="11" name="TextBox 10">
-            <a:extLst>
-              <a:ext uri="{FF2B5EF4-FFF2-40B4-BE49-F238E27FC236}">
-                <a16:creationId xmlns:a16="http://schemas.microsoft.com/office/drawing/2014/main" id="{0A302878-D117-49D8-8CD3-093E34DF215B}"/>
-              </a:ext>
-            </a:extLst>
-          </p:cNvPr>
-          <p:cNvSpPr txBox="1"/>
-          <p:nvPr/>
-        </p:nvSpPr>
-        <p:spPr>
-          <a:xfrm>
-            <a:off x="1730484" y="1886960"/>
-            <a:ext cx="3657600" cy="1200329"/>
-          </a:xfrm>
-          <a:prstGeom prst="rect">
-            <a:avLst/>
-          </a:prstGeom>
-          <a:noFill/>
-        </p:spPr>
-        <p:txBody>
-          <a:bodyPr wrap="square">
-            <a:spAutoFit/>
-          </a:bodyPr>
-          <a:lstStyle/>
-          <a:p>
-            <a:r>
-              <a:rPr lang="en-US" dirty="0"/>
-              <a:t>Comprehensive survey of Udemy course offerings and instructor data, with a focus on emerging trends and popular topics.</a:t>
-            </a:r>
-          </a:p>
-        </p:txBody>
-      </p:sp>
-      <p:sp>
-        <p:nvSpPr>
-          <p:cNvPr id="24" name="Hexagon 23">
-            <a:extLst>
-              <a:ext uri="{FF2B5EF4-FFF2-40B4-BE49-F238E27FC236}">
-                <a16:creationId xmlns:a16="http://schemas.microsoft.com/office/drawing/2014/main" id="{B8F5A225-0C56-4A56-9265-DBE9001CCCDC}"/>
-              </a:ext>
-              <a:ext uri="{C183D7F6-B498-43B3-948B-1728B52AA6E4}">
-                <adec:decorative xmlns:adec="http://schemas.microsoft.com/office/drawing/2017/decorative" val="1"/>
-              </a:ext>
-            </a:extLst>
-          </p:cNvPr>
-          <p:cNvSpPr/>
-          <p:nvPr/>
-        </p:nvSpPr>
-        <p:spPr>
-          <a:xfrm>
-            <a:off x="6382827" y="2105016"/>
-            <a:ext cx="914400" cy="764219"/>
-          </a:xfrm>
-          <a:prstGeom prst="hexagon">
-            <a:avLst/>
-          </a:prstGeom>
-          <a:noFill/>
-          <a:ln>
-            <a:solidFill>
-              <a:schemeClr val="bg1">
-                <a:lumMod val="75000"/>
-              </a:schemeClr>
-            </a:solidFill>
-          </a:ln>
-        </p:spPr>
-        <p:style>
-          <a:lnRef idx="2">
-            <a:schemeClr val="accent1">
-              <a:shade val="50000"/>
-            </a:schemeClr>
-          </a:lnRef>
-          <a:fillRef idx="1">
-            <a:schemeClr val="accent1"/>
-          </a:fillRef>
-          <a:effectRef idx="0">
-            <a:schemeClr val="accent1"/>
-          </a:effectRef>
-          <a:fontRef idx="minor">
-            <a:schemeClr val="lt1"/>
-          </a:fontRef>
-        </p:style>
-        <p:txBody>
-          <a:bodyPr rtlCol="0" anchor="ctr"/>
-          <a:lstStyle/>
-          <a:p>
-            <a:pPr algn="ctr"/>
-            <a:endParaRPr lang="en-US" dirty="0"/>
-          </a:p>
-        </p:txBody>
-      </p:sp>
-      <p:pic>
-        <p:nvPicPr>
-          <p:cNvPr id="34" name="Graphic 33" descr="Upward trend">
-            <a:extLst>
-              <a:ext uri="{FF2B5EF4-FFF2-40B4-BE49-F238E27FC236}">
-                <a16:creationId xmlns:a16="http://schemas.microsoft.com/office/drawing/2014/main" id="{112CEB44-CF96-4193-8126-3EF3F89B2EA2}"/>
-              </a:ext>
-            </a:extLst>
-          </p:cNvPr>
-          <p:cNvPicPr>
-            <a:picLocks noChangeAspect="1"/>
-          </p:cNvPicPr>
-          <p:nvPr/>
-        </p:nvPicPr>
-        <p:blipFill>
-          <a:blip r:embed="rId5">
-            <a:extLst>
-              <a:ext uri="{96DAC541-7B7A-43D3-8B79-37D633B846F1}">
-                <asvg:svgBlip xmlns:asvg="http://schemas.microsoft.com/office/drawing/2016/SVG/main" r:embed="rId6"/>
-              </a:ext>
-            </a:extLst>
-          </a:blip>
-          <a:srcRect/>
-          <a:stretch/>
-        </p:blipFill>
-        <p:spPr>
-          <a:xfrm>
-            <a:off x="6562762" y="2203745"/>
-            <a:ext cx="548640" cy="548640"/>
-          </a:xfrm>
-          <a:prstGeom prst="rect">
-            <a:avLst/>
-          </a:prstGeom>
-        </p:spPr>
-      </p:pic>
-      <p:sp>
-        <p:nvSpPr>
-          <p:cNvPr id="7" name="TextBox 6">
-            <a:extLst>
-              <a:ext uri="{FF2B5EF4-FFF2-40B4-BE49-F238E27FC236}">
-                <a16:creationId xmlns:a16="http://schemas.microsoft.com/office/drawing/2014/main" id="{64DBD184-BCBE-4A38-8DF2-C0C550ADE4C4}"/>
-              </a:ext>
-            </a:extLst>
-          </p:cNvPr>
-          <p:cNvSpPr txBox="1"/>
-          <p:nvPr/>
-        </p:nvSpPr>
-        <p:spPr>
-          <a:xfrm>
-            <a:off x="7504954" y="2015389"/>
-            <a:ext cx="3657600" cy="1200329"/>
-          </a:xfrm>
-          <a:prstGeom prst="rect">
-            <a:avLst/>
-          </a:prstGeom>
-          <a:noFill/>
-        </p:spPr>
-        <p:txBody>
-          <a:bodyPr wrap="square">
-            <a:spAutoFit/>
-          </a:bodyPr>
-          <a:lstStyle/>
-          <a:p>
-            <a:r>
-              <a:rPr lang="en-US" dirty="0"/>
-              <a:t>Creation of informative data visualizations to highlight key findings and patterns in the Udemy course landscape.</a:t>
-            </a:r>
-          </a:p>
-        </p:txBody>
-      </p:sp>
-      <p:sp>
-        <p:nvSpPr>
-          <p:cNvPr id="19" name="Hexagon 18">
-            <a:extLst>
-              <a:ext uri="{FF2B5EF4-FFF2-40B4-BE49-F238E27FC236}">
-                <a16:creationId xmlns:a16="http://schemas.microsoft.com/office/drawing/2014/main" id="{A6510D74-8CDF-4500-996B-40C07942D72B}"/>
-              </a:ext>
-              <a:ext uri="{C183D7F6-B498-43B3-948B-1728B52AA6E4}">
-                <adec:decorative xmlns:adec="http://schemas.microsoft.com/office/drawing/2017/decorative" val="1"/>
-              </a:ext>
-            </a:extLst>
-          </p:cNvPr>
-          <p:cNvSpPr/>
-          <p:nvPr/>
-        </p:nvSpPr>
-        <p:spPr>
-          <a:xfrm>
-            <a:off x="609018" y="3510536"/>
-            <a:ext cx="914400" cy="764219"/>
-          </a:xfrm>
-          <a:prstGeom prst="hexagon">
-            <a:avLst/>
-          </a:prstGeom>
-          <a:noFill/>
-          <a:ln>
-            <a:solidFill>
-              <a:schemeClr val="bg1">
-                <a:lumMod val="75000"/>
-              </a:schemeClr>
-            </a:solidFill>
-          </a:ln>
-        </p:spPr>
-        <p:style>
-          <a:lnRef idx="2">
-            <a:schemeClr val="accent1">
-              <a:shade val="50000"/>
-            </a:schemeClr>
-          </a:lnRef>
-          <a:fillRef idx="1">
-            <a:schemeClr val="accent1"/>
-          </a:fillRef>
-          <a:effectRef idx="0">
-            <a:schemeClr val="accent1"/>
-          </a:effectRef>
-          <a:fontRef idx="minor">
-            <a:schemeClr val="lt1"/>
-          </a:fontRef>
-        </p:style>
-        <p:txBody>
-          <a:bodyPr rtlCol="0" anchor="ctr"/>
-          <a:lstStyle/>
-          <a:p>
-            <a:pPr algn="ctr"/>
-            <a:endParaRPr lang="en-US" dirty="0"/>
-          </a:p>
-        </p:txBody>
-      </p:sp>
-      <p:pic>
-        <p:nvPicPr>
-          <p:cNvPr id="30" name="Graphic 29">
-            <a:extLst>
-              <a:ext uri="{FF2B5EF4-FFF2-40B4-BE49-F238E27FC236}">
-                <a16:creationId xmlns:a16="http://schemas.microsoft.com/office/drawing/2014/main" id="{245749D8-5A06-44F2-B96E-6718BBEB6C47}"/>
-              </a:ext>
-            </a:extLst>
-          </p:cNvPr>
-          <p:cNvPicPr>
-            <a:picLocks noChangeAspect="1"/>
-          </p:cNvPicPr>
-          <p:nvPr/>
-        </p:nvPicPr>
-        <p:blipFill>
-          <a:blip r:embed="rId7">
-            <a:extLst>
-              <a:ext uri="{837473B0-CC2E-450A-ABE3-18F120FF3D39}">
-                <a1611:picAttrSrcUrl xmlns:a1611="http://schemas.microsoft.com/office/drawing/2016/11/main" r:id="rId8"/>
-              </a:ext>
-            </a:extLst>
-          </a:blip>
-          <a:srcRect/>
-          <a:stretch/>
-        </p:blipFill>
-        <p:spPr>
-          <a:xfrm>
-            <a:off x="793513" y="3618467"/>
-            <a:ext cx="548640" cy="548640"/>
-          </a:xfrm>
-          <a:prstGeom prst="rect">
-            <a:avLst/>
-          </a:prstGeom>
-        </p:spPr>
-      </p:pic>
-      <p:sp>
-        <p:nvSpPr>
-          <p:cNvPr id="13" name="TextBox 12">
-            <a:extLst>
-              <a:ext uri="{FF2B5EF4-FFF2-40B4-BE49-F238E27FC236}">
-                <a16:creationId xmlns:a16="http://schemas.microsoft.com/office/drawing/2014/main" id="{E0A3F38B-310F-454B-9EF6-EF4B5FD017B0}"/>
-              </a:ext>
-            </a:extLst>
-          </p:cNvPr>
-          <p:cNvSpPr txBox="1"/>
-          <p:nvPr/>
-        </p:nvSpPr>
-        <p:spPr>
-          <a:xfrm>
-            <a:off x="1748531" y="3531563"/>
-            <a:ext cx="3657600" cy="923330"/>
-          </a:xfrm>
-          <a:prstGeom prst="rect">
-            <a:avLst/>
-          </a:prstGeom>
-          <a:noFill/>
-        </p:spPr>
-        <p:txBody>
-          <a:bodyPr wrap="square">
-            <a:spAutoFit/>
-          </a:bodyPr>
-          <a:lstStyle/>
-          <a:p>
-            <a:r>
-              <a:rPr lang="en-US" dirty="0"/>
-              <a:t>Rigorous cleaning and standardization of the dataset to ensure accuracy and reliability.</a:t>
-            </a:r>
-          </a:p>
-        </p:txBody>
-      </p:sp>
-      <p:sp>
-        <p:nvSpPr>
-          <p:cNvPr id="26" name="Hexagon 25">
-            <a:extLst>
-              <a:ext uri="{FF2B5EF4-FFF2-40B4-BE49-F238E27FC236}">
-                <a16:creationId xmlns:a16="http://schemas.microsoft.com/office/drawing/2014/main" id="{F73E68A5-255F-4C3B-82E4-28F5CE1AA4BA}"/>
-              </a:ext>
-              <a:ext uri="{C183D7F6-B498-43B3-948B-1728B52AA6E4}">
-                <adec:decorative xmlns:adec="http://schemas.microsoft.com/office/drawing/2017/decorative" val="1"/>
-              </a:ext>
-            </a:extLst>
-          </p:cNvPr>
-          <p:cNvSpPr/>
-          <p:nvPr/>
-        </p:nvSpPr>
-        <p:spPr>
-          <a:xfrm>
-            <a:off x="6382827" y="3510536"/>
-            <a:ext cx="914400" cy="764219"/>
-          </a:xfrm>
-          <a:prstGeom prst="hexagon">
-            <a:avLst/>
-          </a:prstGeom>
-          <a:noFill/>
-          <a:ln>
-            <a:solidFill>
-              <a:schemeClr val="bg1">
-                <a:lumMod val="75000"/>
-              </a:schemeClr>
-            </a:solidFill>
-          </a:ln>
-        </p:spPr>
-        <p:style>
-          <a:lnRef idx="2">
-            <a:schemeClr val="accent1">
-              <a:shade val="50000"/>
-            </a:schemeClr>
-          </a:lnRef>
-          <a:fillRef idx="1">
-            <a:schemeClr val="accent1"/>
-          </a:fillRef>
-          <a:effectRef idx="0">
-            <a:schemeClr val="accent1"/>
-          </a:effectRef>
-          <a:fontRef idx="minor">
-            <a:schemeClr val="lt1"/>
-          </a:fontRef>
-        </p:style>
-        <p:txBody>
-          <a:bodyPr rtlCol="0" anchor="ctr"/>
-          <a:lstStyle/>
-          <a:p>
-            <a:pPr algn="ctr"/>
-            <a:endParaRPr lang="en-US" dirty="0"/>
-          </a:p>
-        </p:txBody>
-      </p:sp>
-      <p:pic>
-        <p:nvPicPr>
-          <p:cNvPr id="36" name="Graphic 35" descr="Clipboard">
-            <a:extLst>
-              <a:ext uri="{FF2B5EF4-FFF2-40B4-BE49-F238E27FC236}">
-                <a16:creationId xmlns:a16="http://schemas.microsoft.com/office/drawing/2014/main" id="{3F4B17BF-671E-4F42-AB1B-F84F52DCE251}"/>
-              </a:ext>
-            </a:extLst>
-          </p:cNvPr>
-          <p:cNvPicPr>
-            <a:picLocks noChangeAspect="1"/>
-          </p:cNvPicPr>
-          <p:nvPr/>
-        </p:nvPicPr>
-        <p:blipFill>
-          <a:blip r:embed="rId9">
-            <a:extLst>
-              <a:ext uri="{96DAC541-7B7A-43D3-8B79-37D633B846F1}">
-                <asvg:svgBlip xmlns:asvg="http://schemas.microsoft.com/office/drawing/2016/SVG/main" r:embed="rId10"/>
-              </a:ext>
-            </a:extLst>
-          </a:blip>
-          <a:srcRect/>
-          <a:stretch/>
-        </p:blipFill>
-        <p:spPr>
-          <a:xfrm>
-            <a:off x="6573648" y="3606850"/>
-            <a:ext cx="548640" cy="548640"/>
-          </a:xfrm>
-          <a:prstGeom prst="rect">
-            <a:avLst/>
-          </a:prstGeom>
-        </p:spPr>
-      </p:pic>
-      <p:sp>
-        <p:nvSpPr>
-          <p:cNvPr id="9" name="TextBox 8">
-            <a:extLst>
-              <a:ext uri="{FF2B5EF4-FFF2-40B4-BE49-F238E27FC236}">
-                <a16:creationId xmlns:a16="http://schemas.microsoft.com/office/drawing/2014/main" id="{BBD1A11C-0D13-40D5-A96C-6C9C65FDED12}"/>
-              </a:ext>
-            </a:extLst>
-          </p:cNvPr>
-          <p:cNvSpPr txBox="1"/>
-          <p:nvPr/>
-        </p:nvSpPr>
-        <p:spPr>
-          <a:xfrm>
-            <a:off x="7504954" y="3393063"/>
-            <a:ext cx="3657600" cy="1200329"/>
-          </a:xfrm>
-          <a:prstGeom prst="rect">
-            <a:avLst/>
-          </a:prstGeom>
-          <a:noFill/>
-        </p:spPr>
-        <p:txBody>
-          <a:bodyPr wrap="square">
-            <a:spAutoFit/>
-          </a:bodyPr>
-          <a:lstStyle/>
-          <a:p>
-            <a:r>
-              <a:rPr lang="en-US" dirty="0"/>
-              <a:t>Identification of the most in-demand course categories, from cutting-edge technology to timeless business essentials and creative pursuits.</a:t>
-            </a:r>
-          </a:p>
-        </p:txBody>
-      </p:sp>
-      <p:sp>
-        <p:nvSpPr>
-          <p:cNvPr id="20" name="Hexagon 19">
-            <a:extLst>
-              <a:ext uri="{FF2B5EF4-FFF2-40B4-BE49-F238E27FC236}">
-                <a16:creationId xmlns:a16="http://schemas.microsoft.com/office/drawing/2014/main" id="{E3AEA7C5-E53C-47EB-B54E-E09414923CE6}"/>
-              </a:ext>
-              <a:ext uri="{C183D7F6-B498-43B3-948B-1728B52AA6E4}">
-                <adec:decorative xmlns:adec="http://schemas.microsoft.com/office/drawing/2017/decorative" val="1"/>
-              </a:ext>
-            </a:extLst>
-          </p:cNvPr>
-          <p:cNvSpPr/>
-          <p:nvPr/>
-        </p:nvSpPr>
-        <p:spPr>
-          <a:xfrm>
-            <a:off x="609017" y="4778318"/>
-            <a:ext cx="914400" cy="764219"/>
-          </a:xfrm>
-          <a:prstGeom prst="hexagon">
-            <a:avLst/>
-          </a:prstGeom>
-          <a:noFill/>
-          <a:ln>
-            <a:solidFill>
-              <a:schemeClr val="bg1">
-                <a:lumMod val="75000"/>
-              </a:schemeClr>
-            </a:solidFill>
-          </a:ln>
-        </p:spPr>
-        <p:style>
-          <a:lnRef idx="2">
-            <a:schemeClr val="accent1">
-              <a:shade val="50000"/>
-            </a:schemeClr>
-          </a:lnRef>
-          <a:fillRef idx="1">
-            <a:schemeClr val="accent1"/>
-          </a:fillRef>
-          <a:effectRef idx="0">
-            <a:schemeClr val="accent1"/>
-          </a:effectRef>
-          <a:fontRef idx="minor">
-            <a:schemeClr val="lt1"/>
-          </a:fontRef>
-        </p:style>
-        <p:txBody>
-          <a:bodyPr rtlCol="0" anchor="ctr"/>
-          <a:lstStyle/>
-          <a:p>
-            <a:pPr algn="ctr"/>
-            <a:endParaRPr lang="en-US" dirty="0"/>
-          </a:p>
-        </p:txBody>
-      </p:sp>
-      <p:pic>
-        <p:nvPicPr>
-          <p:cNvPr id="32" name="Graphic 31">
-            <a:extLst>
-              <a:ext uri="{FF2B5EF4-FFF2-40B4-BE49-F238E27FC236}">
-                <a16:creationId xmlns:a16="http://schemas.microsoft.com/office/drawing/2014/main" id="{B6919A3F-A031-4557-AAC9-0C948C6E4D6A}"/>
-              </a:ext>
-            </a:extLst>
-          </p:cNvPr>
-          <p:cNvPicPr>
-            <a:picLocks noChangeAspect="1"/>
-          </p:cNvPicPr>
-          <p:nvPr/>
-        </p:nvPicPr>
-        <p:blipFill>
-          <a:blip r:embed="rId11">
-            <a:extLst>
-              <a:ext uri="{96DAC541-7B7A-43D3-8B79-37D633B846F1}">
-                <asvg:svgBlip xmlns:asvg="http://schemas.microsoft.com/office/drawing/2016/SVG/main" r:embed="rId12"/>
-              </a:ext>
-              <a:ext uri="{837473B0-CC2E-450A-ABE3-18F120FF3D39}">
-                <a1611:picAttrSrcUrl xmlns:a1611="http://schemas.microsoft.com/office/drawing/2016/11/main" r:id="rId13"/>
-              </a:ext>
-            </a:extLst>
-          </a:blip>
-          <a:srcRect/>
-          <a:stretch/>
-        </p:blipFill>
-        <p:spPr>
-          <a:xfrm>
-            <a:off x="804119" y="4872722"/>
-            <a:ext cx="527427" cy="548640"/>
-          </a:xfrm>
-          <a:prstGeom prst="rect">
-            <a:avLst/>
-          </a:prstGeom>
-        </p:spPr>
-      </p:pic>
-      <p:sp>
-        <p:nvSpPr>
-          <p:cNvPr id="17" name="TextBox 16">
-            <a:extLst>
-              <a:ext uri="{FF2B5EF4-FFF2-40B4-BE49-F238E27FC236}">
-                <a16:creationId xmlns:a16="http://schemas.microsoft.com/office/drawing/2014/main" id="{4B6D4D59-1662-44D5-B239-F9F86487BE32}"/>
-              </a:ext>
-            </a:extLst>
-          </p:cNvPr>
-          <p:cNvSpPr txBox="1"/>
-          <p:nvPr/>
-        </p:nvSpPr>
-        <p:spPr>
-          <a:xfrm>
-            <a:off x="1748531" y="4723888"/>
-            <a:ext cx="3657600" cy="1477328"/>
-          </a:xfrm>
-          <a:prstGeom prst="rect">
-            <a:avLst/>
-          </a:prstGeom>
-          <a:noFill/>
-        </p:spPr>
-        <p:txBody>
-          <a:bodyPr wrap="square">
-            <a:spAutoFit/>
-          </a:bodyPr>
-          <a:lstStyle/>
-          <a:p>
-            <a:r>
-              <a:rPr lang="en-US" dirty="0"/>
-              <a:t>In-depth examination of numerical and categorical features to uncover insights into course pricing, enrollment, and instructor performance.</a:t>
-            </a:r>
-          </a:p>
-        </p:txBody>
-      </p:sp>
-      <p:sp>
-        <p:nvSpPr>
-          <p:cNvPr id="28" name="Hexagon 27">
-            <a:extLst>
-              <a:ext uri="{FF2B5EF4-FFF2-40B4-BE49-F238E27FC236}">
-                <a16:creationId xmlns:a16="http://schemas.microsoft.com/office/drawing/2014/main" id="{BC618CE4-6DEC-4D26-B202-8BAAA269727E}"/>
-              </a:ext>
-              <a:ext uri="{C183D7F6-B498-43B3-948B-1728B52AA6E4}">
-                <adec:decorative xmlns:adec="http://schemas.microsoft.com/office/drawing/2017/decorative" val="1"/>
-              </a:ext>
-            </a:extLst>
-          </p:cNvPr>
-          <p:cNvSpPr/>
-          <p:nvPr/>
-        </p:nvSpPr>
-        <p:spPr>
-          <a:xfrm>
-            <a:off x="6382826" y="4778318"/>
-            <a:ext cx="914400" cy="764219"/>
-          </a:xfrm>
-          <a:prstGeom prst="hexagon">
-            <a:avLst/>
-          </a:prstGeom>
-          <a:noFill/>
-          <a:ln>
-            <a:solidFill>
-              <a:schemeClr val="bg1">
-                <a:lumMod val="75000"/>
-              </a:schemeClr>
-            </a:solidFill>
-          </a:ln>
-        </p:spPr>
-        <p:style>
-          <a:lnRef idx="2">
-            <a:schemeClr val="accent1">
-              <a:shade val="50000"/>
-            </a:schemeClr>
-          </a:lnRef>
-          <a:fillRef idx="1">
-            <a:schemeClr val="accent1"/>
-          </a:fillRef>
-          <a:effectRef idx="0">
-            <a:schemeClr val="accent1"/>
-          </a:effectRef>
-          <a:fontRef idx="minor">
-            <a:schemeClr val="lt1"/>
-          </a:fontRef>
-        </p:style>
-        <p:txBody>
-          <a:bodyPr rtlCol="0" anchor="ctr"/>
-          <a:lstStyle/>
-          <a:p>
-            <a:pPr algn="ctr"/>
-            <a:endParaRPr lang="en-US" dirty="0"/>
-          </a:p>
-        </p:txBody>
-      </p:sp>
-      <p:pic>
-        <p:nvPicPr>
-          <p:cNvPr id="38" name="Graphic 37">
-            <a:extLst>
-              <a:ext uri="{FF2B5EF4-FFF2-40B4-BE49-F238E27FC236}">
-                <a16:creationId xmlns:a16="http://schemas.microsoft.com/office/drawing/2014/main" id="{44B68078-72CC-45F5-9CD3-20C37D3298D8}"/>
-              </a:ext>
-            </a:extLst>
-          </p:cNvPr>
-          <p:cNvPicPr>
-            <a:picLocks noChangeAspect="1"/>
-          </p:cNvPicPr>
-          <p:nvPr/>
-        </p:nvPicPr>
-        <p:blipFill>
-          <a:blip r:embed="rId14">
-            <a:extLst>
-              <a:ext uri="{837473B0-CC2E-450A-ABE3-18F120FF3D39}">
-                <a1611:picAttrSrcUrl xmlns:a1611="http://schemas.microsoft.com/office/drawing/2016/11/main" r:id="rId15"/>
-              </a:ext>
-            </a:extLst>
-          </a:blip>
-          <a:srcRect/>
-          <a:stretch/>
-        </p:blipFill>
-        <p:spPr>
-          <a:xfrm>
-            <a:off x="6573648" y="4950350"/>
-            <a:ext cx="548640" cy="370149"/>
-          </a:xfrm>
-          <a:prstGeom prst="rect">
-            <a:avLst/>
-          </a:prstGeom>
-        </p:spPr>
-      </p:pic>
-      <p:sp>
-        <p:nvSpPr>
-          <p:cNvPr id="4" name="TextBox 3">
-            <a:extLst>
-              <a:ext uri="{FF2B5EF4-FFF2-40B4-BE49-F238E27FC236}">
-                <a16:creationId xmlns:a16="http://schemas.microsoft.com/office/drawing/2014/main" id="{6D041CEA-576E-DCBB-CD73-3E5720B0D3DD}"/>
-              </a:ext>
-            </a:extLst>
-          </p:cNvPr>
-          <p:cNvSpPr txBox="1"/>
-          <p:nvPr/>
-        </p:nvSpPr>
-        <p:spPr>
-          <a:xfrm>
-            <a:off x="7504954" y="4950350"/>
-            <a:ext cx="3657600" cy="923330"/>
-          </a:xfrm>
-          <a:prstGeom prst="rect">
-            <a:avLst/>
-          </a:prstGeom>
-          <a:noFill/>
-        </p:spPr>
-        <p:txBody>
-          <a:bodyPr wrap="square" rtlCol="0">
-            <a:spAutoFit/>
-          </a:bodyPr>
-          <a:lstStyle/>
-          <a:p>
-            <a:r>
-              <a:rPr lang="en-US" dirty="0"/>
-              <a:t>Hands on experience with the libraries of python for analysis and visualization of data</a:t>
+              <a:t>CATEGORY WISE COURSES PER YEAR</a:t>
             </a:r>
             <a:endParaRPr lang="en-IN" dirty="0"/>
           </a:p>
@@ -11263,7 +10756,7 @@
     </p:spTree>
     <p:extLst>
       <p:ext uri="{BB962C8B-B14F-4D97-AF65-F5344CB8AC3E}">
-        <p14:creationId xmlns:p14="http://schemas.microsoft.com/office/powerpoint/2010/main" val="4120671462"/>
+        <p14:creationId xmlns:p14="http://schemas.microsoft.com/office/powerpoint/2010/main" val="3649664487"/>
       </p:ext>
     </p:extLst>
   </p:cSld>
@@ -11295,6 +10788,835 @@
           <p:cNvPr id="2" name="Title 1">
             <a:extLst>
               <a:ext uri="{FF2B5EF4-FFF2-40B4-BE49-F238E27FC236}">
+                <a16:creationId xmlns:a16="http://schemas.microsoft.com/office/drawing/2014/main" id="{1B67F211-ED25-4BED-862A-17F84B323349}"/>
+              </a:ext>
+            </a:extLst>
+          </p:cNvPr>
+          <p:cNvSpPr>
+            <a:spLocks noGrp="1"/>
+          </p:cNvSpPr>
+          <p:nvPr>
+            <p:ph type="title"/>
+          </p:nvPr>
+        </p:nvSpPr>
+        <p:spPr/>
+        <p:txBody>
+          <a:bodyPr/>
+          <a:lstStyle/>
+          <a:p>
+            <a:r>
+              <a:rPr lang="en-US" dirty="0"/>
+              <a:t>Summary</a:t>
+            </a:r>
+            <a:br>
+              <a:rPr lang="en-US" dirty="0"/>
+            </a:br>
+            <a:endParaRPr lang="en-US" dirty="0"/>
+          </a:p>
+        </p:txBody>
+      </p:sp>
+      <p:sp>
+        <p:nvSpPr>
+          <p:cNvPr id="18" name="Hexagon 17">
+            <a:extLst>
+              <a:ext uri="{FF2B5EF4-FFF2-40B4-BE49-F238E27FC236}">
+                <a16:creationId xmlns:a16="http://schemas.microsoft.com/office/drawing/2014/main" id="{F3A0DAD0-3E39-4BBF-88E4-5C3C306DCCBB}"/>
+              </a:ext>
+              <a:ext uri="{C183D7F6-B498-43B3-948B-1728B52AA6E4}">
+                <adec:decorative xmlns:adec="http://schemas.microsoft.com/office/drawing/2017/decorative" val="1"/>
+              </a:ext>
+            </a:extLst>
+          </p:cNvPr>
+          <p:cNvSpPr/>
+          <p:nvPr/>
+        </p:nvSpPr>
+        <p:spPr>
+          <a:xfrm>
+            <a:off x="609018" y="2105016"/>
+            <a:ext cx="914400" cy="764219"/>
+          </a:xfrm>
+          <a:prstGeom prst="hexagon">
+            <a:avLst/>
+          </a:prstGeom>
+          <a:noFill/>
+          <a:ln>
+            <a:solidFill>
+              <a:schemeClr val="bg1">
+                <a:lumMod val="75000"/>
+              </a:schemeClr>
+            </a:solidFill>
+          </a:ln>
+        </p:spPr>
+        <p:style>
+          <a:lnRef idx="2">
+            <a:schemeClr val="accent1">
+              <a:shade val="50000"/>
+            </a:schemeClr>
+          </a:lnRef>
+          <a:fillRef idx="1">
+            <a:schemeClr val="accent1"/>
+          </a:fillRef>
+          <a:effectRef idx="0">
+            <a:schemeClr val="accent1"/>
+          </a:effectRef>
+          <a:fontRef idx="minor">
+            <a:schemeClr val="lt1"/>
+          </a:fontRef>
+        </p:style>
+        <p:txBody>
+          <a:bodyPr rtlCol="0" anchor="ctr"/>
+          <a:lstStyle/>
+          <a:p>
+            <a:pPr algn="ctr"/>
+            <a:endParaRPr lang="en-US" dirty="0"/>
+          </a:p>
+        </p:txBody>
+      </p:sp>
+      <p:pic>
+        <p:nvPicPr>
+          <p:cNvPr id="16" name="Graphic 15" descr="Target Audience">
+            <a:extLst>
+              <a:ext uri="{FF2B5EF4-FFF2-40B4-BE49-F238E27FC236}">
+                <a16:creationId xmlns:a16="http://schemas.microsoft.com/office/drawing/2014/main" id="{C4663C19-45BD-46CB-AA38-6CE7C4522BC9}"/>
+              </a:ext>
+            </a:extLst>
+          </p:cNvPr>
+          <p:cNvPicPr>
+            <a:picLocks noChangeAspect="1"/>
+          </p:cNvPicPr>
+          <p:nvPr/>
+        </p:nvPicPr>
+        <p:blipFill>
+          <a:blip r:embed="rId3">
+            <a:extLst>
+              <a:ext uri="{96DAC541-7B7A-43D3-8B79-37D633B846F1}">
+                <asvg:svgBlip xmlns:asvg="http://schemas.microsoft.com/office/drawing/2016/SVG/main" r:embed="rId4"/>
+              </a:ext>
+            </a:extLst>
+          </a:blip>
+          <a:stretch>
+            <a:fillRect/>
+          </a:stretch>
+        </p:blipFill>
+        <p:spPr>
+          <a:xfrm>
+            <a:off x="793513" y="2204476"/>
+            <a:ext cx="548640" cy="548640"/>
+          </a:xfrm>
+          <a:prstGeom prst="rect">
+            <a:avLst/>
+          </a:prstGeom>
+        </p:spPr>
+      </p:pic>
+      <p:sp>
+        <p:nvSpPr>
+          <p:cNvPr id="11" name="TextBox 10">
+            <a:extLst>
+              <a:ext uri="{FF2B5EF4-FFF2-40B4-BE49-F238E27FC236}">
+                <a16:creationId xmlns:a16="http://schemas.microsoft.com/office/drawing/2014/main" id="{0A302878-D117-49D8-8CD3-093E34DF215B}"/>
+              </a:ext>
+            </a:extLst>
+          </p:cNvPr>
+          <p:cNvSpPr txBox="1"/>
+          <p:nvPr/>
+        </p:nvSpPr>
+        <p:spPr>
+          <a:xfrm>
+            <a:off x="1730484" y="1886960"/>
+            <a:ext cx="3657600" cy="1200329"/>
+          </a:xfrm>
+          <a:prstGeom prst="rect">
+            <a:avLst/>
+          </a:prstGeom>
+          <a:noFill/>
+        </p:spPr>
+        <p:txBody>
+          <a:bodyPr wrap="square">
+            <a:spAutoFit/>
+          </a:bodyPr>
+          <a:lstStyle/>
+          <a:p>
+            <a:r>
+              <a:rPr lang="en-US" dirty="0"/>
+              <a:t>Comprehensive survey of Udemy course offerings and instructor data, with a focus on emerging trends and popular topics.</a:t>
+            </a:r>
+          </a:p>
+        </p:txBody>
+      </p:sp>
+      <p:sp>
+        <p:nvSpPr>
+          <p:cNvPr id="24" name="Hexagon 23">
+            <a:extLst>
+              <a:ext uri="{FF2B5EF4-FFF2-40B4-BE49-F238E27FC236}">
+                <a16:creationId xmlns:a16="http://schemas.microsoft.com/office/drawing/2014/main" id="{B8F5A225-0C56-4A56-9265-DBE9001CCCDC}"/>
+              </a:ext>
+              <a:ext uri="{C183D7F6-B498-43B3-948B-1728B52AA6E4}">
+                <adec:decorative xmlns:adec="http://schemas.microsoft.com/office/drawing/2017/decorative" val="1"/>
+              </a:ext>
+            </a:extLst>
+          </p:cNvPr>
+          <p:cNvSpPr/>
+          <p:nvPr/>
+        </p:nvSpPr>
+        <p:spPr>
+          <a:xfrm>
+            <a:off x="6382827" y="2105016"/>
+            <a:ext cx="914400" cy="764219"/>
+          </a:xfrm>
+          <a:prstGeom prst="hexagon">
+            <a:avLst/>
+          </a:prstGeom>
+          <a:noFill/>
+          <a:ln>
+            <a:solidFill>
+              <a:schemeClr val="bg1">
+                <a:lumMod val="75000"/>
+              </a:schemeClr>
+            </a:solidFill>
+          </a:ln>
+        </p:spPr>
+        <p:style>
+          <a:lnRef idx="2">
+            <a:schemeClr val="accent1">
+              <a:shade val="50000"/>
+            </a:schemeClr>
+          </a:lnRef>
+          <a:fillRef idx="1">
+            <a:schemeClr val="accent1"/>
+          </a:fillRef>
+          <a:effectRef idx="0">
+            <a:schemeClr val="accent1"/>
+          </a:effectRef>
+          <a:fontRef idx="minor">
+            <a:schemeClr val="lt1"/>
+          </a:fontRef>
+        </p:style>
+        <p:txBody>
+          <a:bodyPr rtlCol="0" anchor="ctr"/>
+          <a:lstStyle/>
+          <a:p>
+            <a:pPr algn="ctr"/>
+            <a:endParaRPr lang="en-US" dirty="0"/>
+          </a:p>
+        </p:txBody>
+      </p:sp>
+      <p:pic>
+        <p:nvPicPr>
+          <p:cNvPr id="34" name="Graphic 33" descr="Upward trend">
+            <a:extLst>
+              <a:ext uri="{FF2B5EF4-FFF2-40B4-BE49-F238E27FC236}">
+                <a16:creationId xmlns:a16="http://schemas.microsoft.com/office/drawing/2014/main" id="{112CEB44-CF96-4193-8126-3EF3F89B2EA2}"/>
+              </a:ext>
+            </a:extLst>
+          </p:cNvPr>
+          <p:cNvPicPr>
+            <a:picLocks noChangeAspect="1"/>
+          </p:cNvPicPr>
+          <p:nvPr/>
+        </p:nvPicPr>
+        <p:blipFill>
+          <a:blip r:embed="rId5">
+            <a:extLst>
+              <a:ext uri="{96DAC541-7B7A-43D3-8B79-37D633B846F1}">
+                <asvg:svgBlip xmlns:asvg="http://schemas.microsoft.com/office/drawing/2016/SVG/main" r:embed="rId6"/>
+              </a:ext>
+            </a:extLst>
+          </a:blip>
+          <a:srcRect/>
+          <a:stretch/>
+        </p:blipFill>
+        <p:spPr>
+          <a:xfrm>
+            <a:off x="6562762" y="2203745"/>
+            <a:ext cx="548640" cy="548640"/>
+          </a:xfrm>
+          <a:prstGeom prst="rect">
+            <a:avLst/>
+          </a:prstGeom>
+        </p:spPr>
+      </p:pic>
+      <p:sp>
+        <p:nvSpPr>
+          <p:cNvPr id="7" name="TextBox 6">
+            <a:extLst>
+              <a:ext uri="{FF2B5EF4-FFF2-40B4-BE49-F238E27FC236}">
+                <a16:creationId xmlns:a16="http://schemas.microsoft.com/office/drawing/2014/main" id="{64DBD184-BCBE-4A38-8DF2-C0C550ADE4C4}"/>
+              </a:ext>
+            </a:extLst>
+          </p:cNvPr>
+          <p:cNvSpPr txBox="1"/>
+          <p:nvPr/>
+        </p:nvSpPr>
+        <p:spPr>
+          <a:xfrm>
+            <a:off x="7504954" y="2015389"/>
+            <a:ext cx="3657600" cy="1200329"/>
+          </a:xfrm>
+          <a:prstGeom prst="rect">
+            <a:avLst/>
+          </a:prstGeom>
+          <a:noFill/>
+        </p:spPr>
+        <p:txBody>
+          <a:bodyPr wrap="square">
+            <a:spAutoFit/>
+          </a:bodyPr>
+          <a:lstStyle/>
+          <a:p>
+            <a:r>
+              <a:rPr lang="en-US" dirty="0"/>
+              <a:t>Creation of informative data visualizations to highlight key findings and patterns in the Udemy course landscape.</a:t>
+            </a:r>
+          </a:p>
+        </p:txBody>
+      </p:sp>
+      <p:sp>
+        <p:nvSpPr>
+          <p:cNvPr id="19" name="Hexagon 18">
+            <a:extLst>
+              <a:ext uri="{FF2B5EF4-FFF2-40B4-BE49-F238E27FC236}">
+                <a16:creationId xmlns:a16="http://schemas.microsoft.com/office/drawing/2014/main" id="{A6510D74-8CDF-4500-996B-40C07942D72B}"/>
+              </a:ext>
+              <a:ext uri="{C183D7F6-B498-43B3-948B-1728B52AA6E4}">
+                <adec:decorative xmlns:adec="http://schemas.microsoft.com/office/drawing/2017/decorative" val="1"/>
+              </a:ext>
+            </a:extLst>
+          </p:cNvPr>
+          <p:cNvSpPr/>
+          <p:nvPr/>
+        </p:nvSpPr>
+        <p:spPr>
+          <a:xfrm>
+            <a:off x="609018" y="3510536"/>
+            <a:ext cx="914400" cy="764219"/>
+          </a:xfrm>
+          <a:prstGeom prst="hexagon">
+            <a:avLst/>
+          </a:prstGeom>
+          <a:noFill/>
+          <a:ln>
+            <a:solidFill>
+              <a:schemeClr val="bg1">
+                <a:lumMod val="75000"/>
+              </a:schemeClr>
+            </a:solidFill>
+          </a:ln>
+        </p:spPr>
+        <p:style>
+          <a:lnRef idx="2">
+            <a:schemeClr val="accent1">
+              <a:shade val="50000"/>
+            </a:schemeClr>
+          </a:lnRef>
+          <a:fillRef idx="1">
+            <a:schemeClr val="accent1"/>
+          </a:fillRef>
+          <a:effectRef idx="0">
+            <a:schemeClr val="accent1"/>
+          </a:effectRef>
+          <a:fontRef idx="minor">
+            <a:schemeClr val="lt1"/>
+          </a:fontRef>
+        </p:style>
+        <p:txBody>
+          <a:bodyPr rtlCol="0" anchor="ctr"/>
+          <a:lstStyle/>
+          <a:p>
+            <a:pPr algn="ctr"/>
+            <a:endParaRPr lang="en-US" dirty="0"/>
+          </a:p>
+        </p:txBody>
+      </p:sp>
+      <p:pic>
+        <p:nvPicPr>
+          <p:cNvPr id="30" name="Graphic 29">
+            <a:extLst>
+              <a:ext uri="{FF2B5EF4-FFF2-40B4-BE49-F238E27FC236}">
+                <a16:creationId xmlns:a16="http://schemas.microsoft.com/office/drawing/2014/main" id="{245749D8-5A06-44F2-B96E-6718BBEB6C47}"/>
+              </a:ext>
+            </a:extLst>
+          </p:cNvPr>
+          <p:cNvPicPr>
+            <a:picLocks noChangeAspect="1"/>
+          </p:cNvPicPr>
+          <p:nvPr/>
+        </p:nvPicPr>
+        <p:blipFill>
+          <a:blip r:embed="rId7">
+            <a:extLst>
+              <a:ext uri="{837473B0-CC2E-450A-ABE3-18F120FF3D39}">
+                <a1611:picAttrSrcUrl xmlns:a1611="http://schemas.microsoft.com/office/drawing/2016/11/main" r:id="rId8"/>
+              </a:ext>
+            </a:extLst>
+          </a:blip>
+          <a:srcRect/>
+          <a:stretch/>
+        </p:blipFill>
+        <p:spPr>
+          <a:xfrm>
+            <a:off x="793513" y="3618467"/>
+            <a:ext cx="548640" cy="548640"/>
+          </a:xfrm>
+          <a:prstGeom prst="rect">
+            <a:avLst/>
+          </a:prstGeom>
+        </p:spPr>
+      </p:pic>
+      <p:sp>
+        <p:nvSpPr>
+          <p:cNvPr id="13" name="TextBox 12">
+            <a:extLst>
+              <a:ext uri="{FF2B5EF4-FFF2-40B4-BE49-F238E27FC236}">
+                <a16:creationId xmlns:a16="http://schemas.microsoft.com/office/drawing/2014/main" id="{E0A3F38B-310F-454B-9EF6-EF4B5FD017B0}"/>
+              </a:ext>
+            </a:extLst>
+          </p:cNvPr>
+          <p:cNvSpPr txBox="1"/>
+          <p:nvPr/>
+        </p:nvSpPr>
+        <p:spPr>
+          <a:xfrm>
+            <a:off x="1748531" y="3531563"/>
+            <a:ext cx="3657600" cy="923330"/>
+          </a:xfrm>
+          <a:prstGeom prst="rect">
+            <a:avLst/>
+          </a:prstGeom>
+          <a:noFill/>
+        </p:spPr>
+        <p:txBody>
+          <a:bodyPr wrap="square">
+            <a:spAutoFit/>
+          </a:bodyPr>
+          <a:lstStyle/>
+          <a:p>
+            <a:r>
+              <a:rPr lang="en-US" dirty="0"/>
+              <a:t>Rigorous cleaning and standardization of the dataset to ensure accuracy and reliability.</a:t>
+            </a:r>
+          </a:p>
+        </p:txBody>
+      </p:sp>
+      <p:sp>
+        <p:nvSpPr>
+          <p:cNvPr id="26" name="Hexagon 25">
+            <a:extLst>
+              <a:ext uri="{FF2B5EF4-FFF2-40B4-BE49-F238E27FC236}">
+                <a16:creationId xmlns:a16="http://schemas.microsoft.com/office/drawing/2014/main" id="{F73E68A5-255F-4C3B-82E4-28F5CE1AA4BA}"/>
+              </a:ext>
+              <a:ext uri="{C183D7F6-B498-43B3-948B-1728B52AA6E4}">
+                <adec:decorative xmlns:adec="http://schemas.microsoft.com/office/drawing/2017/decorative" val="1"/>
+              </a:ext>
+            </a:extLst>
+          </p:cNvPr>
+          <p:cNvSpPr/>
+          <p:nvPr/>
+        </p:nvSpPr>
+        <p:spPr>
+          <a:xfrm>
+            <a:off x="6382827" y="3510536"/>
+            <a:ext cx="914400" cy="764219"/>
+          </a:xfrm>
+          <a:prstGeom prst="hexagon">
+            <a:avLst/>
+          </a:prstGeom>
+          <a:noFill/>
+          <a:ln>
+            <a:solidFill>
+              <a:schemeClr val="bg1">
+                <a:lumMod val="75000"/>
+              </a:schemeClr>
+            </a:solidFill>
+          </a:ln>
+        </p:spPr>
+        <p:style>
+          <a:lnRef idx="2">
+            <a:schemeClr val="accent1">
+              <a:shade val="50000"/>
+            </a:schemeClr>
+          </a:lnRef>
+          <a:fillRef idx="1">
+            <a:schemeClr val="accent1"/>
+          </a:fillRef>
+          <a:effectRef idx="0">
+            <a:schemeClr val="accent1"/>
+          </a:effectRef>
+          <a:fontRef idx="minor">
+            <a:schemeClr val="lt1"/>
+          </a:fontRef>
+        </p:style>
+        <p:txBody>
+          <a:bodyPr rtlCol="0" anchor="ctr"/>
+          <a:lstStyle/>
+          <a:p>
+            <a:pPr algn="ctr"/>
+            <a:endParaRPr lang="en-US" dirty="0"/>
+          </a:p>
+        </p:txBody>
+      </p:sp>
+      <p:pic>
+        <p:nvPicPr>
+          <p:cNvPr id="36" name="Graphic 35" descr="Clipboard">
+            <a:extLst>
+              <a:ext uri="{FF2B5EF4-FFF2-40B4-BE49-F238E27FC236}">
+                <a16:creationId xmlns:a16="http://schemas.microsoft.com/office/drawing/2014/main" id="{3F4B17BF-671E-4F42-AB1B-F84F52DCE251}"/>
+              </a:ext>
+            </a:extLst>
+          </p:cNvPr>
+          <p:cNvPicPr>
+            <a:picLocks noChangeAspect="1"/>
+          </p:cNvPicPr>
+          <p:nvPr/>
+        </p:nvPicPr>
+        <p:blipFill>
+          <a:blip r:embed="rId9">
+            <a:extLst>
+              <a:ext uri="{96DAC541-7B7A-43D3-8B79-37D633B846F1}">
+                <asvg:svgBlip xmlns:asvg="http://schemas.microsoft.com/office/drawing/2016/SVG/main" r:embed="rId10"/>
+              </a:ext>
+            </a:extLst>
+          </a:blip>
+          <a:srcRect/>
+          <a:stretch/>
+        </p:blipFill>
+        <p:spPr>
+          <a:xfrm>
+            <a:off x="6573648" y="3606850"/>
+            <a:ext cx="548640" cy="548640"/>
+          </a:xfrm>
+          <a:prstGeom prst="rect">
+            <a:avLst/>
+          </a:prstGeom>
+        </p:spPr>
+      </p:pic>
+      <p:sp>
+        <p:nvSpPr>
+          <p:cNvPr id="9" name="TextBox 8">
+            <a:extLst>
+              <a:ext uri="{FF2B5EF4-FFF2-40B4-BE49-F238E27FC236}">
+                <a16:creationId xmlns:a16="http://schemas.microsoft.com/office/drawing/2014/main" id="{BBD1A11C-0D13-40D5-A96C-6C9C65FDED12}"/>
+              </a:ext>
+            </a:extLst>
+          </p:cNvPr>
+          <p:cNvSpPr txBox="1"/>
+          <p:nvPr/>
+        </p:nvSpPr>
+        <p:spPr>
+          <a:xfrm>
+            <a:off x="7504954" y="3393063"/>
+            <a:ext cx="3657600" cy="1200329"/>
+          </a:xfrm>
+          <a:prstGeom prst="rect">
+            <a:avLst/>
+          </a:prstGeom>
+          <a:noFill/>
+        </p:spPr>
+        <p:txBody>
+          <a:bodyPr wrap="square">
+            <a:spAutoFit/>
+          </a:bodyPr>
+          <a:lstStyle/>
+          <a:p>
+            <a:r>
+              <a:rPr lang="en-US" dirty="0"/>
+              <a:t>Identification of the most in-demand course categories, from cutting-edge technology to timeless business essentials and creative pursuits.</a:t>
+            </a:r>
+          </a:p>
+        </p:txBody>
+      </p:sp>
+      <p:sp>
+        <p:nvSpPr>
+          <p:cNvPr id="20" name="Hexagon 19">
+            <a:extLst>
+              <a:ext uri="{FF2B5EF4-FFF2-40B4-BE49-F238E27FC236}">
+                <a16:creationId xmlns:a16="http://schemas.microsoft.com/office/drawing/2014/main" id="{E3AEA7C5-E53C-47EB-B54E-E09414923CE6}"/>
+              </a:ext>
+              <a:ext uri="{C183D7F6-B498-43B3-948B-1728B52AA6E4}">
+                <adec:decorative xmlns:adec="http://schemas.microsoft.com/office/drawing/2017/decorative" val="1"/>
+              </a:ext>
+            </a:extLst>
+          </p:cNvPr>
+          <p:cNvSpPr/>
+          <p:nvPr/>
+        </p:nvSpPr>
+        <p:spPr>
+          <a:xfrm>
+            <a:off x="609017" y="4778318"/>
+            <a:ext cx="914400" cy="764219"/>
+          </a:xfrm>
+          <a:prstGeom prst="hexagon">
+            <a:avLst/>
+          </a:prstGeom>
+          <a:noFill/>
+          <a:ln>
+            <a:solidFill>
+              <a:schemeClr val="bg1">
+                <a:lumMod val="75000"/>
+              </a:schemeClr>
+            </a:solidFill>
+          </a:ln>
+        </p:spPr>
+        <p:style>
+          <a:lnRef idx="2">
+            <a:schemeClr val="accent1">
+              <a:shade val="50000"/>
+            </a:schemeClr>
+          </a:lnRef>
+          <a:fillRef idx="1">
+            <a:schemeClr val="accent1"/>
+          </a:fillRef>
+          <a:effectRef idx="0">
+            <a:schemeClr val="accent1"/>
+          </a:effectRef>
+          <a:fontRef idx="minor">
+            <a:schemeClr val="lt1"/>
+          </a:fontRef>
+        </p:style>
+        <p:txBody>
+          <a:bodyPr rtlCol="0" anchor="ctr"/>
+          <a:lstStyle/>
+          <a:p>
+            <a:pPr algn="ctr"/>
+            <a:endParaRPr lang="en-US" dirty="0"/>
+          </a:p>
+        </p:txBody>
+      </p:sp>
+      <p:pic>
+        <p:nvPicPr>
+          <p:cNvPr id="32" name="Graphic 31">
+            <a:extLst>
+              <a:ext uri="{FF2B5EF4-FFF2-40B4-BE49-F238E27FC236}">
+                <a16:creationId xmlns:a16="http://schemas.microsoft.com/office/drawing/2014/main" id="{B6919A3F-A031-4557-AAC9-0C948C6E4D6A}"/>
+              </a:ext>
+            </a:extLst>
+          </p:cNvPr>
+          <p:cNvPicPr>
+            <a:picLocks noChangeAspect="1"/>
+          </p:cNvPicPr>
+          <p:nvPr/>
+        </p:nvPicPr>
+        <p:blipFill>
+          <a:blip r:embed="rId11">
+            <a:extLst>
+              <a:ext uri="{96DAC541-7B7A-43D3-8B79-37D633B846F1}">
+                <asvg:svgBlip xmlns:asvg="http://schemas.microsoft.com/office/drawing/2016/SVG/main" r:embed="rId12"/>
+              </a:ext>
+              <a:ext uri="{837473B0-CC2E-450A-ABE3-18F120FF3D39}">
+                <a1611:picAttrSrcUrl xmlns:a1611="http://schemas.microsoft.com/office/drawing/2016/11/main" r:id="rId13"/>
+              </a:ext>
+            </a:extLst>
+          </a:blip>
+          <a:srcRect/>
+          <a:stretch/>
+        </p:blipFill>
+        <p:spPr>
+          <a:xfrm>
+            <a:off x="804119" y="4872722"/>
+            <a:ext cx="527427" cy="548640"/>
+          </a:xfrm>
+          <a:prstGeom prst="rect">
+            <a:avLst/>
+          </a:prstGeom>
+        </p:spPr>
+      </p:pic>
+      <p:sp>
+        <p:nvSpPr>
+          <p:cNvPr id="17" name="TextBox 16">
+            <a:extLst>
+              <a:ext uri="{FF2B5EF4-FFF2-40B4-BE49-F238E27FC236}">
+                <a16:creationId xmlns:a16="http://schemas.microsoft.com/office/drawing/2014/main" id="{4B6D4D59-1662-44D5-B239-F9F86487BE32}"/>
+              </a:ext>
+            </a:extLst>
+          </p:cNvPr>
+          <p:cNvSpPr txBox="1"/>
+          <p:nvPr/>
+        </p:nvSpPr>
+        <p:spPr>
+          <a:xfrm>
+            <a:off x="1748531" y="4723888"/>
+            <a:ext cx="3657600" cy="1477328"/>
+          </a:xfrm>
+          <a:prstGeom prst="rect">
+            <a:avLst/>
+          </a:prstGeom>
+          <a:noFill/>
+        </p:spPr>
+        <p:txBody>
+          <a:bodyPr wrap="square">
+            <a:spAutoFit/>
+          </a:bodyPr>
+          <a:lstStyle/>
+          <a:p>
+            <a:r>
+              <a:rPr lang="en-US" dirty="0"/>
+              <a:t>In-depth examination of numerical and categorical features to uncover insights into course pricing, enrollment, and instructor performance.</a:t>
+            </a:r>
+          </a:p>
+        </p:txBody>
+      </p:sp>
+      <p:sp>
+        <p:nvSpPr>
+          <p:cNvPr id="28" name="Hexagon 27">
+            <a:extLst>
+              <a:ext uri="{FF2B5EF4-FFF2-40B4-BE49-F238E27FC236}">
+                <a16:creationId xmlns:a16="http://schemas.microsoft.com/office/drawing/2014/main" id="{BC618CE4-6DEC-4D26-B202-8BAAA269727E}"/>
+              </a:ext>
+              <a:ext uri="{C183D7F6-B498-43B3-948B-1728B52AA6E4}">
+                <adec:decorative xmlns:adec="http://schemas.microsoft.com/office/drawing/2017/decorative" val="1"/>
+              </a:ext>
+            </a:extLst>
+          </p:cNvPr>
+          <p:cNvSpPr/>
+          <p:nvPr/>
+        </p:nvSpPr>
+        <p:spPr>
+          <a:xfrm>
+            <a:off x="6382826" y="4778318"/>
+            <a:ext cx="914400" cy="764219"/>
+          </a:xfrm>
+          <a:prstGeom prst="hexagon">
+            <a:avLst/>
+          </a:prstGeom>
+          <a:noFill/>
+          <a:ln>
+            <a:solidFill>
+              <a:schemeClr val="bg1">
+                <a:lumMod val="75000"/>
+              </a:schemeClr>
+            </a:solidFill>
+          </a:ln>
+        </p:spPr>
+        <p:style>
+          <a:lnRef idx="2">
+            <a:schemeClr val="accent1">
+              <a:shade val="50000"/>
+            </a:schemeClr>
+          </a:lnRef>
+          <a:fillRef idx="1">
+            <a:schemeClr val="accent1"/>
+          </a:fillRef>
+          <a:effectRef idx="0">
+            <a:schemeClr val="accent1"/>
+          </a:effectRef>
+          <a:fontRef idx="minor">
+            <a:schemeClr val="lt1"/>
+          </a:fontRef>
+        </p:style>
+        <p:txBody>
+          <a:bodyPr rtlCol="0" anchor="ctr"/>
+          <a:lstStyle/>
+          <a:p>
+            <a:pPr algn="ctr"/>
+            <a:endParaRPr lang="en-US" dirty="0"/>
+          </a:p>
+        </p:txBody>
+      </p:sp>
+      <p:pic>
+        <p:nvPicPr>
+          <p:cNvPr id="38" name="Graphic 37">
+            <a:extLst>
+              <a:ext uri="{FF2B5EF4-FFF2-40B4-BE49-F238E27FC236}">
+                <a16:creationId xmlns:a16="http://schemas.microsoft.com/office/drawing/2014/main" id="{44B68078-72CC-45F5-9CD3-20C37D3298D8}"/>
+              </a:ext>
+            </a:extLst>
+          </p:cNvPr>
+          <p:cNvPicPr>
+            <a:picLocks noChangeAspect="1"/>
+          </p:cNvPicPr>
+          <p:nvPr/>
+        </p:nvPicPr>
+        <p:blipFill>
+          <a:blip r:embed="rId14">
+            <a:extLst>
+              <a:ext uri="{837473B0-CC2E-450A-ABE3-18F120FF3D39}">
+                <a1611:picAttrSrcUrl xmlns:a1611="http://schemas.microsoft.com/office/drawing/2016/11/main" r:id="rId15"/>
+              </a:ext>
+            </a:extLst>
+          </a:blip>
+          <a:srcRect/>
+          <a:stretch/>
+        </p:blipFill>
+        <p:spPr>
+          <a:xfrm>
+            <a:off x="6573648" y="4950350"/>
+            <a:ext cx="548640" cy="370149"/>
+          </a:xfrm>
+          <a:prstGeom prst="rect">
+            <a:avLst/>
+          </a:prstGeom>
+        </p:spPr>
+      </p:pic>
+      <p:sp>
+        <p:nvSpPr>
+          <p:cNvPr id="4" name="TextBox 3">
+            <a:extLst>
+              <a:ext uri="{FF2B5EF4-FFF2-40B4-BE49-F238E27FC236}">
+                <a16:creationId xmlns:a16="http://schemas.microsoft.com/office/drawing/2014/main" id="{6D041CEA-576E-DCBB-CD73-3E5720B0D3DD}"/>
+              </a:ext>
+            </a:extLst>
+          </p:cNvPr>
+          <p:cNvSpPr txBox="1"/>
+          <p:nvPr/>
+        </p:nvSpPr>
+        <p:spPr>
+          <a:xfrm>
+            <a:off x="7504954" y="4950350"/>
+            <a:ext cx="3657600" cy="923330"/>
+          </a:xfrm>
+          <a:prstGeom prst="rect">
+            <a:avLst/>
+          </a:prstGeom>
+          <a:noFill/>
+        </p:spPr>
+        <p:txBody>
+          <a:bodyPr wrap="square" rtlCol="0">
+            <a:spAutoFit/>
+          </a:bodyPr>
+          <a:lstStyle/>
+          <a:p>
+            <a:r>
+              <a:rPr lang="en-US" dirty="0"/>
+              <a:t>Hands on experience with the libraries of python for analysis and visualization of data</a:t>
+            </a:r>
+            <a:endParaRPr lang="en-IN" dirty="0"/>
+          </a:p>
+        </p:txBody>
+      </p:sp>
+    </p:spTree>
+    <p:extLst>
+      <p:ext uri="{BB962C8B-B14F-4D97-AF65-F5344CB8AC3E}">
+        <p14:creationId xmlns:p14="http://schemas.microsoft.com/office/powerpoint/2010/main" val="4120671462"/>
+      </p:ext>
+    </p:extLst>
+  </p:cSld>
+  <p:clrMapOvr>
+    <a:masterClrMapping/>
+  </p:clrMapOvr>
+</p:sld>
+</file>
+
+<file path=ppt/slides/slide22.xml><?xml version="1.0" encoding="utf-8"?>
+<p:sld xmlns:a="http://schemas.openxmlformats.org/drawingml/2006/main" xmlns:r="http://schemas.openxmlformats.org/officeDocument/2006/relationships" xmlns:p="http://schemas.openxmlformats.org/presentationml/2006/main" showMasterSp="0">
+  <p:cSld>
+    <p:spTree>
+      <p:nvGrpSpPr>
+        <p:cNvPr id="1" name=""/>
+        <p:cNvGrpSpPr/>
+        <p:nvPr/>
+      </p:nvGrpSpPr>
+      <p:grpSpPr>
+        <a:xfrm>
+          <a:off x="0" y="0"/>
+          <a:ext cx="0" cy="0"/>
+          <a:chOff x="0" y="0"/>
+          <a:chExt cx="0" cy="0"/>
+        </a:xfrm>
+      </p:grpSpPr>
+      <p:sp>
+        <p:nvSpPr>
+          <p:cNvPr id="2" name="Title 1">
+            <a:extLst>
+              <a:ext uri="{FF2B5EF4-FFF2-40B4-BE49-F238E27FC236}">
                 <a16:creationId xmlns:a16="http://schemas.microsoft.com/office/drawing/2014/main" id="{F6CA4448-4930-46E0-AD53-50021D9DCF2B}"/>
               </a:ext>
             </a:extLst>
@@ -11396,7 +11718,7 @@
 </p:sld>
 </file>
 
-<file path=ppt/slides/slide22.xml><?xml version="1.0" encoding="utf-8"?>
+<file path=ppt/slides/slide23.xml><?xml version="1.0" encoding="utf-8"?>
 <p:sld xmlns:a="http://schemas.openxmlformats.org/drawingml/2006/main" xmlns:r="http://schemas.openxmlformats.org/officeDocument/2006/relationships" xmlns:p="http://schemas.openxmlformats.org/presentationml/2006/main">
   <p:cSld>
     <p:spTree>
@@ -12038,7 +12360,7 @@
             <a:pPr algn="just"/>
             <a:r>
               <a:rPr lang="en-US" sz="2000" dirty="0"/>
-              <a:t> can inform decision-making in the </a:t>
+              <a:t> can help decision-making in the </a:t>
             </a:r>
           </a:p>
           <a:p>
@@ -12111,14 +12433,15 @@
             <a:pPr algn="just"/>
             <a:r>
               <a:rPr lang="en-US" sz="2000" dirty="0"/>
-              <a:t> understanding of the online learning</a:t>
-            </a:r>
-          </a:p>
-          <a:p>
-            <a:pPr algn="just"/>
+              <a:t> understanding of the courses on </a:t>
+            </a:r>
+            <a:r>
+              <a:rPr lang="en-US" sz="2000" dirty="0" err="1"/>
+              <a:t>udemy</a:t>
+            </a:r>
             <a:r>
               <a:rPr lang="en-US" sz="2000" dirty="0"/>
-              <a:t> landscape.</a:t>
+              <a:t>.</a:t>
             </a:r>
             <a:endParaRPr lang="en-IN" sz="2000" dirty="0"/>
           </a:p>
@@ -13174,103 +13497,6 @@
                                   </p:childTnLst>
                                 </p:cTn>
                               </p:par>
-                              <p:par>
-                                <p:cTn id="57" presetID="42" presetClass="entr" presetSubtype="0" fill="hold" nodeType="withEffect">
-                                  <p:stCondLst>
-                                    <p:cond delay="0"/>
-                                  </p:stCondLst>
-                                  <p:childTnLst>
-                                    <p:set>
-                                      <p:cBhvr>
-                                        <p:cTn id="58" dur="1" fill="hold">
-                                          <p:stCondLst>
-                                            <p:cond delay="0"/>
-                                          </p:stCondLst>
-                                        </p:cTn>
-                                        <p:tgtEl>
-                                          <p:spTgt spid="5">
-                                            <p:txEl>
-                                              <p:pRg st="5" end="5"/>
-                                            </p:txEl>
-                                          </p:spTgt>
-                                        </p:tgtEl>
-                                        <p:attrNameLst>
-                                          <p:attrName>style.visibility</p:attrName>
-                                        </p:attrNameLst>
-                                      </p:cBhvr>
-                                      <p:to>
-                                        <p:strVal val="visible"/>
-                                      </p:to>
-                                    </p:set>
-                                    <p:animEffect transition="in" filter="fade">
-                                      <p:cBhvr>
-                                        <p:cTn id="59" dur="1000"/>
-                                        <p:tgtEl>
-                                          <p:spTgt spid="5">
-                                            <p:txEl>
-                                              <p:pRg st="5" end="5"/>
-                                            </p:txEl>
-                                          </p:spTgt>
-                                        </p:tgtEl>
-                                      </p:cBhvr>
-                                    </p:animEffect>
-                                    <p:anim calcmode="lin" valueType="num">
-                                      <p:cBhvr>
-                                        <p:cTn id="60" dur="1000" fill="hold"/>
-                                        <p:tgtEl>
-                                          <p:spTgt spid="5">
-                                            <p:txEl>
-                                              <p:pRg st="5" end="5"/>
-                                            </p:txEl>
-                                          </p:spTgt>
-                                        </p:tgtEl>
-                                        <p:attrNameLst>
-                                          <p:attrName>ppt_x</p:attrName>
-                                        </p:attrNameLst>
-                                      </p:cBhvr>
-                                      <p:tavLst>
-                                        <p:tav tm="0">
-                                          <p:val>
-                                            <p:strVal val="#ppt_x"/>
-                                          </p:val>
-                                        </p:tav>
-                                        <p:tav tm="100000">
-                                          <p:val>
-                                            <p:strVal val="#ppt_x"/>
-                                          </p:val>
-                                        </p:tav>
-                                      </p:tavLst>
-                                    </p:anim>
-                                    <p:anim calcmode="lin" valueType="num">
-                                      <p:cBhvr>
-                                        <p:cTn id="61" dur="1000" fill="hold"/>
-                                        <p:tgtEl>
-                                          <p:spTgt spid="5">
-                                            <p:txEl>
-                                              <p:pRg st="5" end="5"/>
-                                            </p:txEl>
-                                          </p:spTgt>
-                                        </p:tgtEl>
-                                        <p:attrNameLst>
-                                          <p:attrName>ppt_y</p:attrName>
-                                        </p:attrNameLst>
-                                      </p:cBhvr>
-                                      <p:tavLst>
-                                        <p:tav tm="0">
-                                          <p:val>
-                                            <p:strVal val="#ppt_y+.1"/>
-                                          </p:val>
-                                        </p:tav>
-                                        <p:tav tm="100000">
-                                          <p:val>
-                                            <p:strVal val="#ppt_y"/>
-                                          </p:val>
-                                        </p:tav>
-                                      </p:tavLst>
-                                    </p:anim>
-                                  </p:childTnLst>
-                                </p:cTn>
-                              </p:par>
                             </p:childTnLst>
                           </p:cTn>
                         </p:par>
@@ -13344,7 +13570,7 @@
         </p:blipFill>
         <p:spPr>
           <a:xfrm>
-            <a:off x="15605" y="0"/>
+            <a:off x="15605" y="10633"/>
             <a:ext cx="12192001" cy="6858000"/>
           </a:xfrm>
         </p:spPr>
@@ -13795,68 +14021,10 @@
       </p:grpSpPr>
       <p:sp>
         <p:nvSpPr>
-          <p:cNvPr id="2" name="Text Placeholder 1">
-            <a:extLst>
-              <a:ext uri="{FF2B5EF4-FFF2-40B4-BE49-F238E27FC236}">
-                <a16:creationId xmlns:a16="http://schemas.microsoft.com/office/drawing/2014/main" id="{820F7A3D-BD0C-1573-5054-DEFD7B193353}"/>
-              </a:ext>
-            </a:extLst>
-          </p:cNvPr>
-          <p:cNvSpPr>
-            <a:spLocks noGrp="1"/>
-          </p:cNvSpPr>
-          <p:nvPr>
-            <p:ph type="body" sz="quarter" idx="14"/>
-          </p:nvPr>
-        </p:nvSpPr>
-        <p:spPr/>
-        <p:txBody>
-          <a:bodyPr/>
-          <a:lstStyle/>
-          <a:p>
-            <a:r>
-              <a:rPr lang="en-US" dirty="0"/>
-              <a:t>WITH OUTLIERS</a:t>
-            </a:r>
-            <a:endParaRPr lang="en-IN" dirty="0"/>
-          </a:p>
-        </p:txBody>
-      </p:sp>
-      <p:sp>
-        <p:nvSpPr>
-          <p:cNvPr id="4" name="Text Placeholder 3">
-            <a:extLst>
-              <a:ext uri="{FF2B5EF4-FFF2-40B4-BE49-F238E27FC236}">
-                <a16:creationId xmlns:a16="http://schemas.microsoft.com/office/drawing/2014/main" id="{84F7469A-E6B1-D8D1-5A8C-D23C56C8F928}"/>
-              </a:ext>
-            </a:extLst>
-          </p:cNvPr>
-          <p:cNvSpPr>
-            <a:spLocks noGrp="1"/>
-          </p:cNvSpPr>
-          <p:nvPr>
-            <p:ph type="body" sz="quarter" idx="15"/>
-          </p:nvPr>
-        </p:nvSpPr>
-        <p:spPr/>
-        <p:txBody>
-          <a:bodyPr/>
-          <a:lstStyle/>
-          <a:p>
-            <a:r>
-              <a:rPr lang="en-US" dirty="0"/>
-              <a:t>AFTER HANDLING OUTLIERS</a:t>
-            </a:r>
-            <a:endParaRPr lang="en-IN" dirty="0"/>
-          </a:p>
-        </p:txBody>
-      </p:sp>
-      <p:sp>
-        <p:nvSpPr>
-          <p:cNvPr id="7" name="Title 6">
-            <a:extLst>
-              <a:ext uri="{FF2B5EF4-FFF2-40B4-BE49-F238E27FC236}">
-                <a16:creationId xmlns:a16="http://schemas.microsoft.com/office/drawing/2014/main" id="{F72FEC62-D1F4-17BD-F6D8-003F8FE9C416}"/>
+          <p:cNvPr id="2" name="Title 1">
+            <a:extLst>
+              <a:ext uri="{FF2B5EF4-FFF2-40B4-BE49-F238E27FC236}">
+                <a16:creationId xmlns:a16="http://schemas.microsoft.com/office/drawing/2014/main" id="{AB1CA48C-48B1-F210-2DB1-4DAA1CF36E3C}"/>
               </a:ext>
             </a:extLst>
           </p:cNvPr>
@@ -13869,8 +14037,8 @@
         </p:nvSpPr>
         <p:spPr>
           <a:xfrm>
-            <a:off x="660400" y="805213"/>
-            <a:ext cx="5435600" cy="830997"/>
+            <a:off x="432000" y="339622"/>
+            <a:ext cx="11340000" cy="700114"/>
           </a:xfrm>
         </p:spPr>
         <p:txBody>
@@ -13878,111 +14046,209 @@
           <a:lstStyle/>
           <a:p>
             <a:r>
-              <a:rPr lang="en-US" sz="4000" dirty="0"/>
-              <a:t>HANDLING OUTLIERS</a:t>
-            </a:r>
-            <a:endParaRPr lang="en-IN" sz="4000" dirty="0"/>
-          </a:p>
-        </p:txBody>
-      </p:sp>
-      <p:pic>
-        <p:nvPicPr>
-          <p:cNvPr id="3074" name="Picture 2">
-            <a:extLst>
-              <a:ext uri="{FF2B5EF4-FFF2-40B4-BE49-F238E27FC236}">
-                <a16:creationId xmlns:a16="http://schemas.microsoft.com/office/drawing/2014/main" id="{59DDCE53-E317-6966-0365-657201000548}"/>
-              </a:ext>
-            </a:extLst>
-          </p:cNvPr>
-          <p:cNvPicPr>
-            <a:picLocks noChangeAspect="1" noChangeArrowheads="1"/>
-          </p:cNvPicPr>
+              <a:rPr lang="en-US" dirty="0"/>
+              <a:t>RESULTS OF EDA</a:t>
+            </a:r>
+            <a:endParaRPr lang="en-IN" dirty="0"/>
+          </a:p>
+        </p:txBody>
+      </p:sp>
+      <p:sp>
+        <p:nvSpPr>
+          <p:cNvPr id="3" name="TextBox 2">
+            <a:extLst>
+              <a:ext uri="{FF2B5EF4-FFF2-40B4-BE49-F238E27FC236}">
+                <a16:creationId xmlns:a16="http://schemas.microsoft.com/office/drawing/2014/main" id="{8B0FE586-20E1-9892-121B-D709015A9C77}"/>
+              </a:ext>
+            </a:extLst>
+          </p:cNvPr>
+          <p:cNvSpPr txBox="1"/>
           <p:nvPr/>
-        </p:nvPicPr>
-        <p:blipFill>
-          <a:blip r:embed="rId2">
-            <a:extLst>
-              <a:ext uri="{28A0092B-C50C-407E-A947-70E740481C1C}">
-                <a14:useLocalDpi xmlns:a14="http://schemas.microsoft.com/office/drawing/2010/main" val="0"/>
-              </a:ext>
-            </a:extLst>
-          </a:blip>
-          <a:srcRect/>
-          <a:stretch>
-            <a:fillRect/>
-          </a:stretch>
-        </p:blipFill>
-        <p:spPr bwMode="auto">
-          <a:xfrm>
-            <a:off x="660400" y="2495968"/>
-            <a:ext cx="4895850" cy="3743325"/>
+        </p:nvSpPr>
+        <p:spPr>
+          <a:xfrm>
+            <a:off x="432000" y="1255399"/>
+            <a:ext cx="11340000" cy="5262979"/>
           </a:xfrm>
           <a:prstGeom prst="rect">
             <a:avLst/>
           </a:prstGeom>
           <a:noFill/>
-          <a:extLst>
-            <a:ext uri="{909E8E84-426E-40DD-AFC4-6F175D3DCCD1}">
-              <a14:hiddenFill xmlns:a14="http://schemas.microsoft.com/office/drawing/2010/main">
-                <a:solidFill>
-                  <a:srgbClr val="FFFFFF"/>
-                </a:solidFill>
-              </a14:hiddenFill>
-            </a:ext>
-          </a:extLst>
-        </p:spPr>
-      </p:pic>
-      <p:pic>
-        <p:nvPicPr>
-          <p:cNvPr id="3076" name="Picture 4">
-            <a:extLst>
-              <a:ext uri="{FF2B5EF4-FFF2-40B4-BE49-F238E27FC236}">
-                <a16:creationId xmlns:a16="http://schemas.microsoft.com/office/drawing/2014/main" id="{A7B39D40-7EA3-FEE8-93C4-0F2344EBE96A}"/>
-              </a:ext>
-            </a:extLst>
-          </p:cNvPr>
-          <p:cNvPicPr>
-            <a:picLocks noChangeAspect="1" noChangeArrowheads="1"/>
-          </p:cNvPicPr>
-          <p:nvPr/>
-        </p:nvPicPr>
-        <p:blipFill>
-          <a:blip r:embed="rId3">
-            <a:extLst>
-              <a:ext uri="{28A0092B-C50C-407E-A947-70E740481C1C}">
-                <a14:useLocalDpi xmlns:a14="http://schemas.microsoft.com/office/drawing/2010/main" val="0"/>
-              </a:ext>
-            </a:extLst>
-          </a:blip>
-          <a:srcRect/>
-          <a:stretch>
-            <a:fillRect/>
-          </a:stretch>
-        </p:blipFill>
-        <p:spPr bwMode="auto">
-          <a:xfrm>
-            <a:off x="6543675" y="2495968"/>
-            <a:ext cx="4895850" cy="3743325"/>
-          </a:xfrm>
-          <a:prstGeom prst="rect">
-            <a:avLst/>
-          </a:prstGeom>
-          <a:noFill/>
-          <a:extLst>
-            <a:ext uri="{909E8E84-426E-40DD-AFC4-6F175D3DCCD1}">
-              <a14:hiddenFill xmlns:a14="http://schemas.microsoft.com/office/drawing/2010/main">
-                <a:solidFill>
-                  <a:srgbClr val="FFFFFF"/>
-                </a:solidFill>
-              </a14:hiddenFill>
-            </a:ext>
-          </a:extLst>
-        </p:spPr>
-      </p:pic>
+        </p:spPr>
+        <p:txBody>
+          <a:bodyPr wrap="square" rtlCol="0">
+            <a:spAutoFit/>
+          </a:bodyPr>
+          <a:lstStyle/>
+          <a:p>
+            <a:r>
+              <a:rPr lang="en-US" sz="1600" dirty="0"/>
+              <a:t>Course Metrics:</a:t>
+            </a:r>
+          </a:p>
+          <a:p>
+            <a:pPr marL="285750" indent="-285750">
+              <a:buFont typeface="Arial" panose="020B0604020202020204" pitchFamily="34" charset="0"/>
+              <a:buChar char="•"/>
+            </a:pPr>
+            <a:r>
+              <a:rPr lang="en-US" sz="1600" dirty="0"/>
+              <a:t>The dataset contains information about 2302 courses.</a:t>
+            </a:r>
+          </a:p>
+          <a:p>
+            <a:pPr marL="285750" indent="-285750">
+              <a:buFont typeface="Arial" panose="020B0604020202020204" pitchFamily="34" charset="0"/>
+              <a:buChar char="•"/>
+            </a:pPr>
+            <a:r>
+              <a:rPr lang="en-US" sz="1600" dirty="0"/>
+              <a:t>The mean price of courses is approximately 57.76, with a standard deviation of 53.98.</a:t>
+            </a:r>
+          </a:p>
+          <a:p>
+            <a:pPr marL="285750" indent="-285750">
+              <a:buFont typeface="Arial" panose="020B0604020202020204" pitchFamily="34" charset="0"/>
+              <a:buChar char="•"/>
+            </a:pPr>
+            <a:r>
+              <a:rPr lang="en-US" sz="1600" dirty="0"/>
+              <a:t>On average, courses have around 699 subscribers, 16 reviews, and 24 lectures.</a:t>
+            </a:r>
+          </a:p>
+          <a:p>
+            <a:pPr marL="285750" indent="-285750">
+              <a:buFont typeface="Arial" panose="020B0604020202020204" pitchFamily="34" charset="0"/>
+              <a:buChar char="•"/>
+            </a:pPr>
+            <a:r>
+              <a:rPr lang="en-US" sz="1600" dirty="0"/>
+              <a:t>The mean content duration is approximately 2.13 hours.</a:t>
+            </a:r>
+          </a:p>
+          <a:p>
+            <a:pPr marL="285750" indent="-285750">
+              <a:buFont typeface="Arial" panose="020B0604020202020204" pitchFamily="34" charset="0"/>
+              <a:buChar char="•"/>
+            </a:pPr>
+            <a:r>
+              <a:rPr lang="en-US" sz="1600" dirty="0"/>
+              <a:t>The total sales for courses range from 0 to 641,200, with a mean of 44,335.36.</a:t>
+            </a:r>
+          </a:p>
+          <a:p>
+            <a:endParaRPr lang="en-US" sz="1600" dirty="0"/>
+          </a:p>
+          <a:p>
+            <a:r>
+              <a:rPr lang="en-US" sz="1600" dirty="0"/>
+              <a:t>Price Distribution:</a:t>
+            </a:r>
+          </a:p>
+          <a:p>
+            <a:pPr marL="285750" indent="-285750">
+              <a:buFont typeface="Arial" panose="020B0604020202020204" pitchFamily="34" charset="0"/>
+              <a:buChar char="•"/>
+            </a:pPr>
+            <a:r>
+              <a:rPr lang="en-US" sz="1600" dirty="0"/>
+              <a:t>Course prices range from free (0) to 200, with most falling between 20 and 70.</a:t>
+            </a:r>
+          </a:p>
+          <a:p>
+            <a:pPr marL="285750" indent="-285750">
+              <a:buFont typeface="Arial" panose="020B0604020202020204" pitchFamily="34" charset="0"/>
+              <a:buChar char="•"/>
+            </a:pPr>
+            <a:r>
+              <a:rPr lang="en-US" sz="1600" dirty="0"/>
+              <a:t>25% of courses are priced at 20 or below, while 25% are priced at 70 or above.</a:t>
+            </a:r>
+          </a:p>
+          <a:p>
+            <a:endParaRPr lang="en-US" sz="1600" dirty="0"/>
+          </a:p>
+          <a:p>
+            <a:r>
+              <a:rPr lang="en-US" sz="1600" dirty="0"/>
+              <a:t>Subscriber and Review Distribution:</a:t>
+            </a:r>
+          </a:p>
+          <a:p>
+            <a:pPr marL="285750" indent="-285750">
+              <a:buFont typeface="Arial" panose="020B0604020202020204" pitchFamily="34" charset="0"/>
+              <a:buChar char="•"/>
+            </a:pPr>
+            <a:r>
+              <a:rPr lang="en-US" sz="1600" dirty="0"/>
+              <a:t>Subscriber counts vary widely, with some courses having no subscribers and others having up to 3,258 subscribers.</a:t>
+            </a:r>
+          </a:p>
+          <a:p>
+            <a:pPr marL="285750" indent="-285750">
+              <a:buFont typeface="Arial" panose="020B0604020202020204" pitchFamily="34" charset="0"/>
+              <a:buChar char="•"/>
+            </a:pPr>
+            <a:r>
+              <a:rPr lang="en-US" sz="1600" dirty="0"/>
+              <a:t>The number of reviews ranges from 0 to 101.</a:t>
+            </a:r>
+          </a:p>
+          <a:p>
+            <a:endParaRPr lang="en-US" sz="1600" dirty="0"/>
+          </a:p>
+          <a:p>
+            <a:r>
+              <a:rPr lang="en-US" sz="1600" dirty="0"/>
+              <a:t>Content Duration:</a:t>
+            </a:r>
+          </a:p>
+          <a:p>
+            <a:pPr marL="285750" indent="-285750">
+              <a:buFont typeface="Arial" panose="020B0604020202020204" pitchFamily="34" charset="0"/>
+              <a:buChar char="•"/>
+            </a:pPr>
+            <a:r>
+              <a:rPr lang="en-US" sz="1600" dirty="0"/>
+              <a:t>The content duration of courses spans from 0 to 6 hours, with an average of approximately 2.13 hours.</a:t>
+            </a:r>
+          </a:p>
+          <a:p>
+            <a:pPr marL="285750" indent="-285750">
+              <a:buFont typeface="Arial" panose="020B0604020202020204" pitchFamily="34" charset="0"/>
+              <a:buChar char="•"/>
+            </a:pPr>
+            <a:r>
+              <a:rPr lang="en-US" sz="1600" dirty="0"/>
+              <a:t>50% of courses have a content duration between 1 to 3 hours.</a:t>
+            </a:r>
+          </a:p>
+          <a:p>
+            <a:endParaRPr lang="en-US" sz="1600" dirty="0"/>
+          </a:p>
+          <a:p>
+            <a:r>
+              <a:rPr lang="en-US" sz="1600" dirty="0"/>
+              <a:t>Year Distribution:</a:t>
+            </a:r>
+          </a:p>
+          <a:p>
+            <a:pPr marL="285750" indent="-285750">
+              <a:buFont typeface="Arial" panose="020B0604020202020204" pitchFamily="34" charset="0"/>
+              <a:buChar char="•"/>
+            </a:pPr>
+            <a:r>
+              <a:rPr lang="en-US" sz="1600" dirty="0"/>
+              <a:t>Courses in the dataset span from 2012 to 2017, with the majority released in 2015 and 2016.</a:t>
+            </a:r>
+            <a:endParaRPr lang="en-IN" sz="1600" dirty="0"/>
+          </a:p>
+        </p:txBody>
+      </p:sp>
     </p:spTree>
     <p:extLst>
       <p:ext uri="{BB962C8B-B14F-4D97-AF65-F5344CB8AC3E}">
-        <p14:creationId xmlns:p14="http://schemas.microsoft.com/office/powerpoint/2010/main" val="878193438"/>
+        <p14:creationId xmlns:p14="http://schemas.microsoft.com/office/powerpoint/2010/main" val="1656504945"/>
       </p:ext>
     </p:extLst>
   </p:cSld>
@@ -13993,7 +14259,7 @@
 </file>
 
 <file path=ppt/slides/slide9.xml><?xml version="1.0" encoding="utf-8"?>
-<p:sld xmlns:a="http://schemas.openxmlformats.org/drawingml/2006/main" xmlns:r="http://schemas.openxmlformats.org/officeDocument/2006/relationships" xmlns:p="http://schemas.openxmlformats.org/presentationml/2006/main" showMasterSp="0">
+<p:sld xmlns:a="http://schemas.openxmlformats.org/drawingml/2006/main" xmlns:r="http://schemas.openxmlformats.org/officeDocument/2006/relationships" xmlns:p="http://schemas.openxmlformats.org/presentationml/2006/main">
   <p:cSld>
     <p:spTree>
       <p:nvGrpSpPr>
@@ -14009,101 +14275,70 @@
           <a:chExt cx="0" cy="0"/>
         </a:xfrm>
       </p:grpSpPr>
-      <p:pic>
-        <p:nvPicPr>
-          <p:cNvPr id="10" name="Picture Placeholder 9" descr="Escalators">
-            <a:extLst>
-              <a:ext uri="{FF2B5EF4-FFF2-40B4-BE49-F238E27FC236}">
-                <a16:creationId xmlns:a16="http://schemas.microsoft.com/office/drawing/2014/main" id="{067ABCFB-135D-465A-8D06-3042F9E75BB6}"/>
-              </a:ext>
-            </a:extLst>
-          </p:cNvPr>
-          <p:cNvPicPr>
-            <a:picLocks noGrp="1" noChangeAspect="1"/>
-          </p:cNvPicPr>
+      <p:sp>
+        <p:nvSpPr>
+          <p:cNvPr id="2" name="Text Placeholder 1">
+            <a:extLst>
+              <a:ext uri="{FF2B5EF4-FFF2-40B4-BE49-F238E27FC236}">
+                <a16:creationId xmlns:a16="http://schemas.microsoft.com/office/drawing/2014/main" id="{820F7A3D-BD0C-1573-5054-DEFD7B193353}"/>
+              </a:ext>
+            </a:extLst>
+          </p:cNvPr>
+          <p:cNvSpPr>
+            <a:spLocks noGrp="1"/>
+          </p:cNvSpPr>
           <p:nvPr>
-            <p:ph type="pic" sz="quarter" idx="10"/>
+            <p:ph type="body" sz="quarter" idx="14"/>
           </p:nvPr>
-        </p:nvPicPr>
-        <p:blipFill rotWithShape="1">
-          <a:blip r:embed="rId2">
-            <a:alphaModFix amt="60000"/>
-          </a:blip>
-          <a:srcRect t="6729" r="33992" b="40721"/>
-          <a:stretch/>
-        </p:blipFill>
-        <p:spPr>
-          <a:xfrm>
-            <a:off x="15605" y="0"/>
-            <a:ext cx="12192001" cy="6858000"/>
-          </a:xfrm>
-        </p:spPr>
-      </p:pic>
-      <p:sp>
-        <p:nvSpPr>
-          <p:cNvPr id="3" name="Rectangle 2">
-            <a:extLst>
-              <a:ext uri="{FF2B5EF4-FFF2-40B4-BE49-F238E27FC236}">
-                <a16:creationId xmlns:a16="http://schemas.microsoft.com/office/drawing/2014/main" id="{47310966-9752-4035-9DD5-FFBC93FC094D}"/>
-              </a:ext>
-              <a:ext uri="{C183D7F6-B498-43B3-948B-1728B52AA6E4}">
-                <adec:decorative xmlns:adec="http://schemas.microsoft.com/office/drawing/2017/decorative" val="1"/>
-              </a:ext>
-            </a:extLst>
-          </p:cNvPr>
-          <p:cNvSpPr/>
-          <p:nvPr/>
-        </p:nvSpPr>
-        <p:spPr>
-          <a:xfrm>
-            <a:off x="3718560" y="1181123"/>
-            <a:ext cx="4754880" cy="4495754"/>
-          </a:xfrm>
-          <a:prstGeom prst="rect">
-            <a:avLst/>
-          </a:prstGeom>
-          <a:solidFill>
-            <a:schemeClr val="accent5">
-              <a:alpha val="40000"/>
-            </a:schemeClr>
-          </a:solidFill>
-          <a:ln w="60325">
-            <a:solidFill>
-              <a:schemeClr val="bg1"/>
-            </a:solidFill>
-          </a:ln>
-        </p:spPr>
-        <p:style>
-          <a:lnRef idx="2">
-            <a:schemeClr val="accent1">
-              <a:shade val="50000"/>
-            </a:schemeClr>
-          </a:lnRef>
-          <a:fillRef idx="1">
-            <a:schemeClr val="accent1"/>
-          </a:fillRef>
-          <a:effectRef idx="0">
-            <a:schemeClr val="accent1"/>
-          </a:effectRef>
-          <a:fontRef idx="minor">
-            <a:schemeClr val="lt1"/>
-          </a:fontRef>
-        </p:style>
-        <p:txBody>
-          <a:bodyPr rtlCol="0" anchor="ctr"/>
+        </p:nvSpPr>
+        <p:spPr/>
+        <p:txBody>
+          <a:bodyPr/>
           <a:lstStyle/>
           <a:p>
-            <a:pPr algn="ctr"/>
-            <a:endParaRPr lang="en-US" dirty="0"/>
-          </a:p>
-        </p:txBody>
-      </p:sp>
-      <p:sp>
-        <p:nvSpPr>
-          <p:cNvPr id="11" name="Title 10">
-            <a:extLst>
-              <a:ext uri="{FF2B5EF4-FFF2-40B4-BE49-F238E27FC236}">
-                <a16:creationId xmlns:a16="http://schemas.microsoft.com/office/drawing/2014/main" id="{3D9E7E43-0082-4819-947F-94AD5664FC83}"/>
+            <a:r>
+              <a:rPr lang="en-US" dirty="0"/>
+              <a:t>WITH OUTLIERS</a:t>
+            </a:r>
+            <a:endParaRPr lang="en-IN" dirty="0"/>
+          </a:p>
+        </p:txBody>
+      </p:sp>
+      <p:sp>
+        <p:nvSpPr>
+          <p:cNvPr id="4" name="Text Placeholder 3">
+            <a:extLst>
+              <a:ext uri="{FF2B5EF4-FFF2-40B4-BE49-F238E27FC236}">
+                <a16:creationId xmlns:a16="http://schemas.microsoft.com/office/drawing/2014/main" id="{84F7469A-E6B1-D8D1-5A8C-D23C56C8F928}"/>
+              </a:ext>
+            </a:extLst>
+          </p:cNvPr>
+          <p:cNvSpPr>
+            <a:spLocks noGrp="1"/>
+          </p:cNvSpPr>
+          <p:nvPr>
+            <p:ph type="body" sz="quarter" idx="15"/>
+          </p:nvPr>
+        </p:nvSpPr>
+        <p:spPr/>
+        <p:txBody>
+          <a:bodyPr/>
+          <a:lstStyle/>
+          <a:p>
+            <a:r>
+              <a:rPr lang="en-US" dirty="0"/>
+              <a:t>AFTER HANDLING OUTLIERS</a:t>
+            </a:r>
+            <a:endParaRPr lang="en-IN" dirty="0"/>
+          </a:p>
+        </p:txBody>
+      </p:sp>
+      <p:sp>
+        <p:nvSpPr>
+          <p:cNvPr id="7" name="Title 6">
+            <a:extLst>
+              <a:ext uri="{FF2B5EF4-FFF2-40B4-BE49-F238E27FC236}">
+                <a16:creationId xmlns:a16="http://schemas.microsoft.com/office/drawing/2014/main" id="{F72FEC62-D1F4-17BD-F6D8-003F8FE9C416}"/>
               </a:ext>
             </a:extLst>
           </p:cNvPr>
@@ -14114,196 +14349,122 @@
             <p:ph type="title"/>
           </p:nvPr>
         </p:nvSpPr>
-        <p:spPr/>
+        <p:spPr>
+          <a:xfrm>
+            <a:off x="660400" y="805213"/>
+            <a:ext cx="5435600" cy="830997"/>
+          </a:xfrm>
+        </p:spPr>
         <p:txBody>
           <a:bodyPr/>
           <a:lstStyle/>
           <a:p>
-            <a:pPr rtl="0" eaLnBrk="1" latinLnBrk="0" hangingPunct="1"/>
-            <a:r>
-              <a:rPr lang="en-US" dirty="0">
-                <a:latin typeface="Calibri Light" panose="020F0302020204030204" pitchFamily="34" charset="0"/>
-                <a:ea typeface="+mn-ea"/>
-                <a:cs typeface="+mn-cs"/>
-              </a:rPr>
-              <a:t>ANALYSIS </a:t>
-            </a:r>
-            <a:br>
-              <a:rPr lang="en-US" dirty="0">
-                <a:latin typeface="Calibri Light" panose="020F0302020204030204" pitchFamily="34" charset="0"/>
-                <a:ea typeface="+mn-ea"/>
-                <a:cs typeface="+mn-cs"/>
-              </a:rPr>
-            </a:br>
-            <a:r>
-              <a:rPr lang="en-US" dirty="0">
-                <a:latin typeface="Calibri Light" panose="020F0302020204030204" pitchFamily="34" charset="0"/>
-                <a:ea typeface="+mn-ea"/>
-                <a:cs typeface="+mn-cs"/>
-              </a:rPr>
-              <a:t>AND </a:t>
-            </a:r>
-            <a:br>
-              <a:rPr lang="en-US" dirty="0">
-                <a:latin typeface="Calibri Light" panose="020F0302020204030204" pitchFamily="34" charset="0"/>
-                <a:ea typeface="+mn-ea"/>
-                <a:cs typeface="+mn-cs"/>
-              </a:rPr>
-            </a:br>
-            <a:r>
-              <a:rPr lang="en-US" dirty="0">
-                <a:latin typeface="Calibri Light" panose="020F0302020204030204" pitchFamily="34" charset="0"/>
-                <a:ea typeface="+mn-ea"/>
-                <a:cs typeface="+mn-cs"/>
-              </a:rPr>
-              <a:t>INSIGHTS</a:t>
-            </a:r>
-            <a:endParaRPr lang="en-US" dirty="0"/>
-          </a:p>
-        </p:txBody>
-      </p:sp>
-      <p:sp>
-        <p:nvSpPr>
-          <p:cNvPr id="6" name="Rectangle 5">
-            <a:extLst>
-              <a:ext uri="{FF2B5EF4-FFF2-40B4-BE49-F238E27FC236}">
-                <a16:creationId xmlns:a16="http://schemas.microsoft.com/office/drawing/2014/main" id="{BFF64F07-1F8D-4F69-87E4-03E837E975EE}"/>
-              </a:ext>
-              <a:ext uri="{C183D7F6-B498-43B3-948B-1728B52AA6E4}">
-                <adec:decorative xmlns:adec="http://schemas.microsoft.com/office/drawing/2017/decorative" val="1"/>
-              </a:ext>
-            </a:extLst>
-          </p:cNvPr>
-          <p:cNvSpPr/>
+            <a:r>
+              <a:rPr lang="en-US" sz="4000" dirty="0"/>
+              <a:t>HANDLING OUTLIERS</a:t>
+            </a:r>
+            <a:endParaRPr lang="en-IN" sz="4000" dirty="0"/>
+          </a:p>
+        </p:txBody>
+      </p:sp>
+      <p:pic>
+        <p:nvPicPr>
+          <p:cNvPr id="3074" name="Picture 2">
+            <a:extLst>
+              <a:ext uri="{FF2B5EF4-FFF2-40B4-BE49-F238E27FC236}">
+                <a16:creationId xmlns:a16="http://schemas.microsoft.com/office/drawing/2014/main" id="{59DDCE53-E317-6966-0365-657201000548}"/>
+              </a:ext>
+            </a:extLst>
+          </p:cNvPr>
+          <p:cNvPicPr>
+            <a:picLocks noChangeAspect="1" noChangeArrowheads="1"/>
+          </p:cNvPicPr>
           <p:nvPr/>
-        </p:nvSpPr>
-        <p:spPr>
-          <a:xfrm>
-            <a:off x="2918168" y="1181123"/>
-            <a:ext cx="459924" cy="459924"/>
+        </p:nvPicPr>
+        <p:blipFill>
+          <a:blip r:embed="rId2">
+            <a:extLst>
+              <a:ext uri="{28A0092B-C50C-407E-A947-70E740481C1C}">
+                <a14:useLocalDpi xmlns:a14="http://schemas.microsoft.com/office/drawing/2010/main" val="0"/>
+              </a:ext>
+            </a:extLst>
+          </a:blip>
+          <a:srcRect/>
+          <a:stretch>
+            <a:fillRect/>
+          </a:stretch>
+        </p:blipFill>
+        <p:spPr bwMode="auto">
+          <a:xfrm>
+            <a:off x="660400" y="2495968"/>
+            <a:ext cx="4895850" cy="3743325"/>
           </a:xfrm>
           <a:prstGeom prst="rect">
             <a:avLst/>
           </a:prstGeom>
-          <a:solidFill>
-            <a:schemeClr val="bg2"/>
-          </a:solidFill>
-          <a:ln>
-            <a:noFill/>
-          </a:ln>
-        </p:spPr>
-        <p:style>
-          <a:lnRef idx="2">
-            <a:schemeClr val="accent1">
-              <a:shade val="50000"/>
-            </a:schemeClr>
-          </a:lnRef>
-          <a:fillRef idx="1">
-            <a:schemeClr val="accent1"/>
-          </a:fillRef>
-          <a:effectRef idx="0">
-            <a:schemeClr val="accent1"/>
-          </a:effectRef>
-          <a:fontRef idx="minor">
-            <a:schemeClr val="lt1"/>
-          </a:fontRef>
-        </p:style>
-        <p:txBody>
-          <a:bodyPr rtlCol="0" anchor="ctr"/>
-          <a:lstStyle/>
-          <a:p>
-            <a:pPr algn="ctr"/>
-            <a:endParaRPr lang="en-US" dirty="0"/>
-          </a:p>
-        </p:txBody>
-      </p:sp>
-      <p:sp>
-        <p:nvSpPr>
-          <p:cNvPr id="8" name="Rectangle 7">
-            <a:extLst>
-              <a:ext uri="{FF2B5EF4-FFF2-40B4-BE49-F238E27FC236}">
-                <a16:creationId xmlns:a16="http://schemas.microsoft.com/office/drawing/2014/main" id="{FD0393EC-C7F4-46AA-8768-FF7CD4DE0552}"/>
-              </a:ext>
-              <a:ext uri="{C183D7F6-B498-43B3-948B-1728B52AA6E4}">
-                <adec:decorative xmlns:adec="http://schemas.microsoft.com/office/drawing/2017/decorative" val="1"/>
-              </a:ext>
-            </a:extLst>
-          </p:cNvPr>
-          <p:cNvSpPr/>
+          <a:noFill/>
+          <a:extLst>
+            <a:ext uri="{909E8E84-426E-40DD-AFC4-6F175D3DCCD1}">
+              <a14:hiddenFill xmlns:a14="http://schemas.microsoft.com/office/drawing/2010/main">
+                <a:solidFill>
+                  <a:srgbClr val="FFFFFF"/>
+                </a:solidFill>
+              </a14:hiddenFill>
+            </a:ext>
+          </a:extLst>
+        </p:spPr>
+      </p:pic>
+      <p:pic>
+        <p:nvPicPr>
+          <p:cNvPr id="3076" name="Picture 4">
+            <a:extLst>
+              <a:ext uri="{FF2B5EF4-FFF2-40B4-BE49-F238E27FC236}">
+                <a16:creationId xmlns:a16="http://schemas.microsoft.com/office/drawing/2014/main" id="{A7B39D40-7EA3-FEE8-93C4-0F2344EBE96A}"/>
+              </a:ext>
+            </a:extLst>
+          </p:cNvPr>
+          <p:cNvPicPr>
+            <a:picLocks noChangeAspect="1" noChangeArrowheads="1"/>
+          </p:cNvPicPr>
           <p:nvPr/>
-        </p:nvSpPr>
-        <p:spPr>
-          <a:xfrm>
-            <a:off x="8531920" y="5840880"/>
-            <a:ext cx="284372" cy="284372"/>
+        </p:nvPicPr>
+        <p:blipFill>
+          <a:blip r:embed="rId3">
+            <a:extLst>
+              <a:ext uri="{28A0092B-C50C-407E-A947-70E740481C1C}">
+                <a14:useLocalDpi xmlns:a14="http://schemas.microsoft.com/office/drawing/2010/main" val="0"/>
+              </a:ext>
+            </a:extLst>
+          </a:blip>
+          <a:srcRect/>
+          <a:stretch>
+            <a:fillRect/>
+          </a:stretch>
+        </p:blipFill>
+        <p:spPr bwMode="auto">
+          <a:xfrm>
+            <a:off x="6543675" y="2495968"/>
+            <a:ext cx="4895850" cy="3743325"/>
           </a:xfrm>
           <a:prstGeom prst="rect">
             <a:avLst/>
           </a:prstGeom>
-          <a:solidFill>
-            <a:schemeClr val="accent4"/>
-          </a:solidFill>
-          <a:ln>
-            <a:noFill/>
-          </a:ln>
-        </p:spPr>
-        <p:style>
-          <a:lnRef idx="2">
-            <a:schemeClr val="accent1">
-              <a:shade val="50000"/>
-            </a:schemeClr>
-          </a:lnRef>
-          <a:fillRef idx="1">
-            <a:schemeClr val="accent1"/>
-          </a:fillRef>
-          <a:effectRef idx="0">
-            <a:schemeClr val="accent1"/>
-          </a:effectRef>
-          <a:fontRef idx="minor">
-            <a:schemeClr val="lt1"/>
-          </a:fontRef>
-        </p:style>
-        <p:txBody>
-          <a:bodyPr rtlCol="0" anchor="ctr"/>
-          <a:lstStyle/>
-          <a:p>
-            <a:pPr algn="ctr"/>
-            <a:endParaRPr lang="en-US" dirty="0"/>
-          </a:p>
-        </p:txBody>
-      </p:sp>
-      <p:sp>
-        <p:nvSpPr>
-          <p:cNvPr id="5" name="Text Placeholder 4">
-            <a:extLst>
-              <a:ext uri="{FF2B5EF4-FFF2-40B4-BE49-F238E27FC236}">
-                <a16:creationId xmlns:a16="http://schemas.microsoft.com/office/drawing/2014/main" id="{6B6DDC29-DFE2-4F0C-9C81-DDBC9CD8D269}"/>
-              </a:ext>
-            </a:extLst>
-          </p:cNvPr>
-          <p:cNvSpPr>
-            <a:spLocks noGrp="1"/>
-          </p:cNvSpPr>
-          <p:nvPr>
-            <p:ph type="body" sz="quarter" idx="11"/>
-          </p:nvPr>
-        </p:nvSpPr>
-        <p:spPr/>
-        <p:txBody>
-          <a:bodyPr/>
-          <a:lstStyle/>
-          <a:p>
-            <a:r>
-              <a:rPr lang="en-US" dirty="0"/>
-              <a:t>Let’s dive in</a:t>
-            </a:r>
-          </a:p>
-        </p:txBody>
-      </p:sp>
+          <a:noFill/>
+          <a:extLst>
+            <a:ext uri="{909E8E84-426E-40DD-AFC4-6F175D3DCCD1}">
+              <a14:hiddenFill xmlns:a14="http://schemas.microsoft.com/office/drawing/2010/main">
+                <a:solidFill>
+                  <a:srgbClr val="FFFFFF"/>
+                </a:solidFill>
+              </a14:hiddenFill>
+            </a:ext>
+          </a:extLst>
+        </p:spPr>
+      </p:pic>
     </p:spTree>
     <p:extLst>
       <p:ext uri="{BB962C8B-B14F-4D97-AF65-F5344CB8AC3E}">
-        <p14:creationId xmlns:p14="http://schemas.microsoft.com/office/powerpoint/2010/main" val="1548987712"/>
+        <p14:creationId xmlns:p14="http://schemas.microsoft.com/office/powerpoint/2010/main" val="878193438"/>
       </p:ext>
     </p:extLst>
   </p:cSld>
@@ -15135,21 +15296,21 @@
 </file>
 
 <file path=customXml/item1.xml><?xml version="1.0" encoding="utf-8"?>
+<?mso-contentType ?>
+<FormTemplates xmlns="http://schemas.microsoft.com/sharepoint/v3/contenttype/forms">
+  <Display>DocumentLibraryForm</Display>
+  <Edit>DocumentLibraryForm</Edit>
+  <New>DocumentLibraryForm</New>
+</FormTemplates>
+</file>
+
+<file path=customXml/item2.xml><?xml version="1.0" encoding="utf-8"?>
 <p:properties xmlns:p="http://schemas.microsoft.com/office/2006/metadata/properties" xmlns:xsi="http://www.w3.org/2001/XMLSchema-instance" xmlns:pc="http://schemas.microsoft.com/office/infopath/2007/PartnerControls">
   <documentManagement>
     <Status xmlns="71af3243-3dd4-4a8d-8c0d-dd76da1f02a5">Not started</Status>
     <MediaServiceKeyPoints xmlns="71af3243-3dd4-4a8d-8c0d-dd76da1f02a5" xsi:nil="true"/>
   </documentManagement>
 </p:properties>
-</file>
-
-<file path=customXml/item2.xml><?xml version="1.0" encoding="utf-8"?>
-<?mso-contentType ?>
-<FormTemplates xmlns="http://schemas.microsoft.com/sharepoint/v3/contenttype/forms">
-  <Display>DocumentLibraryForm</Display>
-  <Edit>DocumentLibraryForm</Edit>
-  <New>DocumentLibraryForm</New>
-</FormTemplates>
 </file>
 
 <file path=customXml/item3.xml><?xml version="1.0" encoding="utf-8"?>
@@ -15374,19 +15535,19 @@
 </file>
 
 <file path=customXml/itemProps1.xml><?xml version="1.0" encoding="utf-8"?>
+<ds:datastoreItem xmlns:ds="http://schemas.openxmlformats.org/officeDocument/2006/customXml" ds:itemID="{05D99ABA-76CE-4A8E-B5F0-C051B96628DE}">
+  <ds:schemaRefs>
+    <ds:schemaRef ds:uri="http://schemas.microsoft.com/sharepoint/v3/contenttype/forms"/>
+  </ds:schemaRefs>
+</ds:datastoreItem>
+</file>
+
+<file path=customXml/itemProps2.xml><?xml version="1.0" encoding="utf-8"?>
 <ds:datastoreItem xmlns:ds="http://schemas.openxmlformats.org/officeDocument/2006/customXml" ds:itemID="{4DEA9014-ED64-4558-B1E1-D03F0EE32BEB}">
   <ds:schemaRefs>
     <ds:schemaRef ds:uri="http://schemas.microsoft.com/office/2006/metadata/properties"/>
     <ds:schemaRef ds:uri="http://schemas.microsoft.com/office/infopath/2007/PartnerControls"/>
     <ds:schemaRef ds:uri="71af3243-3dd4-4a8d-8c0d-dd76da1f02a5"/>
-  </ds:schemaRefs>
-</ds:datastoreItem>
-</file>
-
-<file path=customXml/itemProps2.xml><?xml version="1.0" encoding="utf-8"?>
-<ds:datastoreItem xmlns:ds="http://schemas.openxmlformats.org/officeDocument/2006/customXml" ds:itemID="{05D99ABA-76CE-4A8E-B5F0-C051B96628DE}">
-  <ds:schemaRefs>
-    <ds:schemaRef ds:uri="http://schemas.microsoft.com/sharepoint/v3/contenttype/forms"/>
   </ds:schemaRefs>
 </ds:datastoreItem>
 </file>

--- a/DAVppt.pptx
+++ b/DAVppt.pptx
@@ -10401,7 +10401,7 @@
         <p:spPr>
           <a:xfrm>
             <a:off x="266218" y="312516"/>
-            <a:ext cx="11574683" cy="5693866"/>
+            <a:ext cx="11574683" cy="4832092"/>
           </a:xfrm>
           <a:prstGeom prst="rect">
             <a:avLst/>
@@ -10420,15 +10420,15 @@
             </a:pPr>
             <a:r>
               <a:rPr lang="en-US" sz="2800" dirty="0"/>
-              <a:t>There is a strong positive correlation between price and </a:t>
+              <a:t>There is a positive correlation between </a:t>
             </a:r>
             <a:r>
               <a:rPr lang="en-US" sz="2800" dirty="0" err="1"/>
-              <a:t>num_subscribers</a:t>
+              <a:t>course_id</a:t>
             </a:r>
             <a:r>
               <a:rPr lang="en-US" sz="2800" dirty="0"/>
-              <a:t>, which means that courses with higher prices tend to have more subscribers.</a:t>
+              <a:t> and year (0.93). This means that courses with higher IDs tend to be offered in more recent years.</a:t>
             </a:r>
           </a:p>
           <a:p>
@@ -10438,15 +10438,23 @@
             </a:pPr>
             <a:r>
               <a:rPr lang="en-US" sz="2800" dirty="0"/>
-              <a:t>There is a moderate positive correlation between price and </a:t>
+              <a:t>There is a positive correlation between </a:t>
             </a:r>
             <a:r>
               <a:rPr lang="en-US" sz="2800" dirty="0" err="1"/>
-              <a:t>num_lectures</a:t>
+              <a:t>num_reviews</a:t>
             </a:r>
             <a:r>
               <a:rPr lang="en-US" sz="2800" dirty="0"/>
-              <a:t>, which means that courses with more lectures tend to have higher prices.</a:t>
+              <a:t> and </a:t>
+            </a:r>
+            <a:r>
+              <a:rPr lang="en-US" sz="2800" dirty="0" err="1"/>
+              <a:t>num_subscribers</a:t>
+            </a:r>
+            <a:r>
+              <a:rPr lang="en-US" sz="2800" dirty="0"/>
+              <a:t> (0.65). This means that courses with more reviews tend to have more subscribers.</a:t>
             </a:r>
           </a:p>
           <a:p>
@@ -10456,11 +10464,11 @@
             </a:pPr>
             <a:r>
               <a:rPr lang="en-US" sz="2800" dirty="0"/>
-              <a:t>There is a moderate positive correlation between </a:t>
+              <a:t>There is a positive correlation between </a:t>
             </a:r>
             <a:r>
               <a:rPr lang="en-US" sz="2800" dirty="0" err="1"/>
-              <a:t>num_subscribers</a:t>
+              <a:t>num_lectures</a:t>
             </a:r>
             <a:r>
               <a:rPr lang="en-US" sz="2800" dirty="0"/>
@@ -10468,11 +10476,11 @@
             </a:r>
             <a:r>
               <a:rPr lang="en-US" sz="2800" dirty="0" err="1"/>
-              <a:t>num_lectures</a:t>
+              <a:t>content_duration</a:t>
             </a:r>
             <a:r>
               <a:rPr lang="en-US" sz="2800" dirty="0"/>
-              <a:t>, which means that courses with more lectures tend to have more subscribers.</a:t>
+              <a:t> (0.80). This means that courses with more lectures tend to have longer content duration.</a:t>
             </a:r>
           </a:p>
           <a:p>
@@ -10482,41 +10490,7 @@
             </a:pPr>
             <a:r>
               <a:rPr lang="en-US" sz="2800" dirty="0"/>
-              <a:t>There is a weak positive correlation between </a:t>
-            </a:r>
-            <a:r>
-              <a:rPr lang="en-US" sz="2800" dirty="0" err="1"/>
-              <a:t>content_duration</a:t>
-            </a:r>
-            <a:r>
-              <a:rPr lang="en-US" sz="2800" dirty="0"/>
-              <a:t> and </a:t>
-            </a:r>
-            <a:r>
-              <a:rPr lang="en-US" sz="2800" dirty="0" err="1"/>
-              <a:t>num_lectures</a:t>
-            </a:r>
-            <a:r>
-              <a:rPr lang="en-US" sz="2800" dirty="0"/>
-              <a:t>, which means that courses with more lectures tend to have longer content duration.</a:t>
-            </a:r>
-          </a:p>
-          <a:p>
-            <a:pPr marL="285750" indent="-285750">
-              <a:buFont typeface="Arial" panose="020B0604020202020204" pitchFamily="34" charset="0"/>
-              <a:buChar char="•"/>
-            </a:pPr>
-            <a:r>
-              <a:rPr lang="en-US" sz="2800" dirty="0"/>
-              <a:t>There is a weak positive correlation between </a:t>
-            </a:r>
-            <a:r>
-              <a:rPr lang="en-US" sz="2800" dirty="0" err="1"/>
-              <a:t>content_duration</a:t>
-            </a:r>
-            <a:r>
-              <a:rPr lang="en-US" sz="2800" dirty="0"/>
-              <a:t> and price, which means that courses with higher prices tend to have longer content duration.</a:t>
+              <a:t>There is a weak positive correlation between price and year (0.13). This means that there might be a slight tendency for newer courses to be more expensive</a:t>
             </a:r>
             <a:endParaRPr lang="en-IN" sz="2800" dirty="0"/>
           </a:p>
